--- a/Dev/Ben/Ben - Machine Learning.pptx
+++ b/Dev/Ben/Ben - Machine Learning.pptx
@@ -8,6 +8,9 @@
     <p:sldId id="256" r:id="rId2"/>
     <p:sldId id="260" r:id="rId3"/>
     <p:sldId id="261" r:id="rId4"/>
+    <p:sldId id="263" r:id="rId5"/>
+    <p:sldId id="262" r:id="rId6"/>
+    <p:sldId id="264" r:id="rId7"/>
   </p:sldIdLst>
   <p:sldSz cx="12192000" cy="6858000"/>
   <p:notesSz cx="6858000" cy="9144000"/>
@@ -117,7 +120,7 @@
 <file path=ppt/revisionInfo.xml><?xml version="1.0" encoding="utf-8"?>
 <p1510:revInfo xmlns:a="http://schemas.openxmlformats.org/drawingml/2006/main" xmlns:r="http://schemas.openxmlformats.org/officeDocument/2006/relationships" xmlns:p1510="http://schemas.microsoft.com/office/powerpoint/2015/10/main">
   <p1510:revLst>
-    <p1510:client id="{5F64E7C9-41FC-43FF-B4A6-B8714E7177E5}" v="17" dt="2020-07-23T05:02:31.762"/>
+    <p1510:client id="{5F64E7C9-41FC-43FF-B4A6-B8714E7177E5}" v="127" dt="2020-07-24T03:06:59.824"/>
   </p1510:revLst>
 </p1510:revInfo>
 </file>
@@ -127,18 +130,18 @@
   <pc:docChgLst>
     <pc:chgData name="Benjamin AUBRY" userId="3378e7d37fbb753c" providerId="LiveId" clId="{5F64E7C9-41FC-43FF-B4A6-B8714E7177E5}"/>
     <pc:docChg chg="undo custSel addSld delSld modSld sldOrd">
-      <pc:chgData name="Benjamin AUBRY" userId="3378e7d37fbb753c" providerId="LiveId" clId="{5F64E7C9-41FC-43FF-B4A6-B8714E7177E5}" dt="2020-07-23T19:03:57.828" v="1903" actId="20577"/>
+      <pc:chgData name="Benjamin AUBRY" userId="3378e7d37fbb753c" providerId="LiveId" clId="{5F64E7C9-41FC-43FF-B4A6-B8714E7177E5}" dt="2020-07-24T04:07:05.775" v="5511" actId="14100"/>
       <pc:docMkLst>
         <pc:docMk/>
       </pc:docMkLst>
       <pc:sldChg chg="addSp delSp modSp mod">
-        <pc:chgData name="Benjamin AUBRY" userId="3378e7d37fbb753c" providerId="LiveId" clId="{5F64E7C9-41FC-43FF-B4A6-B8714E7177E5}" dt="2020-07-23T05:02:05.419" v="1833" actId="20577"/>
+        <pc:chgData name="Benjamin AUBRY" userId="3378e7d37fbb753c" providerId="LiveId" clId="{5F64E7C9-41FC-43FF-B4A6-B8714E7177E5}" dt="2020-07-23T22:05:19.397" v="4345" actId="20577"/>
         <pc:sldMkLst>
           <pc:docMk/>
           <pc:sldMk cId="3049122679" sldId="256"/>
         </pc:sldMkLst>
         <pc:spChg chg="mod">
-          <ac:chgData name="Benjamin AUBRY" userId="3378e7d37fbb753c" providerId="LiveId" clId="{5F64E7C9-41FC-43FF-B4A6-B8714E7177E5}" dt="2020-07-23T04:01:45.610" v="1299" actId="20577"/>
+          <ac:chgData name="Benjamin AUBRY" userId="3378e7d37fbb753c" providerId="LiveId" clId="{5F64E7C9-41FC-43FF-B4A6-B8714E7177E5}" dt="2020-07-23T22:05:19.397" v="4345" actId="20577"/>
           <ac:spMkLst>
             <pc:docMk/>
             <pc:sldMk cId="3049122679" sldId="256"/>
@@ -162,7 +165,7 @@
           </ac:spMkLst>
         </pc:spChg>
         <pc:spChg chg="add mod">
-          <ac:chgData name="Benjamin AUBRY" userId="3378e7d37fbb753c" providerId="LiveId" clId="{5F64E7C9-41FC-43FF-B4A6-B8714E7177E5}" dt="2020-07-23T04:38:09.622" v="1748" actId="20577"/>
+          <ac:chgData name="Benjamin AUBRY" userId="3378e7d37fbb753c" providerId="LiveId" clId="{5F64E7C9-41FC-43FF-B4A6-B8714E7177E5}" dt="2020-07-23T19:51:13.345" v="2364" actId="20577"/>
           <ac:spMkLst>
             <pc:docMk/>
             <pc:sldMk cId="3049122679" sldId="256"/>
@@ -178,7 +181,7 @@
           </ac:graphicFrameMkLst>
         </pc:graphicFrameChg>
         <pc:graphicFrameChg chg="add mod modGraphic">
-          <ac:chgData name="Benjamin AUBRY" userId="3378e7d37fbb753c" providerId="LiveId" clId="{5F64E7C9-41FC-43FF-B4A6-B8714E7177E5}" dt="2020-07-23T05:02:05.419" v="1833" actId="20577"/>
+          <ac:chgData name="Benjamin AUBRY" userId="3378e7d37fbb753c" providerId="LiveId" clId="{5F64E7C9-41FC-43FF-B4A6-B8714E7177E5}" dt="2020-07-23T19:50:31.583" v="2352" actId="1076"/>
           <ac:graphicFrameMkLst>
             <pc:docMk/>
             <pc:sldMk cId="3049122679" sldId="256"/>
@@ -279,26 +282,402 @@
           <pc:sldMk cId="926630306" sldId="259"/>
         </pc:sldMkLst>
       </pc:sldChg>
-      <pc:sldChg chg="delSp modSp add mod ord">
-        <pc:chgData name="Benjamin AUBRY" userId="3378e7d37fbb753c" providerId="LiveId" clId="{5F64E7C9-41FC-43FF-B4A6-B8714E7177E5}" dt="2020-07-23T04:11:33.611" v="1379" actId="478"/>
+      <pc:sldChg chg="addSp delSp modSp add mod ord">
+        <pc:chgData name="Benjamin AUBRY" userId="3378e7d37fbb753c" providerId="LiveId" clId="{5F64E7C9-41FC-43FF-B4A6-B8714E7177E5}" dt="2020-07-23T22:03:07.436" v="4320" actId="14100"/>
         <pc:sldMkLst>
           <pc:docMk/>
           <pc:sldMk cId="1027681848" sldId="260"/>
         </pc:sldMkLst>
         <pc:spChg chg="mod">
-          <ac:chgData name="Benjamin AUBRY" userId="3378e7d37fbb753c" providerId="LiveId" clId="{5F64E7C9-41FC-43FF-B4A6-B8714E7177E5}" dt="2020-07-23T04:11:08.057" v="1377" actId="20577"/>
+          <ac:chgData name="Benjamin AUBRY" userId="3378e7d37fbb753c" providerId="LiveId" clId="{5F64E7C9-41FC-43FF-B4A6-B8714E7177E5}" dt="2020-07-23T20:48:04.120" v="2691" actId="27636"/>
           <ac:spMkLst>
             <pc:docMk/>
             <pc:sldMk cId="1027681848" sldId="260"/>
             <ac:spMk id="2" creationId="{DAB68D43-E877-470D-B8DD-DB6CF3339724}"/>
           </ac:spMkLst>
         </pc:spChg>
+        <pc:spChg chg="add mod">
+          <ac:chgData name="Benjamin AUBRY" userId="3378e7d37fbb753c" providerId="LiveId" clId="{5F64E7C9-41FC-43FF-B4A6-B8714E7177E5}" dt="2020-07-23T19:36:15.605" v="1906" actId="5793"/>
+          <ac:spMkLst>
+            <pc:docMk/>
+            <pc:sldMk cId="1027681848" sldId="260"/>
+            <ac:spMk id="3" creationId="{2563C3FA-06FE-4A92-B19A-489E1944D91E}"/>
+          </ac:spMkLst>
+        </pc:spChg>
+        <pc:spChg chg="add mod">
+          <ac:chgData name="Benjamin AUBRY" userId="3378e7d37fbb753c" providerId="LiveId" clId="{5F64E7C9-41FC-43FF-B4A6-B8714E7177E5}" dt="2020-07-23T21:02:53.834" v="3046" actId="1076"/>
+          <ac:spMkLst>
+            <pc:docMk/>
+            <pc:sldMk cId="1027681848" sldId="260"/>
+            <ac:spMk id="5" creationId="{AF4E4BC9-299E-41C2-9FBC-E55EBC5131CA}"/>
+          </ac:spMkLst>
+        </pc:spChg>
         <pc:spChg chg="mod">
-          <ac:chgData name="Benjamin AUBRY" userId="3378e7d37fbb753c" providerId="LiveId" clId="{5F64E7C9-41FC-43FF-B4A6-B8714E7177E5}" dt="2020-07-23T04:11:30.913" v="1378" actId="20577"/>
+          <ac:chgData name="Benjamin AUBRY" userId="3378e7d37fbb753c" providerId="LiveId" clId="{5F64E7C9-41FC-43FF-B4A6-B8714E7177E5}" dt="2020-07-23T21:51:44.179" v="4175" actId="1076"/>
           <ac:spMkLst>
             <pc:docMk/>
             <pc:sldMk cId="1027681848" sldId="260"/>
             <ac:spMk id="6" creationId="{369DBA87-DDB6-4BEF-82A6-D2C014ED8A80}"/>
+          </ac:spMkLst>
+        </pc:spChg>
+        <pc:spChg chg="add del mod">
+          <ac:chgData name="Benjamin AUBRY" userId="3378e7d37fbb753c" providerId="LiveId" clId="{5F64E7C9-41FC-43FF-B4A6-B8714E7177E5}" dt="2020-07-23T20:43:53.356" v="2582" actId="478"/>
+          <ac:spMkLst>
+            <pc:docMk/>
+            <pc:sldMk cId="1027681848" sldId="260"/>
+            <ac:spMk id="8" creationId="{F1E8B625-A31E-4DAC-8C80-31D53CBFBD1F}"/>
+          </ac:spMkLst>
+        </pc:spChg>
+        <pc:spChg chg="add del mod">
+          <ac:chgData name="Benjamin AUBRY" userId="3378e7d37fbb753c" providerId="LiveId" clId="{5F64E7C9-41FC-43FF-B4A6-B8714E7177E5}" dt="2020-07-23T20:43:57.419" v="2585" actId="478"/>
+          <ac:spMkLst>
+            <pc:docMk/>
+            <pc:sldMk cId="1027681848" sldId="260"/>
+            <ac:spMk id="10" creationId="{471964EF-519A-47E5-9DFE-6148F0BE19F4}"/>
+          </ac:spMkLst>
+        </pc:spChg>
+        <pc:spChg chg="add del mod">
+          <ac:chgData name="Benjamin AUBRY" userId="3378e7d37fbb753c" providerId="LiveId" clId="{5F64E7C9-41FC-43FF-B4A6-B8714E7177E5}" dt="2020-07-23T20:44:00.801" v="2588" actId="478"/>
+          <ac:spMkLst>
+            <pc:docMk/>
+            <pc:sldMk cId="1027681848" sldId="260"/>
+            <ac:spMk id="12" creationId="{68636394-EB55-4584-A12E-9AE459B9E9D9}"/>
+          </ac:spMkLst>
+        </pc:spChg>
+        <pc:spChg chg="add del mod">
+          <ac:chgData name="Benjamin AUBRY" userId="3378e7d37fbb753c" providerId="LiveId" clId="{5F64E7C9-41FC-43FF-B4A6-B8714E7177E5}" dt="2020-07-23T20:44:08.832" v="2593" actId="478"/>
+          <ac:spMkLst>
+            <pc:docMk/>
+            <pc:sldMk cId="1027681848" sldId="260"/>
+            <ac:spMk id="14" creationId="{65480A47-C8D9-48EB-AD9B-34C3E68CEA93}"/>
+          </ac:spMkLst>
+        </pc:spChg>
+        <pc:spChg chg="add del mod">
+          <ac:chgData name="Benjamin AUBRY" userId="3378e7d37fbb753c" providerId="LiveId" clId="{5F64E7C9-41FC-43FF-B4A6-B8714E7177E5}" dt="2020-07-23T20:43:20.890" v="2552"/>
+          <ac:spMkLst>
+            <pc:docMk/>
+            <pc:sldMk cId="1027681848" sldId="260"/>
+            <ac:spMk id="15" creationId="{23817D96-C7D7-4234-B449-9179FBE3C8AF}"/>
+          </ac:spMkLst>
+        </pc:spChg>
+        <pc:spChg chg="add del">
+          <ac:chgData name="Benjamin AUBRY" userId="3378e7d37fbb753c" providerId="LiveId" clId="{5F64E7C9-41FC-43FF-B4A6-B8714E7177E5}" dt="2020-07-23T20:43:43.124" v="2579" actId="478"/>
+          <ac:spMkLst>
+            <pc:docMk/>
+            <pc:sldMk cId="1027681848" sldId="260"/>
+            <ac:spMk id="17" creationId="{AD15A97A-9EBB-4EAC-B7AC-9488E189E301}"/>
+          </ac:spMkLst>
+        </pc:spChg>
+        <pc:spChg chg="add mod">
+          <ac:chgData name="Benjamin AUBRY" userId="3378e7d37fbb753c" providerId="LiveId" clId="{5F64E7C9-41FC-43FF-B4A6-B8714E7177E5}" dt="2020-07-23T22:00:08.027" v="4309" actId="1036"/>
+          <ac:spMkLst>
+            <pc:docMk/>
+            <pc:sldMk cId="1027681848" sldId="260"/>
+            <ac:spMk id="19" creationId="{EA3B4963-E799-4C56-89BF-E01A8A95F4FD}"/>
+          </ac:spMkLst>
+        </pc:spChg>
+        <pc:spChg chg="add mod">
+          <ac:chgData name="Benjamin AUBRY" userId="3378e7d37fbb753c" providerId="LiveId" clId="{5F64E7C9-41FC-43FF-B4A6-B8714E7177E5}" dt="2020-07-23T21:59:50.797" v="4296" actId="1036"/>
+          <ac:spMkLst>
+            <pc:docMk/>
+            <pc:sldMk cId="1027681848" sldId="260"/>
+            <ac:spMk id="21" creationId="{6C3D14A6-5730-4D09-9225-37208D26BE2E}"/>
+          </ac:spMkLst>
+        </pc:spChg>
+        <pc:spChg chg="add mod">
+          <ac:chgData name="Benjamin AUBRY" userId="3378e7d37fbb753c" providerId="LiveId" clId="{5F64E7C9-41FC-43FF-B4A6-B8714E7177E5}" dt="2020-07-23T21:10:09.914" v="3189" actId="207"/>
+          <ac:spMkLst>
+            <pc:docMk/>
+            <pc:sldMk cId="1027681848" sldId="260"/>
+            <ac:spMk id="23" creationId="{80C03AD8-4277-46EC-ABC7-E9B55CDE8F8F}"/>
+          </ac:spMkLst>
+        </pc:spChg>
+        <pc:spChg chg="add mod">
+          <ac:chgData name="Benjamin AUBRY" userId="3378e7d37fbb753c" providerId="LiveId" clId="{5F64E7C9-41FC-43FF-B4A6-B8714E7177E5}" dt="2020-07-23T21:10:07.189" v="3188" actId="207"/>
+          <ac:spMkLst>
+            <pc:docMk/>
+            <pc:sldMk cId="1027681848" sldId="260"/>
+            <ac:spMk id="25" creationId="{1735F163-0711-47A4-8450-666353E20360}"/>
+          </ac:spMkLst>
+        </pc:spChg>
+        <pc:spChg chg="add mod">
+          <ac:chgData name="Benjamin AUBRY" userId="3378e7d37fbb753c" providerId="LiveId" clId="{5F64E7C9-41FC-43FF-B4A6-B8714E7177E5}" dt="2020-07-23T21:02:52.571" v="3044" actId="1076"/>
+          <ac:spMkLst>
+            <pc:docMk/>
+            <pc:sldMk cId="1027681848" sldId="260"/>
+            <ac:spMk id="27" creationId="{D55831D2-346A-45F0-8865-3AFE2FAA5140}"/>
+          </ac:spMkLst>
+        </pc:spChg>
+        <pc:spChg chg="add mod">
+          <ac:chgData name="Benjamin AUBRY" userId="3378e7d37fbb753c" providerId="LiveId" clId="{5F64E7C9-41FC-43FF-B4A6-B8714E7177E5}" dt="2020-07-23T21:02:53.322" v="3045" actId="1076"/>
+          <ac:spMkLst>
+            <pc:docMk/>
+            <pc:sldMk cId="1027681848" sldId="260"/>
+            <ac:spMk id="29" creationId="{0C4E90E6-737D-4A4F-A446-68463A5A1E96}"/>
+          </ac:spMkLst>
+        </pc:spChg>
+        <pc:spChg chg="add mod">
+          <ac:chgData name="Benjamin AUBRY" userId="3378e7d37fbb753c" providerId="LiveId" clId="{5F64E7C9-41FC-43FF-B4A6-B8714E7177E5}" dt="2020-07-23T21:09:45.916" v="3186" actId="207"/>
+          <ac:spMkLst>
+            <pc:docMk/>
+            <pc:sldMk cId="1027681848" sldId="260"/>
+            <ac:spMk id="31" creationId="{22941B98-49D5-4ED3-A1C2-E323CD65CBF3}"/>
+          </ac:spMkLst>
+        </pc:spChg>
+        <pc:spChg chg="add mod">
+          <ac:chgData name="Benjamin AUBRY" userId="3378e7d37fbb753c" providerId="LiveId" clId="{5F64E7C9-41FC-43FF-B4A6-B8714E7177E5}" dt="2020-07-23T20:57:21.840" v="2925" actId="255"/>
+          <ac:spMkLst>
+            <pc:docMk/>
+            <pc:sldMk cId="1027681848" sldId="260"/>
+            <ac:spMk id="33" creationId="{7EEE8094-1429-4F99-A2B5-C353C80B5FA4}"/>
+          </ac:spMkLst>
+        </pc:spChg>
+        <pc:spChg chg="add mod">
+          <ac:chgData name="Benjamin AUBRY" userId="3378e7d37fbb753c" providerId="LiveId" clId="{5F64E7C9-41FC-43FF-B4A6-B8714E7177E5}" dt="2020-07-23T20:57:07.035" v="2923" actId="255"/>
+          <ac:spMkLst>
+            <pc:docMk/>
+            <pc:sldMk cId="1027681848" sldId="260"/>
+            <ac:spMk id="35" creationId="{DA0DA595-7FD9-4A01-B8BB-F0F237A4E8D5}"/>
+          </ac:spMkLst>
+        </pc:spChg>
+        <pc:spChg chg="add mod">
+          <ac:chgData name="Benjamin AUBRY" userId="3378e7d37fbb753c" providerId="LiveId" clId="{5F64E7C9-41FC-43FF-B4A6-B8714E7177E5}" dt="2020-07-23T20:57:21.840" v="2925" actId="255"/>
+          <ac:spMkLst>
+            <pc:docMk/>
+            <pc:sldMk cId="1027681848" sldId="260"/>
+            <ac:spMk id="37" creationId="{66E1D189-A835-42BF-B603-59F45BA81C22}"/>
+          </ac:spMkLst>
+        </pc:spChg>
+        <pc:spChg chg="add mod">
+          <ac:chgData name="Benjamin AUBRY" userId="3378e7d37fbb753c" providerId="LiveId" clId="{5F64E7C9-41FC-43FF-B4A6-B8714E7177E5}" dt="2020-07-23T21:59:45.995" v="4289" actId="1035"/>
+          <ac:spMkLst>
+            <pc:docMk/>
+            <pc:sldMk cId="1027681848" sldId="260"/>
+            <ac:spMk id="39" creationId="{B7C06D9F-4058-4992-BBB1-2C5F2E3F701A}"/>
+          </ac:spMkLst>
+        </pc:spChg>
+        <pc:spChg chg="add mod">
+          <ac:chgData name="Benjamin AUBRY" userId="3378e7d37fbb753c" providerId="LiveId" clId="{5F64E7C9-41FC-43FF-B4A6-B8714E7177E5}" dt="2020-07-23T22:00:04.445" v="4304" actId="1035"/>
+          <ac:spMkLst>
+            <pc:docMk/>
+            <pc:sldMk cId="1027681848" sldId="260"/>
+            <ac:spMk id="41" creationId="{569BD046-BD69-40E8-B2A1-818B9FEE5ED1}"/>
+          </ac:spMkLst>
+        </pc:spChg>
+        <pc:spChg chg="add del mod">
+          <ac:chgData name="Benjamin AUBRY" userId="3378e7d37fbb753c" providerId="LiveId" clId="{5F64E7C9-41FC-43FF-B4A6-B8714E7177E5}" dt="2020-07-23T21:02:50.026" v="3038" actId="22"/>
+          <ac:spMkLst>
+            <pc:docMk/>
+            <pc:sldMk cId="1027681848" sldId="260"/>
+            <ac:spMk id="53" creationId="{444A3702-EBE8-437D-B829-746D83976650}"/>
+          </ac:spMkLst>
+        </pc:spChg>
+        <pc:spChg chg="add mod">
+          <ac:chgData name="Benjamin AUBRY" userId="3378e7d37fbb753c" providerId="LiveId" clId="{5F64E7C9-41FC-43FF-B4A6-B8714E7177E5}" dt="2020-07-23T22:00:57.273" v="4315" actId="207"/>
+          <ac:spMkLst>
+            <pc:docMk/>
+            <pc:sldMk cId="1027681848" sldId="260"/>
+            <ac:spMk id="54" creationId="{E7B3C017-4F88-499D-9585-010AAFA6788C}"/>
+          </ac:spMkLst>
+        </pc:spChg>
+        <pc:spChg chg="add mod">
+          <ac:chgData name="Benjamin AUBRY" userId="3378e7d37fbb753c" providerId="LiveId" clId="{5F64E7C9-41FC-43FF-B4A6-B8714E7177E5}" dt="2020-07-23T22:01:03.238" v="4316" actId="207"/>
+          <ac:spMkLst>
+            <pc:docMk/>
+            <pc:sldMk cId="1027681848" sldId="260"/>
+            <ac:spMk id="57" creationId="{744CC063-FEED-4655-96AF-63CDAAB486B5}"/>
+          </ac:spMkLst>
+        </pc:spChg>
+        <pc:spChg chg="add mod">
+          <ac:chgData name="Benjamin AUBRY" userId="3378e7d37fbb753c" providerId="LiveId" clId="{5F64E7C9-41FC-43FF-B4A6-B8714E7177E5}" dt="2020-07-23T22:01:12.889" v="4317" actId="207"/>
+          <ac:spMkLst>
+            <pc:docMk/>
+            <pc:sldMk cId="1027681848" sldId="260"/>
+            <ac:spMk id="59" creationId="{BD80BFD5-2548-4CE8-A10C-EBC7D99599B2}"/>
+          </ac:spMkLst>
+        </pc:spChg>
+        <pc:spChg chg="add del mod">
+          <ac:chgData name="Benjamin AUBRY" userId="3378e7d37fbb753c" providerId="LiveId" clId="{5F64E7C9-41FC-43FF-B4A6-B8714E7177E5}" dt="2020-07-23T21:04:34.766" v="3058" actId="478"/>
+          <ac:spMkLst>
+            <pc:docMk/>
+            <pc:sldMk cId="1027681848" sldId="260"/>
+            <ac:spMk id="61" creationId="{0C2C4CBC-5B94-4F74-B179-C0FD3A1A5B8D}"/>
+          </ac:spMkLst>
+        </pc:spChg>
+        <pc:spChg chg="add mod">
+          <ac:chgData name="Benjamin AUBRY" userId="3378e7d37fbb753c" providerId="LiveId" clId="{5F64E7C9-41FC-43FF-B4A6-B8714E7177E5}" dt="2020-07-23T22:01:20.649" v="4318" actId="207"/>
+          <ac:spMkLst>
+            <pc:docMk/>
+            <pc:sldMk cId="1027681848" sldId="260"/>
+            <ac:spMk id="65" creationId="{0099CD07-12BA-4524-B45D-8887FAFD90A4}"/>
+          </ac:spMkLst>
+        </pc:spChg>
+        <pc:spChg chg="add mod">
+          <ac:chgData name="Benjamin AUBRY" userId="3378e7d37fbb753c" providerId="LiveId" clId="{5F64E7C9-41FC-43FF-B4A6-B8714E7177E5}" dt="2020-07-23T22:01:26.011" v="4319" actId="207"/>
+          <ac:spMkLst>
+            <pc:docMk/>
+            <pc:sldMk cId="1027681848" sldId="260"/>
+            <ac:spMk id="67" creationId="{867123AC-EF86-4C5A-86C9-6E32709EB86C}"/>
+          </ac:spMkLst>
+        </pc:spChg>
+        <pc:spChg chg="add mod">
+          <ac:chgData name="Benjamin AUBRY" userId="3378e7d37fbb753c" providerId="LiveId" clId="{5F64E7C9-41FC-43FF-B4A6-B8714E7177E5}" dt="2020-07-23T21:48:34.206" v="4059" actId="14100"/>
+          <ac:spMkLst>
+            <pc:docMk/>
+            <pc:sldMk cId="1027681848" sldId="260"/>
+            <ac:spMk id="68" creationId="{8AD7D37E-0847-49CE-A19B-335543BC21BE}"/>
+          </ac:spMkLst>
+        </pc:spChg>
+        <pc:spChg chg="add del">
+          <ac:chgData name="Benjamin AUBRY" userId="3378e7d37fbb753c" providerId="LiveId" clId="{5F64E7C9-41FC-43FF-B4A6-B8714E7177E5}" dt="2020-07-23T21:07:04.556" v="3114" actId="22"/>
+          <ac:spMkLst>
+            <pc:docMk/>
+            <pc:sldMk cId="1027681848" sldId="260"/>
+            <ac:spMk id="70" creationId="{5A690A4D-ABA7-4021-925E-517A326503AE}"/>
+          </ac:spMkLst>
+        </pc:spChg>
+        <pc:spChg chg="add mod">
+          <ac:chgData name="Benjamin AUBRY" userId="3378e7d37fbb753c" providerId="LiveId" clId="{5F64E7C9-41FC-43FF-B4A6-B8714E7177E5}" dt="2020-07-23T21:48:08.518" v="4049" actId="14100"/>
+          <ac:spMkLst>
+            <pc:docMk/>
+            <pc:sldMk cId="1027681848" sldId="260"/>
+            <ac:spMk id="72" creationId="{75FFB9FE-F8AE-4D90-A224-1503D8624093}"/>
+          </ac:spMkLst>
+        </pc:spChg>
+        <pc:spChg chg="add mod">
+          <ac:chgData name="Benjamin AUBRY" userId="3378e7d37fbb753c" providerId="LiveId" clId="{5F64E7C9-41FC-43FF-B4A6-B8714E7177E5}" dt="2020-07-23T21:48:45.547" v="4076" actId="1038"/>
+          <ac:spMkLst>
+            <pc:docMk/>
+            <pc:sldMk cId="1027681848" sldId="260"/>
+            <ac:spMk id="74" creationId="{CB48EF69-43FC-4A0B-9C94-34FC99A38A20}"/>
+          </ac:spMkLst>
+        </pc:spChg>
+        <pc:spChg chg="add mod">
+          <ac:chgData name="Benjamin AUBRY" userId="3378e7d37fbb753c" providerId="LiveId" clId="{5F64E7C9-41FC-43FF-B4A6-B8714E7177E5}" dt="2020-07-23T21:49:09.278" v="4085" actId="1076"/>
+          <ac:spMkLst>
+            <pc:docMk/>
+            <pc:sldMk cId="1027681848" sldId="260"/>
+            <ac:spMk id="76" creationId="{827BE50A-92C2-42A7-8E34-9487447F54F1}"/>
+          </ac:spMkLst>
+        </pc:spChg>
+        <pc:spChg chg="add mod">
+          <ac:chgData name="Benjamin AUBRY" userId="3378e7d37fbb753c" providerId="LiveId" clId="{5F64E7C9-41FC-43FF-B4A6-B8714E7177E5}" dt="2020-07-23T21:51:28.182" v="4167" actId="14100"/>
+          <ac:spMkLst>
+            <pc:docMk/>
+            <pc:sldMk cId="1027681848" sldId="260"/>
+            <ac:spMk id="78" creationId="{32C1737E-7D8A-446A-8E14-750670FB6F1A}"/>
+          </ac:spMkLst>
+        </pc:spChg>
+        <pc:spChg chg="add mod">
+          <ac:chgData name="Benjamin AUBRY" userId="3378e7d37fbb753c" providerId="LiveId" clId="{5F64E7C9-41FC-43FF-B4A6-B8714E7177E5}" dt="2020-07-23T21:41:31.502" v="3885" actId="1076"/>
+          <ac:spMkLst>
+            <pc:docMk/>
+            <pc:sldMk cId="1027681848" sldId="260"/>
+            <ac:spMk id="79" creationId="{07380F8C-A856-43B1-9150-9B14529D4AE2}"/>
+          </ac:spMkLst>
+        </pc:spChg>
+        <pc:spChg chg="add mod">
+          <ac:chgData name="Benjamin AUBRY" userId="3378e7d37fbb753c" providerId="LiveId" clId="{5F64E7C9-41FC-43FF-B4A6-B8714E7177E5}" dt="2020-07-23T21:41:39.310" v="3886" actId="1076"/>
+          <ac:spMkLst>
+            <pc:docMk/>
+            <pc:sldMk cId="1027681848" sldId="260"/>
+            <ac:spMk id="81" creationId="{739D8E0C-E471-482D-8273-95616C88C19F}"/>
+          </ac:spMkLst>
+        </pc:spChg>
+        <pc:spChg chg="add mod">
+          <ac:chgData name="Benjamin AUBRY" userId="3378e7d37fbb753c" providerId="LiveId" clId="{5F64E7C9-41FC-43FF-B4A6-B8714E7177E5}" dt="2020-07-23T21:52:08.091" v="4186" actId="1037"/>
+          <ac:spMkLst>
+            <pc:docMk/>
+            <pc:sldMk cId="1027681848" sldId="260"/>
+            <ac:spMk id="83" creationId="{4DC1E881-0D7B-4C7B-98A1-51747BAB7543}"/>
+          </ac:spMkLst>
+        </pc:spChg>
+        <pc:spChg chg="add del mod">
+          <ac:chgData name="Benjamin AUBRY" userId="3378e7d37fbb753c" providerId="LiveId" clId="{5F64E7C9-41FC-43FF-B4A6-B8714E7177E5}" dt="2020-07-23T21:24:05.880" v="3627" actId="478"/>
+          <ac:spMkLst>
+            <pc:docMk/>
+            <pc:sldMk cId="1027681848" sldId="260"/>
+            <ac:spMk id="85" creationId="{80CE0B7F-AEF8-4555-9A51-ACFCD7EE1DB7}"/>
+          </ac:spMkLst>
+        </pc:spChg>
+        <pc:spChg chg="add mod">
+          <ac:chgData name="Benjamin AUBRY" userId="3378e7d37fbb753c" providerId="LiveId" clId="{5F64E7C9-41FC-43FF-B4A6-B8714E7177E5}" dt="2020-07-23T21:37:51.923" v="3871" actId="1076"/>
+          <ac:spMkLst>
+            <pc:docMk/>
+            <pc:sldMk cId="1027681848" sldId="260"/>
+            <ac:spMk id="87" creationId="{9C11331A-664B-4596-A775-B978231F30A4}"/>
+          </ac:spMkLst>
+        </pc:spChg>
+        <pc:spChg chg="add mod">
+          <ac:chgData name="Benjamin AUBRY" userId="3378e7d37fbb753c" providerId="LiveId" clId="{5F64E7C9-41FC-43FF-B4A6-B8714E7177E5}" dt="2020-07-23T21:37:55.535" v="3872" actId="1076"/>
+          <ac:spMkLst>
+            <pc:docMk/>
+            <pc:sldMk cId="1027681848" sldId="260"/>
+            <ac:spMk id="89" creationId="{DD9739ED-ECCE-42F1-8145-56B4A07DF936}"/>
+          </ac:spMkLst>
+        </pc:spChg>
+        <pc:spChg chg="add mod">
+          <ac:chgData name="Benjamin AUBRY" userId="3378e7d37fbb753c" providerId="LiveId" clId="{5F64E7C9-41FC-43FF-B4A6-B8714E7177E5}" dt="2020-07-23T21:52:04.413" v="4177" actId="1076"/>
+          <ac:spMkLst>
+            <pc:docMk/>
+            <pc:sldMk cId="1027681848" sldId="260"/>
+            <ac:spMk id="91" creationId="{5D0CFFB2-EDDD-4F6D-BF49-3FEBD53E2E00}"/>
+          </ac:spMkLst>
+        </pc:spChg>
+        <pc:spChg chg="add mod">
+          <ac:chgData name="Benjamin AUBRY" userId="3378e7d37fbb753c" providerId="LiveId" clId="{5F64E7C9-41FC-43FF-B4A6-B8714E7177E5}" dt="2020-07-23T21:48:53.706" v="4082" actId="1036"/>
+          <ac:spMkLst>
+            <pc:docMk/>
+            <pc:sldMk cId="1027681848" sldId="260"/>
+            <ac:spMk id="93" creationId="{D629212F-CBB6-4D90-9F5D-4CEC10D7F670}"/>
+          </ac:spMkLst>
+        </pc:spChg>
+        <pc:spChg chg="add mod">
+          <ac:chgData name="Benjamin AUBRY" userId="3378e7d37fbb753c" providerId="LiveId" clId="{5F64E7C9-41FC-43FF-B4A6-B8714E7177E5}" dt="2020-07-23T21:52:22.265" v="4213" actId="1037"/>
+          <ac:spMkLst>
+            <pc:docMk/>
+            <pc:sldMk cId="1027681848" sldId="260"/>
+            <ac:spMk id="95" creationId="{8B0FBD44-4EEC-4EED-8E85-30E090FAE3C0}"/>
+          </ac:spMkLst>
+        </pc:spChg>
+        <pc:spChg chg="add mod">
+          <ac:chgData name="Benjamin AUBRY" userId="3378e7d37fbb753c" providerId="LiveId" clId="{5F64E7C9-41FC-43FF-B4A6-B8714E7177E5}" dt="2020-07-23T21:48:51.064" v="4079" actId="1036"/>
+          <ac:spMkLst>
+            <pc:docMk/>
+            <pc:sldMk cId="1027681848" sldId="260"/>
+            <ac:spMk id="97" creationId="{1835D94D-6121-4505-9EE7-4F0CF8E8F055}"/>
+          </ac:spMkLst>
+        </pc:spChg>
+        <pc:spChg chg="add mod">
+          <ac:chgData name="Benjamin AUBRY" userId="3378e7d37fbb753c" providerId="LiveId" clId="{5F64E7C9-41FC-43FF-B4A6-B8714E7177E5}" dt="2020-07-23T21:48:22.411" v="4057" actId="1036"/>
+          <ac:spMkLst>
+            <pc:docMk/>
+            <pc:sldMk cId="1027681848" sldId="260"/>
+            <ac:spMk id="99" creationId="{7126D3B8-D215-46A0-A776-5D6C2DA7B1CE}"/>
+          </ac:spMkLst>
+        </pc:spChg>
+        <pc:spChg chg="add mod">
+          <ac:chgData name="Benjamin AUBRY" userId="3378e7d37fbb753c" providerId="LiveId" clId="{5F64E7C9-41FC-43FF-B4A6-B8714E7177E5}" dt="2020-07-23T21:50:43.606" v="4147" actId="20577"/>
+          <ac:spMkLst>
+            <pc:docMk/>
+            <pc:sldMk cId="1027681848" sldId="260"/>
+            <ac:spMk id="101" creationId="{88D8465C-CAFB-4625-AB58-B74603404100}"/>
+          </ac:spMkLst>
+        </pc:spChg>
+        <pc:spChg chg="add mod">
+          <ac:chgData name="Benjamin AUBRY" userId="3378e7d37fbb753c" providerId="LiveId" clId="{5F64E7C9-41FC-43FF-B4A6-B8714E7177E5}" dt="2020-07-23T21:51:12.248" v="4163" actId="20577"/>
+          <ac:spMkLst>
+            <pc:docMk/>
+            <pc:sldMk cId="1027681848" sldId="260"/>
+            <ac:spMk id="103" creationId="{D7074267-5961-4328-8A58-3B7BF0157673}"/>
+          </ac:spMkLst>
+        </pc:spChg>
+        <pc:spChg chg="add mod">
+          <ac:chgData name="Benjamin AUBRY" userId="3378e7d37fbb753c" providerId="LiveId" clId="{5F64E7C9-41FC-43FF-B4A6-B8714E7177E5}" dt="2020-07-23T21:51:43.072" v="4174"/>
+          <ac:spMkLst>
+            <pc:docMk/>
+            <pc:sldMk cId="1027681848" sldId="260"/>
+            <ac:spMk id="105" creationId="{42BED3B3-B9F3-43D0-9842-F31137944DF5}"/>
           </ac:spMkLst>
         </pc:spChg>
         <pc:graphicFrameChg chg="del">
@@ -309,15 +688,231 @@
             <ac:graphicFrameMk id="9" creationId="{34752FB5-FD91-4598-8228-1DC4917DEF7F}"/>
           </ac:graphicFrameMkLst>
         </pc:graphicFrameChg>
+        <pc:cxnChg chg="add del mod">
+          <ac:chgData name="Benjamin AUBRY" userId="3378e7d37fbb753c" providerId="LiveId" clId="{5F64E7C9-41FC-43FF-B4A6-B8714E7177E5}" dt="2020-07-23T20:59:37.104" v="3002" actId="478"/>
+          <ac:cxnSpMkLst>
+            <pc:docMk/>
+            <pc:sldMk cId="1027681848" sldId="260"/>
+            <ac:cxnSpMk id="43" creationId="{A4670275-8022-4623-9CAE-A8B801E609A9}"/>
+          </ac:cxnSpMkLst>
+        </pc:cxnChg>
+        <pc:cxnChg chg="add del mod">
+          <ac:chgData name="Benjamin AUBRY" userId="3378e7d37fbb753c" providerId="LiveId" clId="{5F64E7C9-41FC-43FF-B4A6-B8714E7177E5}" dt="2020-07-23T20:59:54.669" v="3005" actId="478"/>
+          <ac:cxnSpMkLst>
+            <pc:docMk/>
+            <pc:sldMk cId="1027681848" sldId="260"/>
+            <ac:cxnSpMk id="45" creationId="{29293957-FCC6-4FA3-AD10-392F0F6982A9}"/>
+          </ac:cxnSpMkLst>
+        </pc:cxnChg>
+        <pc:cxnChg chg="add mod">
+          <ac:chgData name="Benjamin AUBRY" userId="3378e7d37fbb753c" providerId="LiveId" clId="{5F64E7C9-41FC-43FF-B4A6-B8714E7177E5}" dt="2020-07-23T21:34:26.115" v="3834" actId="1035"/>
+          <ac:cxnSpMkLst>
+            <pc:docMk/>
+            <pc:sldMk cId="1027681848" sldId="260"/>
+            <ac:cxnSpMk id="48" creationId="{329FBEE6-4F44-4B7D-97EF-24E1ABC4BD60}"/>
+          </ac:cxnSpMkLst>
+        </pc:cxnChg>
+        <pc:cxnChg chg="add del mod">
+          <ac:chgData name="Benjamin AUBRY" userId="3378e7d37fbb753c" providerId="LiveId" clId="{5F64E7C9-41FC-43FF-B4A6-B8714E7177E5}" dt="2020-07-23T21:42:33.908" v="3889" actId="1035"/>
+          <ac:cxnSpMkLst>
+            <pc:docMk/>
+            <pc:sldMk cId="1027681848" sldId="260"/>
+            <ac:cxnSpMk id="49" creationId="{F41988C6-E417-4FF9-9F56-FD499E1C8A80}"/>
+          </ac:cxnSpMkLst>
+        </pc:cxnChg>
+        <pc:cxnChg chg="add mod">
+          <ac:chgData name="Benjamin AUBRY" userId="3378e7d37fbb753c" providerId="LiveId" clId="{5F64E7C9-41FC-43FF-B4A6-B8714E7177E5}" dt="2020-07-23T21:01:03.314" v="3015" actId="1076"/>
+          <ac:cxnSpMkLst>
+            <pc:docMk/>
+            <pc:sldMk cId="1027681848" sldId="260"/>
+            <ac:cxnSpMk id="50" creationId="{47E6CBA6-11F2-4827-A5D9-9295113BDBFD}"/>
+          </ac:cxnSpMkLst>
+        </pc:cxnChg>
+        <pc:cxnChg chg="add mod">
+          <ac:chgData name="Benjamin AUBRY" userId="3378e7d37fbb753c" providerId="LiveId" clId="{5F64E7C9-41FC-43FF-B4A6-B8714E7177E5}" dt="2020-07-23T21:01:11.673" v="3017" actId="1076"/>
+          <ac:cxnSpMkLst>
+            <pc:docMk/>
+            <pc:sldMk cId="1027681848" sldId="260"/>
+            <ac:cxnSpMk id="51" creationId="{9FC810ED-8549-42CC-BD9C-9551A1489922}"/>
+          </ac:cxnSpMkLst>
+        </pc:cxnChg>
+        <pc:cxnChg chg="add del">
+          <ac:chgData name="Benjamin AUBRY" userId="3378e7d37fbb753c" providerId="LiveId" clId="{5F64E7C9-41FC-43FF-B4A6-B8714E7177E5}" dt="2020-07-23T21:06:48.185" v="3110" actId="478"/>
+          <ac:cxnSpMkLst>
+            <pc:docMk/>
+            <pc:sldMk cId="1027681848" sldId="260"/>
+            <ac:cxnSpMk id="56" creationId="{C3C64D81-1788-46E4-A8BB-00DB35800747}"/>
+          </ac:cxnSpMkLst>
+        </pc:cxnChg>
+        <pc:cxnChg chg="add del mod">
+          <ac:chgData name="Benjamin AUBRY" userId="3378e7d37fbb753c" providerId="LiveId" clId="{5F64E7C9-41FC-43FF-B4A6-B8714E7177E5}" dt="2020-07-23T21:07:13.065" v="3117" actId="478"/>
+          <ac:cxnSpMkLst>
+            <pc:docMk/>
+            <pc:sldMk cId="1027681848" sldId="260"/>
+            <ac:cxnSpMk id="58" creationId="{80DC50C7-5A50-453E-AD0D-C004769FDC21}"/>
+          </ac:cxnSpMkLst>
+        </pc:cxnChg>
+        <pc:cxnChg chg="add del mod">
+          <ac:chgData name="Benjamin AUBRY" userId="3378e7d37fbb753c" providerId="LiveId" clId="{5F64E7C9-41FC-43FF-B4A6-B8714E7177E5}" dt="2020-07-23T21:07:46.205" v="3157" actId="478"/>
+          <ac:cxnSpMkLst>
+            <pc:docMk/>
+            <pc:sldMk cId="1027681848" sldId="260"/>
+            <ac:cxnSpMk id="60" creationId="{0EC185CD-12BE-4B99-A125-24F29E782597}"/>
+          </ac:cxnSpMkLst>
+        </pc:cxnChg>
+        <pc:cxnChg chg="add del mod">
+          <ac:chgData name="Benjamin AUBRY" userId="3378e7d37fbb753c" providerId="LiveId" clId="{5F64E7C9-41FC-43FF-B4A6-B8714E7177E5}" dt="2020-07-23T21:04:34.766" v="3058" actId="478"/>
+          <ac:cxnSpMkLst>
+            <pc:docMk/>
+            <pc:sldMk cId="1027681848" sldId="260"/>
+            <ac:cxnSpMk id="62" creationId="{603A8EA1-C73D-4ECD-B3EE-A3A4A0A4E095}"/>
+          </ac:cxnSpMkLst>
+        </pc:cxnChg>
+        <pc:cxnChg chg="add">
+          <ac:chgData name="Benjamin AUBRY" userId="3378e7d37fbb753c" providerId="LiveId" clId="{5F64E7C9-41FC-43FF-B4A6-B8714E7177E5}" dt="2020-07-23T21:52:45.025" v="4217" actId="11529"/>
+          <ac:cxnSpMkLst>
+            <pc:docMk/>
+            <pc:sldMk cId="1027681848" sldId="260"/>
+            <ac:cxnSpMk id="107" creationId="{39C49151-AC3E-43CD-9B05-00C6F668B408}"/>
+          </ac:cxnSpMkLst>
+        </pc:cxnChg>
+        <pc:cxnChg chg="add">
+          <ac:chgData name="Benjamin AUBRY" userId="3378e7d37fbb753c" providerId="LiveId" clId="{5F64E7C9-41FC-43FF-B4A6-B8714E7177E5}" dt="2020-07-23T21:52:50.592" v="4218" actId="11529"/>
+          <ac:cxnSpMkLst>
+            <pc:docMk/>
+            <pc:sldMk cId="1027681848" sldId="260"/>
+            <ac:cxnSpMk id="109" creationId="{93D29330-E5E3-493D-B466-83A8F8D94DFE}"/>
+          </ac:cxnSpMkLst>
+        </pc:cxnChg>
+        <pc:cxnChg chg="add mod">
+          <ac:chgData name="Benjamin AUBRY" userId="3378e7d37fbb753c" providerId="LiveId" clId="{5F64E7C9-41FC-43FF-B4A6-B8714E7177E5}" dt="2020-07-23T21:53:08.549" v="4224" actId="14100"/>
+          <ac:cxnSpMkLst>
+            <pc:docMk/>
+            <pc:sldMk cId="1027681848" sldId="260"/>
+            <ac:cxnSpMk id="110" creationId="{53622751-B6E6-498D-88AC-58F08FAEB9E3}"/>
+          </ac:cxnSpMkLst>
+        </pc:cxnChg>
+        <pc:cxnChg chg="add mod">
+          <ac:chgData name="Benjamin AUBRY" userId="3378e7d37fbb753c" providerId="LiveId" clId="{5F64E7C9-41FC-43FF-B4A6-B8714E7177E5}" dt="2020-07-23T21:53:13.494" v="4226" actId="14100"/>
+          <ac:cxnSpMkLst>
+            <pc:docMk/>
+            <pc:sldMk cId="1027681848" sldId="260"/>
+            <ac:cxnSpMk id="112" creationId="{9EF1E6F7-4CAF-41B0-8D34-94D017F435D5}"/>
+          </ac:cxnSpMkLst>
+        </pc:cxnChg>
+        <pc:cxnChg chg="add mod">
+          <ac:chgData name="Benjamin AUBRY" userId="3378e7d37fbb753c" providerId="LiveId" clId="{5F64E7C9-41FC-43FF-B4A6-B8714E7177E5}" dt="2020-07-23T21:53:24.475" v="4229" actId="1076"/>
+          <ac:cxnSpMkLst>
+            <pc:docMk/>
+            <pc:sldMk cId="1027681848" sldId="260"/>
+            <ac:cxnSpMk id="117" creationId="{7E9B460B-5871-4CFB-8775-4EFB80502CD6}"/>
+          </ac:cxnSpMkLst>
+        </pc:cxnChg>
+        <pc:cxnChg chg="add mod">
+          <ac:chgData name="Benjamin AUBRY" userId="3378e7d37fbb753c" providerId="LiveId" clId="{5F64E7C9-41FC-43FF-B4A6-B8714E7177E5}" dt="2020-07-23T21:53:56.237" v="4241" actId="1038"/>
+          <ac:cxnSpMkLst>
+            <pc:docMk/>
+            <pc:sldMk cId="1027681848" sldId="260"/>
+            <ac:cxnSpMk id="118" creationId="{0321EBE6-D073-44C7-BC68-0588BEC2DE55}"/>
+          </ac:cxnSpMkLst>
+        </pc:cxnChg>
+        <pc:cxnChg chg="add mod">
+          <ac:chgData name="Benjamin AUBRY" userId="3378e7d37fbb753c" providerId="LiveId" clId="{5F64E7C9-41FC-43FF-B4A6-B8714E7177E5}" dt="2020-07-23T21:59:50.797" v="4296" actId="1036"/>
+          <ac:cxnSpMkLst>
+            <pc:docMk/>
+            <pc:sldMk cId="1027681848" sldId="260"/>
+            <ac:cxnSpMk id="124" creationId="{0D2B9765-F3F4-4F0E-AA54-A6A8A022A602}"/>
+          </ac:cxnSpMkLst>
+        </pc:cxnChg>
+        <pc:cxnChg chg="add mod">
+          <ac:chgData name="Benjamin AUBRY" userId="3378e7d37fbb753c" providerId="LiveId" clId="{5F64E7C9-41FC-43FF-B4A6-B8714E7177E5}" dt="2020-07-23T22:00:08.027" v="4309" actId="1036"/>
+          <ac:cxnSpMkLst>
+            <pc:docMk/>
+            <pc:sldMk cId="1027681848" sldId="260"/>
+            <ac:cxnSpMk id="125" creationId="{EF00EEC1-924D-4598-8761-EECCCFF223C9}"/>
+          </ac:cxnSpMkLst>
+        </pc:cxnChg>
+        <pc:cxnChg chg="add del mod">
+          <ac:chgData name="Benjamin AUBRY" userId="3378e7d37fbb753c" providerId="LiveId" clId="{5F64E7C9-41FC-43FF-B4A6-B8714E7177E5}" dt="2020-07-23T21:56:51.013" v="4264" actId="478"/>
+          <ac:cxnSpMkLst>
+            <pc:docMk/>
+            <pc:sldMk cId="1027681848" sldId="260"/>
+            <ac:cxnSpMk id="129" creationId="{8814C5A4-72DC-48D2-8741-1257401E0906}"/>
+          </ac:cxnSpMkLst>
+        </pc:cxnChg>
+        <pc:cxnChg chg="add mod">
+          <ac:chgData name="Benjamin AUBRY" userId="3378e7d37fbb753c" providerId="LiveId" clId="{5F64E7C9-41FC-43FF-B4A6-B8714E7177E5}" dt="2020-07-23T22:00:27.109" v="4311" actId="14100"/>
+          <ac:cxnSpMkLst>
+            <pc:docMk/>
+            <pc:sldMk cId="1027681848" sldId="260"/>
+            <ac:cxnSpMk id="134" creationId="{D17D791E-3332-469F-B9F3-92BE5424B4B5}"/>
+          </ac:cxnSpMkLst>
+        </pc:cxnChg>
+        <pc:cxnChg chg="add mod">
+          <ac:chgData name="Benjamin AUBRY" userId="3378e7d37fbb753c" providerId="LiveId" clId="{5F64E7C9-41FC-43FF-B4A6-B8714E7177E5}" dt="2020-07-23T22:00:27.109" v="4311" actId="14100"/>
+          <ac:cxnSpMkLst>
+            <pc:docMk/>
+            <pc:sldMk cId="1027681848" sldId="260"/>
+            <ac:cxnSpMk id="137" creationId="{E7D29843-2857-4CF4-83D1-F82585A2269C}"/>
+          </ac:cxnSpMkLst>
+        </pc:cxnChg>
+        <pc:cxnChg chg="add mod">
+          <ac:chgData name="Benjamin AUBRY" userId="3378e7d37fbb753c" providerId="LiveId" clId="{5F64E7C9-41FC-43FF-B4A6-B8714E7177E5}" dt="2020-07-23T22:00:22.861" v="4310" actId="14100"/>
+          <ac:cxnSpMkLst>
+            <pc:docMk/>
+            <pc:sldMk cId="1027681848" sldId="260"/>
+            <ac:cxnSpMk id="140" creationId="{1F891EFB-B6DD-4FB4-A429-C44FD7A0A147}"/>
+          </ac:cxnSpMkLst>
+        </pc:cxnChg>
+        <pc:cxnChg chg="add mod">
+          <ac:chgData name="Benjamin AUBRY" userId="3378e7d37fbb753c" providerId="LiveId" clId="{5F64E7C9-41FC-43FF-B4A6-B8714E7177E5}" dt="2020-07-23T22:03:07.436" v="4320" actId="14100"/>
+          <ac:cxnSpMkLst>
+            <pc:docMk/>
+            <pc:sldMk cId="1027681848" sldId="260"/>
+            <ac:cxnSpMk id="143" creationId="{7AD80F34-EED0-4D88-ADF4-46AD9D30306D}"/>
+          </ac:cxnSpMkLst>
+        </pc:cxnChg>
+        <pc:cxnChg chg="add mod">
+          <ac:chgData name="Benjamin AUBRY" userId="3378e7d37fbb753c" providerId="LiveId" clId="{5F64E7C9-41FC-43FF-B4A6-B8714E7177E5}" dt="2020-07-23T22:00:30.077" v="4312" actId="14100"/>
+          <ac:cxnSpMkLst>
+            <pc:docMk/>
+            <pc:sldMk cId="1027681848" sldId="260"/>
+            <ac:cxnSpMk id="146" creationId="{65BB29F4-3E90-4459-90C3-01EE159A36A1}"/>
+          </ac:cxnSpMkLst>
+        </pc:cxnChg>
+        <pc:cxnChg chg="add mod">
+          <ac:chgData name="Benjamin AUBRY" userId="3378e7d37fbb753c" providerId="LiveId" clId="{5F64E7C9-41FC-43FF-B4A6-B8714E7177E5}" dt="2020-07-23T22:00:30.077" v="4312" actId="14100"/>
+          <ac:cxnSpMkLst>
+            <pc:docMk/>
+            <pc:sldMk cId="1027681848" sldId="260"/>
+            <ac:cxnSpMk id="148" creationId="{CE2FE04E-B914-4298-9BAD-8E9935A6764C}"/>
+          </ac:cxnSpMkLst>
+        </pc:cxnChg>
+        <pc:cxnChg chg="add mod">
+          <ac:chgData name="Benjamin AUBRY" userId="3378e7d37fbb753c" providerId="LiveId" clId="{5F64E7C9-41FC-43FF-B4A6-B8714E7177E5}" dt="2020-07-23T22:00:33.533" v="4313" actId="14100"/>
+          <ac:cxnSpMkLst>
+            <pc:docMk/>
+            <pc:sldMk cId="1027681848" sldId="260"/>
+            <ac:cxnSpMk id="152" creationId="{661FA429-BD07-4A95-8EEC-066819EFC090}"/>
+          </ac:cxnSpMkLst>
+        </pc:cxnChg>
+        <pc:cxnChg chg="add mod">
+          <ac:chgData name="Benjamin AUBRY" userId="3378e7d37fbb753c" providerId="LiveId" clId="{5F64E7C9-41FC-43FF-B4A6-B8714E7177E5}" dt="2020-07-23T22:00:36.085" v="4314" actId="14100"/>
+          <ac:cxnSpMkLst>
+            <pc:docMk/>
+            <pc:sldMk cId="1027681848" sldId="260"/>
+            <ac:cxnSpMk id="154" creationId="{FFA19AB6-4E8F-40D2-92C1-058388652236}"/>
+          </ac:cxnSpMkLst>
+        </pc:cxnChg>
       </pc:sldChg>
       <pc:sldChg chg="addSp delSp modSp add mod">
-        <pc:chgData name="Benjamin AUBRY" userId="3378e7d37fbb753c" providerId="LiveId" clId="{5F64E7C9-41FC-43FF-B4A6-B8714E7177E5}" dt="2020-07-23T19:03:57.828" v="1903" actId="20577"/>
+        <pc:chgData name="Benjamin AUBRY" userId="3378e7d37fbb753c" providerId="LiveId" clId="{5F64E7C9-41FC-43FF-B4A6-B8714E7177E5}" dt="2020-07-24T01:42:54.084" v="4452" actId="20577"/>
         <pc:sldMkLst>
           <pc:docMk/>
           <pc:sldMk cId="485817502" sldId="261"/>
         </pc:sldMkLst>
         <pc:spChg chg="mod">
-          <ac:chgData name="Benjamin AUBRY" userId="3378e7d37fbb753c" providerId="LiveId" clId="{5F64E7C9-41FC-43FF-B4A6-B8714E7177E5}" dt="2020-07-23T19:03:32.904" v="1871" actId="27636"/>
+          <ac:chgData name="Benjamin AUBRY" userId="3378e7d37fbb753c" providerId="LiveId" clId="{5F64E7C9-41FC-43FF-B4A6-B8714E7177E5}" dt="2020-07-23T19:39:45.026" v="1953" actId="20577"/>
           <ac:spMkLst>
             <pc:docMk/>
             <pc:sldMk cId="485817502" sldId="261"/>
@@ -325,7 +920,7 @@
           </ac:spMkLst>
         </pc:spChg>
         <pc:spChg chg="add mod">
-          <ac:chgData name="Benjamin AUBRY" userId="3378e7d37fbb753c" providerId="LiveId" clId="{5F64E7C9-41FC-43FF-B4A6-B8714E7177E5}" dt="2020-07-23T19:03:57.828" v="1903" actId="20577"/>
+          <ac:chgData name="Benjamin AUBRY" userId="3378e7d37fbb753c" providerId="LiveId" clId="{5F64E7C9-41FC-43FF-B4A6-B8714E7177E5}" dt="2020-07-24T01:42:54.084" v="4452" actId="20577"/>
           <ac:spMkLst>
             <pc:docMk/>
             <pc:sldMk cId="485817502" sldId="261"/>
@@ -333,6 +928,14 @@
           </ac:spMkLst>
         </pc:spChg>
         <pc:graphicFrameChg chg="add del mod modGraphic">
+          <ac:chgData name="Benjamin AUBRY" userId="3378e7d37fbb753c" providerId="LiveId" clId="{5F64E7C9-41FC-43FF-B4A6-B8714E7177E5}" dt="2020-07-23T20:40:23.818" v="2463" actId="478"/>
+          <ac:graphicFrameMkLst>
+            <pc:docMk/>
+            <pc:sldMk cId="485817502" sldId="261"/>
+            <ac:graphicFrameMk id="4" creationId="{C0D505AD-188F-4C29-BB88-4210DA1FD449}"/>
+          </ac:graphicFrameMkLst>
+        </pc:graphicFrameChg>
+        <pc:graphicFrameChg chg="add del mod modGraphic">
           <ac:chgData name="Benjamin AUBRY" userId="3378e7d37fbb753c" providerId="LiveId" clId="{5F64E7C9-41FC-43FF-B4A6-B8714E7177E5}" dt="2020-07-23T05:02:34.913" v="1838" actId="478"/>
           <ac:graphicFrameMkLst>
             <pc:docMk/>
@@ -340,14 +943,123 @@
             <ac:graphicFrameMk id="4" creationId="{D962B117-BF18-4AC8-BCB5-F071E5BD32AF}"/>
           </ac:graphicFrameMkLst>
         </pc:graphicFrameChg>
-        <pc:graphicFrameChg chg="add mod modGraphic">
-          <ac:chgData name="Benjamin AUBRY" userId="3378e7d37fbb753c" providerId="LiveId" clId="{5F64E7C9-41FC-43FF-B4A6-B8714E7177E5}" dt="2020-07-23T05:03:20.313" v="1846" actId="1076"/>
+        <pc:graphicFrameChg chg="add del mod modGraphic">
+          <ac:chgData name="Benjamin AUBRY" userId="3378e7d37fbb753c" providerId="LiveId" clId="{5F64E7C9-41FC-43FF-B4A6-B8714E7177E5}" dt="2020-07-23T20:40:08.489" v="2460" actId="478"/>
           <ac:graphicFrameMkLst>
             <pc:docMk/>
             <pc:sldMk cId="485817502" sldId="261"/>
             <ac:graphicFrameMk id="5" creationId="{28F4B430-5100-4573-83DE-74E6BDC52C9F}"/>
           </ac:graphicFrameMkLst>
         </pc:graphicFrameChg>
+      </pc:sldChg>
+      <pc:sldChg chg="addSp delSp modSp add mod">
+        <pc:chgData name="Benjamin AUBRY" userId="3378e7d37fbb753c" providerId="LiveId" clId="{5F64E7C9-41FC-43FF-B4A6-B8714E7177E5}" dt="2020-07-24T04:07:05.775" v="5511" actId="14100"/>
+        <pc:sldMkLst>
+          <pc:docMk/>
+          <pc:sldMk cId="1996984032" sldId="262"/>
+        </pc:sldMkLst>
+        <pc:spChg chg="mod">
+          <ac:chgData name="Benjamin AUBRY" userId="3378e7d37fbb753c" providerId="LiveId" clId="{5F64E7C9-41FC-43FF-B4A6-B8714E7177E5}" dt="2020-07-24T03:04:07.281" v="5409" actId="1076"/>
+          <ac:spMkLst>
+            <pc:docMk/>
+            <pc:sldMk cId="1996984032" sldId="262"/>
+            <ac:spMk id="2" creationId="{DAB68D43-E877-470D-B8DD-DB6CF3339724}"/>
+          </ac:spMkLst>
+        </pc:spChg>
+        <pc:spChg chg="mod">
+          <ac:chgData name="Benjamin AUBRY" userId="3378e7d37fbb753c" providerId="LiveId" clId="{5F64E7C9-41FC-43FF-B4A6-B8714E7177E5}" dt="2020-07-24T03:02:57.201" v="5397" actId="20577"/>
+          <ac:spMkLst>
+            <pc:docMk/>
+            <pc:sldMk cId="1996984032" sldId="262"/>
+            <ac:spMk id="3" creationId="{AE8F4937-F339-452D-B4E0-03F6F922145D}"/>
+          </ac:spMkLst>
+        </pc:spChg>
+        <pc:spChg chg="mod">
+          <ac:chgData name="Benjamin AUBRY" userId="3378e7d37fbb753c" providerId="LiveId" clId="{5F64E7C9-41FC-43FF-B4A6-B8714E7177E5}" dt="2020-07-24T02:40:01.640" v="4995" actId="20577"/>
+          <ac:spMkLst>
+            <pc:docMk/>
+            <pc:sldMk cId="1996984032" sldId="262"/>
+            <ac:spMk id="6" creationId="{369DBA87-DDB6-4BEF-82A6-D2C014ED8A80}"/>
+          </ac:spMkLst>
+        </pc:spChg>
+        <pc:spChg chg="add mod">
+          <ac:chgData name="Benjamin AUBRY" userId="3378e7d37fbb753c" providerId="LiveId" clId="{5F64E7C9-41FC-43FF-B4A6-B8714E7177E5}" dt="2020-07-24T03:05:15.692" v="5509" actId="20577"/>
+          <ac:spMkLst>
+            <pc:docMk/>
+            <pc:sldMk cId="1996984032" sldId="262"/>
+            <ac:spMk id="12" creationId="{3339CE2A-8985-4A98-9839-8A261517BC4E}"/>
+          </ac:spMkLst>
+        </pc:spChg>
+        <pc:graphicFrameChg chg="add del mod">
+          <ac:chgData name="Benjamin AUBRY" userId="3378e7d37fbb753c" providerId="LiveId" clId="{5F64E7C9-41FC-43FF-B4A6-B8714E7177E5}" dt="2020-07-24T02:56:46.926" v="5020" actId="478"/>
+          <ac:graphicFrameMkLst>
+            <pc:docMk/>
+            <pc:sldMk cId="1996984032" sldId="262"/>
+            <ac:graphicFrameMk id="4" creationId="{CADEB876-19FE-4DA8-B868-49B599784E49}"/>
+          </ac:graphicFrameMkLst>
+        </pc:graphicFrameChg>
+        <pc:graphicFrameChg chg="del mod modGraphic">
+          <ac:chgData name="Benjamin AUBRY" userId="3378e7d37fbb753c" providerId="LiveId" clId="{5F64E7C9-41FC-43FF-B4A6-B8714E7177E5}" dt="2020-07-24T02:56:44.768" v="5019" actId="478"/>
+          <ac:graphicFrameMkLst>
+            <pc:docMk/>
+            <pc:sldMk cId="1996984032" sldId="262"/>
+            <ac:graphicFrameMk id="5" creationId="{28F4B430-5100-4573-83DE-74E6BDC52C9F}"/>
+          </ac:graphicFrameMkLst>
+        </pc:graphicFrameChg>
+        <pc:graphicFrameChg chg="add del mod modGraphic">
+          <ac:chgData name="Benjamin AUBRY" userId="3378e7d37fbb753c" providerId="LiveId" clId="{5F64E7C9-41FC-43FF-B4A6-B8714E7177E5}" dt="2020-07-24T03:04:03.422" v="5408"/>
+          <ac:graphicFrameMkLst>
+            <pc:docMk/>
+            <pc:sldMk cId="1996984032" sldId="262"/>
+            <ac:graphicFrameMk id="11" creationId="{7AC041B8-EC4B-43B1-AA86-DE1EDC70F2D0}"/>
+          </ac:graphicFrameMkLst>
+        </pc:graphicFrameChg>
+        <pc:picChg chg="add mod">
+          <ac:chgData name="Benjamin AUBRY" userId="3378e7d37fbb753c" providerId="LiveId" clId="{5F64E7C9-41FC-43FF-B4A6-B8714E7177E5}" dt="2020-07-24T04:07:05.775" v="5511" actId="14100"/>
+          <ac:picMkLst>
+            <pc:docMk/>
+            <pc:sldMk cId="1996984032" sldId="262"/>
+            <ac:picMk id="8" creationId="{FF3C1076-88CC-438E-A668-602C9C48038C}"/>
+          </ac:picMkLst>
+        </pc:picChg>
+        <pc:picChg chg="add del mod">
+          <ac:chgData name="Benjamin AUBRY" userId="3378e7d37fbb753c" providerId="LiveId" clId="{5F64E7C9-41FC-43FF-B4A6-B8714E7177E5}" dt="2020-07-24T03:00:35.921" v="5032" actId="478"/>
+          <ac:picMkLst>
+            <pc:docMk/>
+            <pc:sldMk cId="1996984032" sldId="262"/>
+            <ac:picMk id="10" creationId="{CB9B9428-F3D8-4382-8F05-24926DDEB026}"/>
+          </ac:picMkLst>
+        </pc:picChg>
+      </pc:sldChg>
+      <pc:sldChg chg="modSp add mod">
+        <pc:chgData name="Benjamin AUBRY" userId="3378e7d37fbb753c" providerId="LiveId" clId="{5F64E7C9-41FC-43FF-B4A6-B8714E7177E5}" dt="2020-07-24T01:48:17.950" v="4616" actId="115"/>
+        <pc:sldMkLst>
+          <pc:docMk/>
+          <pc:sldMk cId="3881995482" sldId="263"/>
+        </pc:sldMkLst>
+        <pc:spChg chg="mod">
+          <ac:chgData name="Benjamin AUBRY" userId="3378e7d37fbb753c" providerId="LiveId" clId="{5F64E7C9-41FC-43FF-B4A6-B8714E7177E5}" dt="2020-07-24T01:47:28.415" v="4587" actId="5793"/>
+          <ac:spMkLst>
+            <pc:docMk/>
+            <pc:sldMk cId="3881995482" sldId="263"/>
+            <ac:spMk id="2" creationId="{DAB68D43-E877-470D-B8DD-DB6CF3339724}"/>
+          </ac:spMkLst>
+        </pc:spChg>
+        <pc:spChg chg="mod">
+          <ac:chgData name="Benjamin AUBRY" userId="3378e7d37fbb753c" providerId="LiveId" clId="{5F64E7C9-41FC-43FF-B4A6-B8714E7177E5}" dt="2020-07-24T01:48:17.950" v="4616" actId="115"/>
+          <ac:spMkLst>
+            <pc:docMk/>
+            <pc:sldMk cId="3881995482" sldId="263"/>
+            <ac:spMk id="3" creationId="{AE8F4937-F339-452D-B4E0-03F6F922145D}"/>
+          </ac:spMkLst>
+        </pc:spChg>
+      </pc:sldChg>
+      <pc:sldChg chg="add setBg">
+        <pc:chgData name="Benjamin AUBRY" userId="3378e7d37fbb753c" providerId="LiveId" clId="{5F64E7C9-41FC-43FF-B4A6-B8714E7177E5}" dt="2020-07-24T03:06:59.821" v="5510"/>
+        <pc:sldMkLst>
+          <pc:docMk/>
+          <pc:sldMk cId="3460352096" sldId="264"/>
+        </pc:sldMkLst>
       </pc:sldChg>
     </pc:docChg>
   </pc:docChgLst>
@@ -850,7 +1562,7 @@
           <a:p>
             <a:fld id="{1E30AC12-CC4E-417F-B892-990349E17043}" type="datetimeFigureOut">
               <a:rPr lang="en-US" smtClean="0"/>
-              <a:t>7/22/2020</a:t>
+              <a:t>7/23/2020</a:t>
             </a:fld>
             <a:endParaRPr lang="en-US"/>
           </a:p>
@@ -1048,7 +1760,7 @@
           <a:p>
             <a:fld id="{1E30AC12-CC4E-417F-B892-990349E17043}" type="datetimeFigureOut">
               <a:rPr lang="en-US" smtClean="0"/>
-              <a:t>7/22/2020</a:t>
+              <a:t>7/23/2020</a:t>
             </a:fld>
             <a:endParaRPr lang="en-US"/>
           </a:p>
@@ -1256,7 +1968,7 @@
           <a:p>
             <a:fld id="{1E30AC12-CC4E-417F-B892-990349E17043}" type="datetimeFigureOut">
               <a:rPr lang="en-US" smtClean="0"/>
-              <a:t>7/22/2020</a:t>
+              <a:t>7/23/2020</a:t>
             </a:fld>
             <a:endParaRPr lang="en-US"/>
           </a:p>
@@ -1454,7 +2166,7 @@
           <a:p>
             <a:fld id="{1E30AC12-CC4E-417F-B892-990349E17043}" type="datetimeFigureOut">
               <a:rPr lang="en-US" smtClean="0"/>
-              <a:t>7/22/2020</a:t>
+              <a:t>7/23/2020</a:t>
             </a:fld>
             <a:endParaRPr lang="en-US"/>
           </a:p>
@@ -1729,7 +2441,7 @@
           <a:p>
             <a:fld id="{1E30AC12-CC4E-417F-B892-990349E17043}" type="datetimeFigureOut">
               <a:rPr lang="en-US" smtClean="0"/>
-              <a:t>7/22/2020</a:t>
+              <a:t>7/23/2020</a:t>
             </a:fld>
             <a:endParaRPr lang="en-US"/>
           </a:p>
@@ -1994,7 +2706,7 @@
           <a:p>
             <a:fld id="{1E30AC12-CC4E-417F-B892-990349E17043}" type="datetimeFigureOut">
               <a:rPr lang="en-US" smtClean="0"/>
-              <a:t>7/22/2020</a:t>
+              <a:t>7/23/2020</a:t>
             </a:fld>
             <a:endParaRPr lang="en-US"/>
           </a:p>
@@ -2406,7 +3118,7 @@
           <a:p>
             <a:fld id="{1E30AC12-CC4E-417F-B892-990349E17043}" type="datetimeFigureOut">
               <a:rPr lang="en-US" smtClean="0"/>
-              <a:t>7/22/2020</a:t>
+              <a:t>7/23/2020</a:t>
             </a:fld>
             <a:endParaRPr lang="en-US"/>
           </a:p>
@@ -2547,7 +3259,7 @@
           <a:p>
             <a:fld id="{1E30AC12-CC4E-417F-B892-990349E17043}" type="datetimeFigureOut">
               <a:rPr lang="en-US" smtClean="0"/>
-              <a:t>7/22/2020</a:t>
+              <a:t>7/23/2020</a:t>
             </a:fld>
             <a:endParaRPr lang="en-US"/>
           </a:p>
@@ -2660,7 +3372,7 @@
           <a:p>
             <a:fld id="{1E30AC12-CC4E-417F-B892-990349E17043}" type="datetimeFigureOut">
               <a:rPr lang="en-US" smtClean="0"/>
-              <a:t>7/22/2020</a:t>
+              <a:t>7/23/2020</a:t>
             </a:fld>
             <a:endParaRPr lang="en-US"/>
           </a:p>
@@ -2971,7 +3683,7 @@
           <a:p>
             <a:fld id="{1E30AC12-CC4E-417F-B892-990349E17043}" type="datetimeFigureOut">
               <a:rPr lang="en-US" smtClean="0"/>
-              <a:t>7/22/2020</a:t>
+              <a:t>7/23/2020</a:t>
             </a:fld>
             <a:endParaRPr lang="en-US"/>
           </a:p>
@@ -3259,7 +3971,7 @@
           <a:p>
             <a:fld id="{1E30AC12-CC4E-417F-B892-990349E17043}" type="datetimeFigureOut">
               <a:rPr lang="en-US" smtClean="0"/>
-              <a:t>7/22/2020</a:t>
+              <a:t>7/23/2020</a:t>
             </a:fld>
             <a:endParaRPr lang="en-US"/>
           </a:p>
@@ -3500,7 +4212,7 @@
           <a:p>
             <a:fld id="{1E30AC12-CC4E-417F-B892-990349E17043}" type="datetimeFigureOut">
               <a:rPr lang="en-US" smtClean="0"/>
-              <a:t>7/22/2020</a:t>
+              <a:t>7/23/2020</a:t>
             </a:fld>
             <a:endParaRPr lang="en-US"/>
           </a:p>
@@ -3941,18 +4653,18 @@
         </p:spPr>
         <p:txBody>
           <a:bodyPr>
-            <a:normAutofit/>
+            <a:normAutofit fontScale="90000"/>
           </a:bodyPr>
           <a:lstStyle/>
           <a:p>
             <a:pPr algn="l"/>
             <a:r>
-              <a:rPr lang="en-US" sz="2400" b="1" dirty="0">
+              <a:rPr lang="en-US" sz="2200" b="1" dirty="0">
                 <a:solidFill>
                   <a:srgbClr val="FF0000"/>
                 </a:solidFill>
               </a:rPr>
-              <a:t>Predicting the Stock Market using Regression/Classification methods</a:t>
+              <a:t>Predicting the Japanese Stock Market direction using a Machine Learning classification method</a:t>
             </a:r>
           </a:p>
         </p:txBody>
@@ -4013,7 +4725,7 @@
             </a:pPr>
             <a:r>
               <a:rPr lang="en-US" sz="1600" dirty="0"/>
-              <a:t>My main goal was to use different Supervised Machine Learning approaches to the price/direction of the Japanese Stock Market Index (Multi-Linear Regression Model and a Logistic Regression try and predict Model)</a:t>
+              <a:t>My main goal was to use a Supervised Machine Learning approach to try to predict the direction of the Japanese Stock Market Index (Logistic Regression)</a:t>
             </a:r>
           </a:p>
           <a:p>
@@ -4030,7 +4742,7 @@
             </a:pPr>
             <a:r>
               <a:rPr lang="en-US" sz="1600" dirty="0"/>
-              <a:t>Various Market data time series were used as inputs to the models:</a:t>
+              <a:t>Various raw market data time series were used as inputs to the models:</a:t>
             </a:r>
           </a:p>
           <a:p>
@@ -4127,13 +4839,13 @@
           <p:nvPr>
             <p:extLst>
               <p:ext uri="{D42A27DB-BD31-4B8C-83A1-F6EECF244321}">
-                <p14:modId xmlns:p14="http://schemas.microsoft.com/office/powerpoint/2010/main" val="2853968807"/>
+                <p14:modId xmlns:p14="http://schemas.microsoft.com/office/powerpoint/2010/main" val="2945695628"/>
               </p:ext>
             </p:extLst>
           </p:nvPr>
         </p:nvGraphicFramePr>
         <p:xfrm>
-          <a:off x="819151" y="2770188"/>
+          <a:off x="753837" y="2835500"/>
           <a:ext cx="8243207" cy="2787015"/>
         </p:xfrm>
         <a:graphic>
@@ -5221,12 +5933,12 @@
                     <a:p>
                       <a:pPr algn="l" fontAlgn="b"/>
                       <a:r>
-                        <a:rPr lang="en-US" sz="1600" u="none" strike="noStrike">
+                        <a:rPr lang="en-US" sz="1600" u="none" strike="noStrike" dirty="0">
                           <a:effectLst/>
                         </a:rPr>
                         <a:t>St Louis Fed</a:t>
                       </a:r>
-                      <a:endParaRPr lang="en-US" sz="1600" b="0" i="0" u="none" strike="noStrike">
+                      <a:endParaRPr lang="en-US" sz="1600" b="0" i="0" u="none" strike="noStrike" dirty="0">
                         <a:solidFill>
                           <a:srgbClr val="000000"/>
                         </a:solidFill>
@@ -5341,13 +6053,13 @@
         </p:nvSpPr>
         <p:spPr>
           <a:xfrm>
-            <a:off x="84365" y="156710"/>
-            <a:ext cx="10101942" cy="506186"/>
+            <a:off x="84360" y="107281"/>
+            <a:ext cx="10101942" cy="328534"/>
           </a:xfrm>
         </p:spPr>
         <p:txBody>
           <a:bodyPr>
-            <a:normAutofit/>
+            <a:normAutofit fontScale="90000"/>
           </a:bodyPr>
           <a:lstStyle/>
           <a:p>
@@ -5358,7 +6070,7 @@
                   <a:srgbClr val="FF0000"/>
                 </a:solidFill>
               </a:rPr>
-              <a:t>Data Transformation and Data Cleaning </a:t>
+              <a:t>Data Transformation/Pipeline and Feature Engineering</a:t>
             </a:r>
           </a:p>
         </p:txBody>
@@ -5381,7 +6093,7 @@
         </p:nvSpPr>
         <p:spPr>
           <a:xfrm>
-            <a:off x="195943" y="662896"/>
+            <a:off x="131987" y="671405"/>
             <a:ext cx="11438163" cy="5982834"/>
           </a:xfrm>
         </p:spPr>
@@ -5414,6 +6126,3260 @@
           </a:p>
         </p:txBody>
       </p:sp>
+      <p:sp>
+        <p:nvSpPr>
+          <p:cNvPr id="3" name="Rectangle 2">
+            <a:extLst>
+              <a:ext uri="{FF2B5EF4-FFF2-40B4-BE49-F238E27FC236}">
+                <a16:creationId xmlns:a16="http://schemas.microsoft.com/office/drawing/2014/main" id="{2563C3FA-06FE-4A92-B19A-489E1944D91E}"/>
+              </a:ext>
+            </a:extLst>
+          </p:cNvPr>
+          <p:cNvSpPr/>
+          <p:nvPr/>
+        </p:nvSpPr>
+        <p:spPr>
+          <a:xfrm>
+            <a:off x="84365" y="731788"/>
+            <a:ext cx="11911692" cy="2369880"/>
+          </a:xfrm>
+          <a:prstGeom prst="rect">
+            <a:avLst/>
+          </a:prstGeom>
+        </p:spPr>
+        <p:txBody>
+          <a:bodyPr wrap="square">
+            <a:spAutoFit/>
+          </a:bodyPr>
+          <a:lstStyle/>
+          <a:p>
+            <a:endParaRPr lang="en-US" sz="1600" dirty="0"/>
+          </a:p>
+          <a:p>
+            <a:pPr marL="800100" lvl="1" indent="-342900">
+              <a:buFont typeface="Arial" panose="020B0604020202020204" pitchFamily="34" charset="0"/>
+              <a:buChar char="•"/>
+            </a:pPr>
+            <a:endParaRPr lang="en-US" sz="1600" dirty="0"/>
+          </a:p>
+          <a:p>
+            <a:pPr marL="800100" lvl="1" indent="-342900">
+              <a:buFont typeface="Arial" panose="020B0604020202020204" pitchFamily="34" charset="0"/>
+              <a:buChar char="•"/>
+            </a:pPr>
+            <a:endParaRPr lang="en-US" sz="2000" dirty="0"/>
+          </a:p>
+          <a:p>
+            <a:pPr marL="800100" lvl="1" indent="-342900">
+              <a:buFont typeface="Arial" panose="020B0604020202020204" pitchFamily="34" charset="0"/>
+              <a:buChar char="•"/>
+            </a:pPr>
+            <a:endParaRPr lang="en-US" sz="2000" dirty="0"/>
+          </a:p>
+          <a:p>
+            <a:pPr marL="800100" lvl="1" indent="-342900">
+              <a:buFont typeface="Arial" panose="020B0604020202020204" pitchFamily="34" charset="0"/>
+              <a:buChar char="•"/>
+            </a:pPr>
+            <a:endParaRPr lang="en-US" sz="2000" dirty="0"/>
+          </a:p>
+          <a:p>
+            <a:pPr marL="800100" lvl="1" indent="-342900">
+              <a:buFont typeface="Arial" panose="020B0604020202020204" pitchFamily="34" charset="0"/>
+              <a:buChar char="•"/>
+            </a:pPr>
+            <a:endParaRPr lang="en-US" sz="2000" dirty="0"/>
+          </a:p>
+          <a:p>
+            <a:pPr marL="800100" lvl="1" indent="-342900">
+              <a:buFont typeface="Arial" panose="020B0604020202020204" pitchFamily="34" charset="0"/>
+              <a:buChar char="•"/>
+            </a:pPr>
+            <a:endParaRPr lang="en-US" sz="2000" dirty="0"/>
+          </a:p>
+          <a:p>
+            <a:pPr marL="342900" indent="-342900">
+              <a:buFont typeface="Arial" panose="020B0604020202020204" pitchFamily="34" charset="0"/>
+              <a:buChar char="•"/>
+            </a:pPr>
+            <a:endParaRPr lang="en-US" sz="1600" dirty="0"/>
+          </a:p>
+        </p:txBody>
+      </p:sp>
+      <p:sp>
+        <p:nvSpPr>
+          <p:cNvPr id="5" name="Rectangle 4">
+            <a:extLst>
+              <a:ext uri="{FF2B5EF4-FFF2-40B4-BE49-F238E27FC236}">
+                <a16:creationId xmlns:a16="http://schemas.microsoft.com/office/drawing/2014/main" id="{AF4E4BC9-299E-41C2-9FBC-E55EBC5131CA}"/>
+              </a:ext>
+            </a:extLst>
+          </p:cNvPr>
+          <p:cNvSpPr/>
+          <p:nvPr/>
+        </p:nvSpPr>
+        <p:spPr>
+          <a:xfrm>
+            <a:off x="84365" y="1303293"/>
+            <a:ext cx="1711779" cy="362220"/>
+          </a:xfrm>
+          <a:prstGeom prst="rect">
+            <a:avLst/>
+          </a:prstGeom>
+          <a:noFill/>
+        </p:spPr>
+        <p:style>
+          <a:lnRef idx="2">
+            <a:schemeClr val="accent1">
+              <a:shade val="50000"/>
+            </a:schemeClr>
+          </a:lnRef>
+          <a:fillRef idx="1">
+            <a:schemeClr val="accent1"/>
+          </a:fillRef>
+          <a:effectRef idx="0">
+            <a:schemeClr val="accent1"/>
+          </a:effectRef>
+          <a:fontRef idx="minor">
+            <a:schemeClr val="lt1"/>
+          </a:fontRef>
+        </p:style>
+        <p:txBody>
+          <a:bodyPr rtlCol="0" anchor="ctr"/>
+          <a:lstStyle/>
+          <a:p>
+            <a:pPr algn="ctr"/>
+            <a:r>
+              <a:rPr lang="en-US" sz="1000" dirty="0">
+                <a:solidFill>
+                  <a:schemeClr val="accent1">
+                    <a:lumMod val="50000"/>
+                  </a:schemeClr>
+                </a:solidFill>
+              </a:rPr>
+              <a:t>Equity Market Data</a:t>
+            </a:r>
+          </a:p>
+        </p:txBody>
+      </p:sp>
+      <p:sp>
+        <p:nvSpPr>
+          <p:cNvPr id="19" name="Rectangle 18">
+            <a:extLst>
+              <a:ext uri="{FF2B5EF4-FFF2-40B4-BE49-F238E27FC236}">
+                <a16:creationId xmlns:a16="http://schemas.microsoft.com/office/drawing/2014/main" id="{EA3B4963-E799-4C56-89BF-E01A8A95F4FD}"/>
+              </a:ext>
+            </a:extLst>
+          </p:cNvPr>
+          <p:cNvSpPr/>
+          <p:nvPr/>
+        </p:nvSpPr>
+        <p:spPr>
+          <a:xfrm>
+            <a:off x="84360" y="6153863"/>
+            <a:ext cx="1711778" cy="362220"/>
+          </a:xfrm>
+          <a:prstGeom prst="rect">
+            <a:avLst/>
+          </a:prstGeom>
+          <a:noFill/>
+        </p:spPr>
+        <p:style>
+          <a:lnRef idx="2">
+            <a:schemeClr val="accent1">
+              <a:shade val="50000"/>
+            </a:schemeClr>
+          </a:lnRef>
+          <a:fillRef idx="1">
+            <a:schemeClr val="accent1"/>
+          </a:fillRef>
+          <a:effectRef idx="0">
+            <a:schemeClr val="accent1"/>
+          </a:effectRef>
+          <a:fontRef idx="minor">
+            <a:schemeClr val="lt1"/>
+          </a:fontRef>
+        </p:style>
+        <p:txBody>
+          <a:bodyPr rtlCol="0" anchor="ctr"/>
+          <a:lstStyle/>
+          <a:p>
+            <a:pPr algn="ctr"/>
+            <a:r>
+              <a:rPr lang="en-US" sz="1000" dirty="0">
+                <a:solidFill>
+                  <a:schemeClr val="accent1">
+                    <a:lumMod val="50000"/>
+                  </a:schemeClr>
+                </a:solidFill>
+              </a:rPr>
+              <a:t>Vol Market Data</a:t>
+            </a:r>
+          </a:p>
+        </p:txBody>
+      </p:sp>
+      <p:sp>
+        <p:nvSpPr>
+          <p:cNvPr id="21" name="Rectangle 20">
+            <a:extLst>
+              <a:ext uri="{FF2B5EF4-FFF2-40B4-BE49-F238E27FC236}">
+                <a16:creationId xmlns:a16="http://schemas.microsoft.com/office/drawing/2014/main" id="{6C3D14A6-5730-4D09-9225-37208D26BE2E}"/>
+              </a:ext>
+            </a:extLst>
+          </p:cNvPr>
+          <p:cNvSpPr/>
+          <p:nvPr/>
+        </p:nvSpPr>
+        <p:spPr>
+          <a:xfrm>
+            <a:off x="84360" y="5204798"/>
+            <a:ext cx="1711779" cy="362220"/>
+          </a:xfrm>
+          <a:prstGeom prst="rect">
+            <a:avLst/>
+          </a:prstGeom>
+          <a:noFill/>
+        </p:spPr>
+        <p:style>
+          <a:lnRef idx="2">
+            <a:schemeClr val="accent1">
+              <a:shade val="50000"/>
+            </a:schemeClr>
+          </a:lnRef>
+          <a:fillRef idx="1">
+            <a:schemeClr val="accent1"/>
+          </a:fillRef>
+          <a:effectRef idx="0">
+            <a:schemeClr val="accent1"/>
+          </a:effectRef>
+          <a:fontRef idx="minor">
+            <a:schemeClr val="lt1"/>
+          </a:fontRef>
+        </p:style>
+        <p:txBody>
+          <a:bodyPr rtlCol="0" anchor="ctr"/>
+          <a:lstStyle/>
+          <a:p>
+            <a:pPr algn="ctr"/>
+            <a:r>
+              <a:rPr lang="en-US" sz="1000" dirty="0">
+                <a:solidFill>
+                  <a:schemeClr val="accent1">
+                    <a:lumMod val="50000"/>
+                  </a:schemeClr>
+                </a:solidFill>
+              </a:rPr>
+              <a:t>FX Market Data</a:t>
+            </a:r>
+          </a:p>
+        </p:txBody>
+      </p:sp>
+      <p:sp>
+        <p:nvSpPr>
+          <p:cNvPr id="23" name="Rectangle 22">
+            <a:extLst>
+              <a:ext uri="{FF2B5EF4-FFF2-40B4-BE49-F238E27FC236}">
+                <a16:creationId xmlns:a16="http://schemas.microsoft.com/office/drawing/2014/main" id="{80C03AD8-4277-46EC-ABC7-E9B55CDE8F8F}"/>
+              </a:ext>
+            </a:extLst>
+          </p:cNvPr>
+          <p:cNvSpPr/>
+          <p:nvPr/>
+        </p:nvSpPr>
+        <p:spPr>
+          <a:xfrm>
+            <a:off x="84360" y="4019479"/>
+            <a:ext cx="1711779" cy="362220"/>
+          </a:xfrm>
+          <a:prstGeom prst="rect">
+            <a:avLst/>
+          </a:prstGeom>
+          <a:noFill/>
+        </p:spPr>
+        <p:style>
+          <a:lnRef idx="2">
+            <a:schemeClr val="accent1">
+              <a:shade val="50000"/>
+            </a:schemeClr>
+          </a:lnRef>
+          <a:fillRef idx="1">
+            <a:schemeClr val="accent1"/>
+          </a:fillRef>
+          <a:effectRef idx="0">
+            <a:schemeClr val="accent1"/>
+          </a:effectRef>
+          <a:fontRef idx="minor">
+            <a:schemeClr val="lt1"/>
+          </a:fontRef>
+        </p:style>
+        <p:txBody>
+          <a:bodyPr rtlCol="0" anchor="ctr"/>
+          <a:lstStyle/>
+          <a:p>
+            <a:pPr algn="ctr"/>
+            <a:r>
+              <a:rPr lang="en-US" sz="1000" dirty="0">
+                <a:solidFill>
+                  <a:schemeClr val="accent1">
+                    <a:lumMod val="50000"/>
+                  </a:schemeClr>
+                </a:solidFill>
+              </a:rPr>
+              <a:t>Credit Market Data</a:t>
+            </a:r>
+          </a:p>
+        </p:txBody>
+      </p:sp>
+      <p:sp>
+        <p:nvSpPr>
+          <p:cNvPr id="25" name="Rectangle 24">
+            <a:extLst>
+              <a:ext uri="{FF2B5EF4-FFF2-40B4-BE49-F238E27FC236}">
+                <a16:creationId xmlns:a16="http://schemas.microsoft.com/office/drawing/2014/main" id="{1735F163-0711-47A4-8450-666353E20360}"/>
+              </a:ext>
+            </a:extLst>
+          </p:cNvPr>
+          <p:cNvSpPr/>
+          <p:nvPr/>
+        </p:nvSpPr>
+        <p:spPr>
+          <a:xfrm>
+            <a:off x="84362" y="2712900"/>
+            <a:ext cx="1711782" cy="362220"/>
+          </a:xfrm>
+          <a:prstGeom prst="rect">
+            <a:avLst/>
+          </a:prstGeom>
+          <a:noFill/>
+        </p:spPr>
+        <p:style>
+          <a:lnRef idx="2">
+            <a:schemeClr val="accent1">
+              <a:shade val="50000"/>
+            </a:schemeClr>
+          </a:lnRef>
+          <a:fillRef idx="1">
+            <a:schemeClr val="accent1"/>
+          </a:fillRef>
+          <a:effectRef idx="0">
+            <a:schemeClr val="accent1"/>
+          </a:effectRef>
+          <a:fontRef idx="minor">
+            <a:schemeClr val="lt1"/>
+          </a:fontRef>
+        </p:style>
+        <p:txBody>
+          <a:bodyPr rtlCol="0" anchor="ctr"/>
+          <a:lstStyle/>
+          <a:p>
+            <a:pPr algn="ctr"/>
+            <a:r>
+              <a:rPr lang="en-US" sz="1000" dirty="0">
+                <a:solidFill>
+                  <a:schemeClr val="accent1">
+                    <a:lumMod val="50000"/>
+                  </a:schemeClr>
+                </a:solidFill>
+              </a:rPr>
+              <a:t>Interest Rates Market Data </a:t>
+            </a:r>
+          </a:p>
+        </p:txBody>
+      </p:sp>
+      <p:sp>
+        <p:nvSpPr>
+          <p:cNvPr id="27" name="Rectangle 26">
+            <a:extLst>
+              <a:ext uri="{FF2B5EF4-FFF2-40B4-BE49-F238E27FC236}">
+                <a16:creationId xmlns:a16="http://schemas.microsoft.com/office/drawing/2014/main" id="{D55831D2-346A-45F0-8865-3AFE2FAA5140}"/>
+              </a:ext>
+            </a:extLst>
+          </p:cNvPr>
+          <p:cNvSpPr/>
+          <p:nvPr/>
+        </p:nvSpPr>
+        <p:spPr>
+          <a:xfrm>
+            <a:off x="2204355" y="947367"/>
+            <a:ext cx="1711779" cy="362220"/>
+          </a:xfrm>
+          <a:prstGeom prst="rect">
+            <a:avLst/>
+          </a:prstGeom>
+          <a:noFill/>
+        </p:spPr>
+        <p:style>
+          <a:lnRef idx="2">
+            <a:schemeClr val="accent1">
+              <a:shade val="50000"/>
+            </a:schemeClr>
+          </a:lnRef>
+          <a:fillRef idx="1">
+            <a:schemeClr val="accent1"/>
+          </a:fillRef>
+          <a:effectRef idx="0">
+            <a:schemeClr val="accent1"/>
+          </a:effectRef>
+          <a:fontRef idx="minor">
+            <a:schemeClr val="lt1"/>
+          </a:fontRef>
+        </p:style>
+        <p:txBody>
+          <a:bodyPr rtlCol="0" anchor="ctr"/>
+          <a:lstStyle/>
+          <a:p>
+            <a:pPr algn="ctr"/>
+            <a:r>
+              <a:rPr lang="en-US" sz="1000" dirty="0">
+                <a:solidFill>
+                  <a:schemeClr val="accent1">
+                    <a:lumMod val="50000"/>
+                  </a:schemeClr>
+                </a:solidFill>
+              </a:rPr>
+              <a:t>SP500 Index</a:t>
+            </a:r>
+          </a:p>
+        </p:txBody>
+      </p:sp>
+      <p:sp>
+        <p:nvSpPr>
+          <p:cNvPr id="29" name="Rectangle 28">
+            <a:extLst>
+              <a:ext uri="{FF2B5EF4-FFF2-40B4-BE49-F238E27FC236}">
+                <a16:creationId xmlns:a16="http://schemas.microsoft.com/office/drawing/2014/main" id="{0C4E90E6-737D-4A4F-A446-68463A5A1E96}"/>
+              </a:ext>
+            </a:extLst>
+          </p:cNvPr>
+          <p:cNvSpPr/>
+          <p:nvPr/>
+        </p:nvSpPr>
+        <p:spPr>
+          <a:xfrm>
+            <a:off x="2204355" y="1656085"/>
+            <a:ext cx="1711779" cy="362220"/>
+          </a:xfrm>
+          <a:prstGeom prst="rect">
+            <a:avLst/>
+          </a:prstGeom>
+          <a:noFill/>
+        </p:spPr>
+        <p:style>
+          <a:lnRef idx="2">
+            <a:schemeClr val="accent1">
+              <a:shade val="50000"/>
+            </a:schemeClr>
+          </a:lnRef>
+          <a:fillRef idx="1">
+            <a:schemeClr val="accent1"/>
+          </a:fillRef>
+          <a:effectRef idx="0">
+            <a:schemeClr val="accent1"/>
+          </a:effectRef>
+          <a:fontRef idx="minor">
+            <a:schemeClr val="lt1"/>
+          </a:fontRef>
+        </p:style>
+        <p:txBody>
+          <a:bodyPr rtlCol="0" anchor="ctr"/>
+          <a:lstStyle/>
+          <a:p>
+            <a:pPr algn="ctr"/>
+            <a:r>
+              <a:rPr lang="en-US" sz="1000" dirty="0">
+                <a:solidFill>
+                  <a:schemeClr val="accent1">
+                    <a:lumMod val="50000"/>
+                  </a:schemeClr>
+                </a:solidFill>
+              </a:rPr>
+              <a:t>Nikkei Index </a:t>
+            </a:r>
+          </a:p>
+        </p:txBody>
+      </p:sp>
+      <p:sp>
+        <p:nvSpPr>
+          <p:cNvPr id="31" name="Rectangle 30">
+            <a:extLst>
+              <a:ext uri="{FF2B5EF4-FFF2-40B4-BE49-F238E27FC236}">
+                <a16:creationId xmlns:a16="http://schemas.microsoft.com/office/drawing/2014/main" id="{22941B98-49D5-4ED3-A1C2-E323CD65CBF3}"/>
+              </a:ext>
+            </a:extLst>
+          </p:cNvPr>
+          <p:cNvSpPr/>
+          <p:nvPr/>
+        </p:nvSpPr>
+        <p:spPr>
+          <a:xfrm>
+            <a:off x="2204355" y="2352378"/>
+            <a:ext cx="1711779" cy="362220"/>
+          </a:xfrm>
+          <a:prstGeom prst="rect">
+            <a:avLst/>
+          </a:prstGeom>
+          <a:noFill/>
+        </p:spPr>
+        <p:style>
+          <a:lnRef idx="2">
+            <a:schemeClr val="accent1">
+              <a:shade val="50000"/>
+            </a:schemeClr>
+          </a:lnRef>
+          <a:fillRef idx="1">
+            <a:schemeClr val="accent1"/>
+          </a:fillRef>
+          <a:effectRef idx="0">
+            <a:schemeClr val="accent1"/>
+          </a:effectRef>
+          <a:fontRef idx="minor">
+            <a:schemeClr val="lt1"/>
+          </a:fontRef>
+        </p:style>
+        <p:txBody>
+          <a:bodyPr rtlCol="0" anchor="ctr"/>
+          <a:lstStyle/>
+          <a:p>
+            <a:pPr algn="ctr"/>
+            <a:r>
+              <a:rPr lang="en-US" sz="1000" dirty="0">
+                <a:solidFill>
+                  <a:schemeClr val="accent1">
+                    <a:lumMod val="50000"/>
+                  </a:schemeClr>
+                </a:solidFill>
+              </a:rPr>
+              <a:t>US Treasury Yields</a:t>
+            </a:r>
+          </a:p>
+        </p:txBody>
+      </p:sp>
+      <p:sp>
+        <p:nvSpPr>
+          <p:cNvPr id="33" name="Rectangle 32">
+            <a:extLst>
+              <a:ext uri="{FF2B5EF4-FFF2-40B4-BE49-F238E27FC236}">
+                <a16:creationId xmlns:a16="http://schemas.microsoft.com/office/drawing/2014/main" id="{7EEE8094-1429-4F99-A2B5-C353C80B5FA4}"/>
+              </a:ext>
+            </a:extLst>
+          </p:cNvPr>
+          <p:cNvSpPr/>
+          <p:nvPr/>
+        </p:nvSpPr>
+        <p:spPr>
+          <a:xfrm>
+            <a:off x="2204356" y="3073521"/>
+            <a:ext cx="1711779" cy="362220"/>
+          </a:xfrm>
+          <a:prstGeom prst="rect">
+            <a:avLst/>
+          </a:prstGeom>
+          <a:noFill/>
+        </p:spPr>
+        <p:style>
+          <a:lnRef idx="2">
+            <a:schemeClr val="accent1">
+              <a:shade val="50000"/>
+            </a:schemeClr>
+          </a:lnRef>
+          <a:fillRef idx="1">
+            <a:schemeClr val="accent1"/>
+          </a:fillRef>
+          <a:effectRef idx="0">
+            <a:schemeClr val="accent1"/>
+          </a:effectRef>
+          <a:fontRef idx="minor">
+            <a:schemeClr val="lt1"/>
+          </a:fontRef>
+        </p:style>
+        <p:txBody>
+          <a:bodyPr rtlCol="0" anchor="ctr"/>
+          <a:lstStyle/>
+          <a:p>
+            <a:pPr algn="ctr"/>
+            <a:r>
+              <a:rPr lang="en-US" sz="1000" dirty="0">
+                <a:solidFill>
+                  <a:schemeClr val="accent1">
+                    <a:lumMod val="50000"/>
+                  </a:schemeClr>
+                </a:solidFill>
+              </a:rPr>
+              <a:t>LIBOR/T-bill Spread</a:t>
+            </a:r>
+          </a:p>
+        </p:txBody>
+      </p:sp>
+      <p:sp>
+        <p:nvSpPr>
+          <p:cNvPr id="35" name="Rectangle 34">
+            <a:extLst>
+              <a:ext uri="{FF2B5EF4-FFF2-40B4-BE49-F238E27FC236}">
+                <a16:creationId xmlns:a16="http://schemas.microsoft.com/office/drawing/2014/main" id="{DA0DA595-7FD9-4A01-B8BB-F0F237A4E8D5}"/>
+              </a:ext>
+            </a:extLst>
+          </p:cNvPr>
+          <p:cNvSpPr/>
+          <p:nvPr/>
+        </p:nvSpPr>
+        <p:spPr>
+          <a:xfrm>
+            <a:off x="2204355" y="3662822"/>
+            <a:ext cx="1711779" cy="362220"/>
+          </a:xfrm>
+          <a:prstGeom prst="rect">
+            <a:avLst/>
+          </a:prstGeom>
+          <a:noFill/>
+        </p:spPr>
+        <p:style>
+          <a:lnRef idx="2">
+            <a:schemeClr val="accent1">
+              <a:shade val="50000"/>
+            </a:schemeClr>
+          </a:lnRef>
+          <a:fillRef idx="1">
+            <a:schemeClr val="accent1"/>
+          </a:fillRef>
+          <a:effectRef idx="0">
+            <a:schemeClr val="accent1"/>
+          </a:effectRef>
+          <a:fontRef idx="minor">
+            <a:schemeClr val="lt1"/>
+          </a:fontRef>
+        </p:style>
+        <p:txBody>
+          <a:bodyPr rtlCol="0" anchor="ctr"/>
+          <a:lstStyle/>
+          <a:p>
+            <a:pPr algn="ctr"/>
+            <a:r>
+              <a:rPr lang="en-US" sz="1000" dirty="0">
+                <a:solidFill>
+                  <a:schemeClr val="accent1">
+                    <a:lumMod val="50000"/>
+                  </a:schemeClr>
+                </a:solidFill>
+              </a:rPr>
+              <a:t>Emerging Markets Yield</a:t>
+            </a:r>
+          </a:p>
+        </p:txBody>
+      </p:sp>
+      <p:sp>
+        <p:nvSpPr>
+          <p:cNvPr id="37" name="Rectangle 36">
+            <a:extLst>
+              <a:ext uri="{FF2B5EF4-FFF2-40B4-BE49-F238E27FC236}">
+                <a16:creationId xmlns:a16="http://schemas.microsoft.com/office/drawing/2014/main" id="{66E1D189-A835-42BF-B603-59F45BA81C22}"/>
+              </a:ext>
+            </a:extLst>
+          </p:cNvPr>
+          <p:cNvSpPr/>
+          <p:nvPr/>
+        </p:nvSpPr>
+        <p:spPr>
+          <a:xfrm>
+            <a:off x="2204354" y="4383865"/>
+            <a:ext cx="1711779" cy="362220"/>
+          </a:xfrm>
+          <a:prstGeom prst="rect">
+            <a:avLst/>
+          </a:prstGeom>
+          <a:noFill/>
+        </p:spPr>
+        <p:style>
+          <a:lnRef idx="2">
+            <a:schemeClr val="accent1">
+              <a:shade val="50000"/>
+            </a:schemeClr>
+          </a:lnRef>
+          <a:fillRef idx="1">
+            <a:schemeClr val="accent1"/>
+          </a:fillRef>
+          <a:effectRef idx="0">
+            <a:schemeClr val="accent1"/>
+          </a:effectRef>
+          <a:fontRef idx="minor">
+            <a:schemeClr val="lt1"/>
+          </a:fontRef>
+        </p:style>
+        <p:txBody>
+          <a:bodyPr rtlCol="0" anchor="ctr"/>
+          <a:lstStyle/>
+          <a:p>
+            <a:pPr algn="ctr"/>
+            <a:r>
+              <a:rPr lang="en-US" sz="1000" dirty="0">
+                <a:solidFill>
+                  <a:schemeClr val="accent1">
+                    <a:lumMod val="50000"/>
+                  </a:schemeClr>
+                </a:solidFill>
+              </a:rPr>
+              <a:t>LIBOR/T-bill Spread</a:t>
+            </a:r>
+          </a:p>
+        </p:txBody>
+      </p:sp>
+      <p:sp>
+        <p:nvSpPr>
+          <p:cNvPr id="39" name="Rectangle 38">
+            <a:extLst>
+              <a:ext uri="{FF2B5EF4-FFF2-40B4-BE49-F238E27FC236}">
+                <a16:creationId xmlns:a16="http://schemas.microsoft.com/office/drawing/2014/main" id="{B7C06D9F-4058-4992-BBB1-2C5F2E3F701A}"/>
+              </a:ext>
+            </a:extLst>
+          </p:cNvPr>
+          <p:cNvSpPr/>
+          <p:nvPr/>
+        </p:nvSpPr>
+        <p:spPr>
+          <a:xfrm>
+            <a:off x="2204354" y="5202905"/>
+            <a:ext cx="1711779" cy="362220"/>
+          </a:xfrm>
+          <a:prstGeom prst="rect">
+            <a:avLst/>
+          </a:prstGeom>
+          <a:noFill/>
+        </p:spPr>
+        <p:style>
+          <a:lnRef idx="2">
+            <a:schemeClr val="accent1">
+              <a:shade val="50000"/>
+            </a:schemeClr>
+          </a:lnRef>
+          <a:fillRef idx="1">
+            <a:schemeClr val="accent1"/>
+          </a:fillRef>
+          <a:effectRef idx="0">
+            <a:schemeClr val="accent1"/>
+          </a:effectRef>
+          <a:fontRef idx="minor">
+            <a:schemeClr val="lt1"/>
+          </a:fontRef>
+        </p:style>
+        <p:txBody>
+          <a:bodyPr rtlCol="0" anchor="ctr"/>
+          <a:lstStyle/>
+          <a:p>
+            <a:pPr algn="ctr"/>
+            <a:r>
+              <a:rPr lang="en-US" sz="1000" dirty="0">
+                <a:solidFill>
+                  <a:schemeClr val="accent1">
+                    <a:lumMod val="50000"/>
+                  </a:schemeClr>
+                </a:solidFill>
+              </a:rPr>
+              <a:t>USD/JPY Exchange Rate </a:t>
+            </a:r>
+          </a:p>
+        </p:txBody>
+      </p:sp>
+      <p:sp>
+        <p:nvSpPr>
+          <p:cNvPr id="41" name="Rectangle 40">
+            <a:extLst>
+              <a:ext uri="{FF2B5EF4-FFF2-40B4-BE49-F238E27FC236}">
+                <a16:creationId xmlns:a16="http://schemas.microsoft.com/office/drawing/2014/main" id="{569BD046-BD69-40E8-B2A1-818B9FEE5ED1}"/>
+              </a:ext>
+            </a:extLst>
+          </p:cNvPr>
+          <p:cNvSpPr/>
+          <p:nvPr/>
+        </p:nvSpPr>
+        <p:spPr>
+          <a:xfrm>
+            <a:off x="2204353" y="6153863"/>
+            <a:ext cx="1711779" cy="362220"/>
+          </a:xfrm>
+          <a:prstGeom prst="rect">
+            <a:avLst/>
+          </a:prstGeom>
+          <a:noFill/>
+        </p:spPr>
+        <p:style>
+          <a:lnRef idx="2">
+            <a:schemeClr val="accent1">
+              <a:shade val="50000"/>
+            </a:schemeClr>
+          </a:lnRef>
+          <a:fillRef idx="1">
+            <a:schemeClr val="accent1"/>
+          </a:fillRef>
+          <a:effectRef idx="0">
+            <a:schemeClr val="accent1"/>
+          </a:effectRef>
+          <a:fontRef idx="minor">
+            <a:schemeClr val="lt1"/>
+          </a:fontRef>
+        </p:style>
+        <p:txBody>
+          <a:bodyPr rtlCol="0" anchor="ctr"/>
+          <a:lstStyle/>
+          <a:p>
+            <a:pPr algn="ctr"/>
+            <a:r>
+              <a:rPr lang="en-US" sz="1000" dirty="0">
+                <a:solidFill>
+                  <a:schemeClr val="accent1">
+                    <a:lumMod val="50000"/>
+                  </a:schemeClr>
+                </a:solidFill>
+              </a:rPr>
+              <a:t>VIX Index (SP500 Volatility Index)</a:t>
+            </a:r>
+          </a:p>
+        </p:txBody>
+      </p:sp>
+      <p:cxnSp>
+        <p:nvCxnSpPr>
+          <p:cNvPr id="48" name="Straight Connector 47">
+            <a:extLst>
+              <a:ext uri="{FF2B5EF4-FFF2-40B4-BE49-F238E27FC236}">
+                <a16:creationId xmlns:a16="http://schemas.microsoft.com/office/drawing/2014/main" id="{329FBEE6-4F44-4B7D-97EF-24E1ABC4BD60}"/>
+              </a:ext>
+            </a:extLst>
+          </p:cNvPr>
+          <p:cNvCxnSpPr/>
+          <p:nvPr/>
+        </p:nvCxnSpPr>
+        <p:spPr>
+          <a:xfrm>
+            <a:off x="84360" y="2155373"/>
+            <a:ext cx="12039604" cy="0"/>
+          </a:xfrm>
+          <a:prstGeom prst="line">
+            <a:avLst/>
+          </a:prstGeom>
+          <a:ln w="12700">
+            <a:prstDash val="dash"/>
+          </a:ln>
+        </p:spPr>
+        <p:style>
+          <a:lnRef idx="1">
+            <a:schemeClr val="accent1"/>
+          </a:lnRef>
+          <a:fillRef idx="0">
+            <a:schemeClr val="accent1"/>
+          </a:fillRef>
+          <a:effectRef idx="0">
+            <a:schemeClr val="accent1"/>
+          </a:effectRef>
+          <a:fontRef idx="minor">
+            <a:schemeClr val="tx1"/>
+          </a:fontRef>
+        </p:style>
+      </p:cxnSp>
+      <p:cxnSp>
+        <p:nvCxnSpPr>
+          <p:cNvPr id="49" name="Straight Connector 48">
+            <a:extLst>
+              <a:ext uri="{FF2B5EF4-FFF2-40B4-BE49-F238E27FC236}">
+                <a16:creationId xmlns:a16="http://schemas.microsoft.com/office/drawing/2014/main" id="{F41988C6-E417-4FF9-9F56-FD499E1C8A80}"/>
+              </a:ext>
+            </a:extLst>
+          </p:cNvPr>
+          <p:cNvCxnSpPr/>
+          <p:nvPr/>
+        </p:nvCxnSpPr>
+        <p:spPr>
+          <a:xfrm>
+            <a:off x="76198" y="3524336"/>
+            <a:ext cx="12039604" cy="0"/>
+          </a:xfrm>
+          <a:prstGeom prst="line">
+            <a:avLst/>
+          </a:prstGeom>
+          <a:ln w="12700">
+            <a:prstDash val="dash"/>
+          </a:ln>
+        </p:spPr>
+        <p:style>
+          <a:lnRef idx="1">
+            <a:schemeClr val="accent1"/>
+          </a:lnRef>
+          <a:fillRef idx="0">
+            <a:schemeClr val="accent1"/>
+          </a:fillRef>
+          <a:effectRef idx="0">
+            <a:schemeClr val="accent1"/>
+          </a:effectRef>
+          <a:fontRef idx="minor">
+            <a:schemeClr val="tx1"/>
+          </a:fontRef>
+        </p:style>
+      </p:cxnSp>
+      <p:cxnSp>
+        <p:nvCxnSpPr>
+          <p:cNvPr id="50" name="Straight Connector 49">
+            <a:extLst>
+              <a:ext uri="{FF2B5EF4-FFF2-40B4-BE49-F238E27FC236}">
+                <a16:creationId xmlns:a16="http://schemas.microsoft.com/office/drawing/2014/main" id="{47E6CBA6-11F2-4827-A5D9-9295113BDBFD}"/>
+              </a:ext>
+            </a:extLst>
+          </p:cNvPr>
+          <p:cNvCxnSpPr/>
+          <p:nvPr/>
+        </p:nvCxnSpPr>
+        <p:spPr>
+          <a:xfrm>
+            <a:off x="20409" y="4901379"/>
+            <a:ext cx="12039604" cy="0"/>
+          </a:xfrm>
+          <a:prstGeom prst="line">
+            <a:avLst/>
+          </a:prstGeom>
+          <a:ln w="12700">
+            <a:prstDash val="dash"/>
+          </a:ln>
+        </p:spPr>
+        <p:style>
+          <a:lnRef idx="1">
+            <a:schemeClr val="accent1"/>
+          </a:lnRef>
+          <a:fillRef idx="0">
+            <a:schemeClr val="accent1"/>
+          </a:fillRef>
+          <a:effectRef idx="0">
+            <a:schemeClr val="accent1"/>
+          </a:effectRef>
+          <a:fontRef idx="minor">
+            <a:schemeClr val="tx1"/>
+          </a:fontRef>
+        </p:style>
+      </p:cxnSp>
+      <p:cxnSp>
+        <p:nvCxnSpPr>
+          <p:cNvPr id="51" name="Straight Connector 50">
+            <a:extLst>
+              <a:ext uri="{FF2B5EF4-FFF2-40B4-BE49-F238E27FC236}">
+                <a16:creationId xmlns:a16="http://schemas.microsoft.com/office/drawing/2014/main" id="{9FC810ED-8549-42CC-BD9C-9551A1489922}"/>
+              </a:ext>
+            </a:extLst>
+          </p:cNvPr>
+          <p:cNvCxnSpPr/>
+          <p:nvPr/>
+        </p:nvCxnSpPr>
+        <p:spPr>
+          <a:xfrm>
+            <a:off x="76198" y="5864764"/>
+            <a:ext cx="12039604" cy="0"/>
+          </a:xfrm>
+          <a:prstGeom prst="line">
+            <a:avLst/>
+          </a:prstGeom>
+          <a:ln w="12700">
+            <a:prstDash val="dash"/>
+          </a:ln>
+        </p:spPr>
+        <p:style>
+          <a:lnRef idx="1">
+            <a:schemeClr val="accent1"/>
+          </a:lnRef>
+          <a:fillRef idx="0">
+            <a:schemeClr val="accent1"/>
+          </a:fillRef>
+          <a:effectRef idx="0">
+            <a:schemeClr val="accent1"/>
+          </a:effectRef>
+          <a:fontRef idx="minor">
+            <a:schemeClr val="tx1"/>
+          </a:fontRef>
+        </p:style>
+      </p:cxnSp>
+      <p:sp>
+        <p:nvSpPr>
+          <p:cNvPr id="54" name="Rectangle: Rounded Corners 53">
+            <a:extLst>
+              <a:ext uri="{FF2B5EF4-FFF2-40B4-BE49-F238E27FC236}">
+                <a16:creationId xmlns:a16="http://schemas.microsoft.com/office/drawing/2014/main" id="{E7B3C017-4F88-499D-9585-010AAFA6788C}"/>
+              </a:ext>
+            </a:extLst>
+          </p:cNvPr>
+          <p:cNvSpPr/>
+          <p:nvPr/>
+        </p:nvSpPr>
+        <p:spPr>
+          <a:xfrm>
+            <a:off x="4841421" y="849086"/>
+            <a:ext cx="5342171" cy="1216781"/>
+          </a:xfrm>
+          <a:prstGeom prst="roundRect">
+            <a:avLst/>
+          </a:prstGeom>
+          <a:solidFill>
+            <a:schemeClr val="bg2"/>
+          </a:solidFill>
+        </p:spPr>
+        <p:style>
+          <a:lnRef idx="2">
+            <a:schemeClr val="accent1">
+              <a:shade val="50000"/>
+            </a:schemeClr>
+          </a:lnRef>
+          <a:fillRef idx="1">
+            <a:schemeClr val="accent1"/>
+          </a:fillRef>
+          <a:effectRef idx="0">
+            <a:schemeClr val="accent1"/>
+          </a:effectRef>
+          <a:fontRef idx="minor">
+            <a:schemeClr val="lt1"/>
+          </a:fontRef>
+        </p:style>
+        <p:txBody>
+          <a:bodyPr rtlCol="0" anchor="ctr"/>
+          <a:lstStyle/>
+          <a:p>
+            <a:pPr algn="ctr"/>
+            <a:endParaRPr lang="en-US"/>
+          </a:p>
+        </p:txBody>
+      </p:sp>
+      <p:sp>
+        <p:nvSpPr>
+          <p:cNvPr id="57" name="Rectangle: Rounded Corners 56">
+            <a:extLst>
+              <a:ext uri="{FF2B5EF4-FFF2-40B4-BE49-F238E27FC236}">
+                <a16:creationId xmlns:a16="http://schemas.microsoft.com/office/drawing/2014/main" id="{744CC063-FEED-4655-96AF-63CDAAB486B5}"/>
+              </a:ext>
+            </a:extLst>
+          </p:cNvPr>
+          <p:cNvSpPr/>
+          <p:nvPr/>
+        </p:nvSpPr>
+        <p:spPr>
+          <a:xfrm>
+            <a:off x="4841421" y="2240586"/>
+            <a:ext cx="5342171" cy="1216781"/>
+          </a:xfrm>
+          <a:prstGeom prst="roundRect">
+            <a:avLst/>
+          </a:prstGeom>
+          <a:solidFill>
+            <a:schemeClr val="bg2"/>
+          </a:solidFill>
+        </p:spPr>
+        <p:style>
+          <a:lnRef idx="2">
+            <a:schemeClr val="accent1">
+              <a:shade val="50000"/>
+            </a:schemeClr>
+          </a:lnRef>
+          <a:fillRef idx="1">
+            <a:schemeClr val="accent1"/>
+          </a:fillRef>
+          <a:effectRef idx="0">
+            <a:schemeClr val="accent1"/>
+          </a:effectRef>
+          <a:fontRef idx="minor">
+            <a:schemeClr val="lt1"/>
+          </a:fontRef>
+        </p:style>
+        <p:txBody>
+          <a:bodyPr rtlCol="0" anchor="ctr"/>
+          <a:lstStyle/>
+          <a:p>
+            <a:pPr algn="ctr"/>
+            <a:endParaRPr lang="en-US"/>
+          </a:p>
+        </p:txBody>
+      </p:sp>
+      <p:sp>
+        <p:nvSpPr>
+          <p:cNvPr id="59" name="Rectangle: Rounded Corners 58">
+            <a:extLst>
+              <a:ext uri="{FF2B5EF4-FFF2-40B4-BE49-F238E27FC236}">
+                <a16:creationId xmlns:a16="http://schemas.microsoft.com/office/drawing/2014/main" id="{BD80BFD5-2548-4CE8-A10C-EBC7D99599B2}"/>
+              </a:ext>
+            </a:extLst>
+          </p:cNvPr>
+          <p:cNvSpPr/>
+          <p:nvPr/>
+        </p:nvSpPr>
+        <p:spPr>
+          <a:xfrm>
+            <a:off x="4841421" y="3582248"/>
+            <a:ext cx="5342171" cy="1216781"/>
+          </a:xfrm>
+          <a:prstGeom prst="roundRect">
+            <a:avLst/>
+          </a:prstGeom>
+          <a:solidFill>
+            <a:schemeClr val="bg2"/>
+          </a:solidFill>
+        </p:spPr>
+        <p:style>
+          <a:lnRef idx="2">
+            <a:schemeClr val="accent1">
+              <a:shade val="50000"/>
+            </a:schemeClr>
+          </a:lnRef>
+          <a:fillRef idx="1">
+            <a:schemeClr val="accent1"/>
+          </a:fillRef>
+          <a:effectRef idx="0">
+            <a:schemeClr val="accent1"/>
+          </a:effectRef>
+          <a:fontRef idx="minor">
+            <a:schemeClr val="lt1"/>
+          </a:fontRef>
+        </p:style>
+        <p:txBody>
+          <a:bodyPr rtlCol="0" anchor="ctr"/>
+          <a:lstStyle/>
+          <a:p>
+            <a:pPr algn="ctr"/>
+            <a:endParaRPr lang="en-US"/>
+          </a:p>
+        </p:txBody>
+      </p:sp>
+      <p:sp>
+        <p:nvSpPr>
+          <p:cNvPr id="65" name="Rectangle: Rounded Corners 64">
+            <a:extLst>
+              <a:ext uri="{FF2B5EF4-FFF2-40B4-BE49-F238E27FC236}">
+                <a16:creationId xmlns:a16="http://schemas.microsoft.com/office/drawing/2014/main" id="{0099CD07-12BA-4524-B45D-8887FAFD90A4}"/>
+              </a:ext>
+            </a:extLst>
+          </p:cNvPr>
+          <p:cNvSpPr/>
+          <p:nvPr/>
+        </p:nvSpPr>
+        <p:spPr>
+          <a:xfrm>
+            <a:off x="4841421" y="5018268"/>
+            <a:ext cx="5342171" cy="732956"/>
+          </a:xfrm>
+          <a:prstGeom prst="roundRect">
+            <a:avLst/>
+          </a:prstGeom>
+          <a:solidFill>
+            <a:schemeClr val="bg2"/>
+          </a:solidFill>
+        </p:spPr>
+        <p:style>
+          <a:lnRef idx="2">
+            <a:schemeClr val="accent1">
+              <a:shade val="50000"/>
+            </a:schemeClr>
+          </a:lnRef>
+          <a:fillRef idx="1">
+            <a:schemeClr val="accent1"/>
+          </a:fillRef>
+          <a:effectRef idx="0">
+            <a:schemeClr val="accent1"/>
+          </a:effectRef>
+          <a:fontRef idx="minor">
+            <a:schemeClr val="lt1"/>
+          </a:fontRef>
+        </p:style>
+        <p:txBody>
+          <a:bodyPr rtlCol="0" anchor="ctr"/>
+          <a:lstStyle/>
+          <a:p>
+            <a:pPr algn="ctr"/>
+            <a:endParaRPr lang="en-US"/>
+          </a:p>
+        </p:txBody>
+      </p:sp>
+      <p:sp>
+        <p:nvSpPr>
+          <p:cNvPr id="67" name="Rectangle: Rounded Corners 66">
+            <a:extLst>
+              <a:ext uri="{FF2B5EF4-FFF2-40B4-BE49-F238E27FC236}">
+                <a16:creationId xmlns:a16="http://schemas.microsoft.com/office/drawing/2014/main" id="{867123AC-EF86-4C5A-86C9-6E32709EB86C}"/>
+              </a:ext>
+            </a:extLst>
+          </p:cNvPr>
+          <p:cNvSpPr/>
+          <p:nvPr/>
+        </p:nvSpPr>
+        <p:spPr>
+          <a:xfrm>
+            <a:off x="4841421" y="5971218"/>
+            <a:ext cx="5342171" cy="732956"/>
+          </a:xfrm>
+          <a:prstGeom prst="roundRect">
+            <a:avLst/>
+          </a:prstGeom>
+          <a:solidFill>
+            <a:schemeClr val="bg2"/>
+          </a:solidFill>
+        </p:spPr>
+        <p:style>
+          <a:lnRef idx="2">
+            <a:schemeClr val="accent1">
+              <a:shade val="50000"/>
+            </a:schemeClr>
+          </a:lnRef>
+          <a:fillRef idx="1">
+            <a:schemeClr val="accent1"/>
+          </a:fillRef>
+          <a:effectRef idx="0">
+            <a:schemeClr val="accent1"/>
+          </a:effectRef>
+          <a:fontRef idx="minor">
+            <a:schemeClr val="lt1"/>
+          </a:fontRef>
+        </p:style>
+        <p:txBody>
+          <a:bodyPr rtlCol="0" anchor="ctr"/>
+          <a:lstStyle/>
+          <a:p>
+            <a:pPr algn="ctr"/>
+            <a:endParaRPr lang="en-US"/>
+          </a:p>
+        </p:txBody>
+      </p:sp>
+      <p:sp>
+        <p:nvSpPr>
+          <p:cNvPr id="68" name="TextBox 67">
+            <a:extLst>
+              <a:ext uri="{FF2B5EF4-FFF2-40B4-BE49-F238E27FC236}">
+                <a16:creationId xmlns:a16="http://schemas.microsoft.com/office/drawing/2014/main" id="{8AD7D37E-0847-49CE-A19B-335543BC21BE}"/>
+              </a:ext>
+            </a:extLst>
+          </p:cNvPr>
+          <p:cNvSpPr txBox="1"/>
+          <p:nvPr/>
+        </p:nvSpPr>
+        <p:spPr>
+          <a:xfrm>
+            <a:off x="5755821" y="825090"/>
+            <a:ext cx="3123852" cy="246221"/>
+          </a:xfrm>
+          <a:prstGeom prst="rect">
+            <a:avLst/>
+          </a:prstGeom>
+          <a:noFill/>
+        </p:spPr>
+        <p:txBody>
+          <a:bodyPr wrap="square" rtlCol="0">
+            <a:spAutoFit/>
+          </a:bodyPr>
+          <a:lstStyle/>
+          <a:p>
+            <a:pPr algn="ctr"/>
+            <a:r>
+              <a:rPr lang="en-US" sz="1000" b="1" dirty="0">
+                <a:solidFill>
+                  <a:schemeClr val="accent1">
+                    <a:lumMod val="50000"/>
+                  </a:schemeClr>
+                </a:solidFill>
+              </a:rPr>
+              <a:t>Equity Index Calculated Features</a:t>
+            </a:r>
+          </a:p>
+        </p:txBody>
+      </p:sp>
+      <p:sp>
+        <p:nvSpPr>
+          <p:cNvPr id="72" name="TextBox 71">
+            <a:extLst>
+              <a:ext uri="{FF2B5EF4-FFF2-40B4-BE49-F238E27FC236}">
+                <a16:creationId xmlns:a16="http://schemas.microsoft.com/office/drawing/2014/main" id="{75FFB9FE-F8AE-4D90-A224-1503D8624093}"/>
+              </a:ext>
+            </a:extLst>
+          </p:cNvPr>
+          <p:cNvSpPr txBox="1"/>
+          <p:nvPr/>
+        </p:nvSpPr>
+        <p:spPr>
+          <a:xfrm>
+            <a:off x="6332083" y="2240594"/>
+            <a:ext cx="2059781" cy="246221"/>
+          </a:xfrm>
+          <a:prstGeom prst="rect">
+            <a:avLst/>
+          </a:prstGeom>
+          <a:noFill/>
+        </p:spPr>
+        <p:txBody>
+          <a:bodyPr wrap="square" rtlCol="0">
+            <a:spAutoFit/>
+          </a:bodyPr>
+          <a:lstStyle/>
+          <a:p>
+            <a:pPr algn="ctr"/>
+            <a:r>
+              <a:rPr lang="en-US" sz="1000" b="1" dirty="0">
+                <a:solidFill>
+                  <a:schemeClr val="accent1">
+                    <a:lumMod val="50000"/>
+                  </a:schemeClr>
+                </a:solidFill>
+              </a:rPr>
+              <a:t>Interest Rates Calculated Features</a:t>
+            </a:r>
+          </a:p>
+        </p:txBody>
+      </p:sp>
+      <p:sp>
+        <p:nvSpPr>
+          <p:cNvPr id="74" name="TextBox 73">
+            <a:extLst>
+              <a:ext uri="{FF2B5EF4-FFF2-40B4-BE49-F238E27FC236}">
+                <a16:creationId xmlns:a16="http://schemas.microsoft.com/office/drawing/2014/main" id="{CB48EF69-43FC-4A0B-9C94-34FC99A38A20}"/>
+              </a:ext>
+            </a:extLst>
+          </p:cNvPr>
+          <p:cNvSpPr txBox="1"/>
+          <p:nvPr/>
+        </p:nvSpPr>
+        <p:spPr>
+          <a:xfrm>
+            <a:off x="5633355" y="3573684"/>
+            <a:ext cx="3066701" cy="246221"/>
+          </a:xfrm>
+          <a:prstGeom prst="rect">
+            <a:avLst/>
+          </a:prstGeom>
+          <a:noFill/>
+        </p:spPr>
+        <p:txBody>
+          <a:bodyPr wrap="square" rtlCol="0">
+            <a:spAutoFit/>
+          </a:bodyPr>
+          <a:lstStyle/>
+          <a:p>
+            <a:pPr algn="ctr"/>
+            <a:r>
+              <a:rPr lang="en-US" sz="1000" b="1" dirty="0">
+                <a:solidFill>
+                  <a:schemeClr val="accent1">
+                    <a:lumMod val="50000"/>
+                  </a:schemeClr>
+                </a:solidFill>
+              </a:rPr>
+              <a:t>Credit Calculated Features</a:t>
+            </a:r>
+          </a:p>
+        </p:txBody>
+      </p:sp>
+      <p:sp>
+        <p:nvSpPr>
+          <p:cNvPr id="76" name="TextBox 75">
+            <a:extLst>
+              <a:ext uri="{FF2B5EF4-FFF2-40B4-BE49-F238E27FC236}">
+                <a16:creationId xmlns:a16="http://schemas.microsoft.com/office/drawing/2014/main" id="{827BE50A-92C2-42A7-8E34-9487447F54F1}"/>
+              </a:ext>
+            </a:extLst>
+          </p:cNvPr>
+          <p:cNvSpPr txBox="1"/>
+          <p:nvPr/>
+        </p:nvSpPr>
+        <p:spPr>
+          <a:xfrm>
+            <a:off x="6285749" y="4993725"/>
+            <a:ext cx="1717153" cy="246221"/>
+          </a:xfrm>
+          <a:prstGeom prst="rect">
+            <a:avLst/>
+          </a:prstGeom>
+          <a:noFill/>
+        </p:spPr>
+        <p:txBody>
+          <a:bodyPr wrap="square" rtlCol="0">
+            <a:spAutoFit/>
+          </a:bodyPr>
+          <a:lstStyle/>
+          <a:p>
+            <a:pPr algn="ctr"/>
+            <a:r>
+              <a:rPr lang="en-US" sz="1000" b="1" dirty="0">
+                <a:solidFill>
+                  <a:schemeClr val="accent1">
+                    <a:lumMod val="50000"/>
+                  </a:schemeClr>
+                </a:solidFill>
+              </a:rPr>
+              <a:t>FX Calculated Features</a:t>
+            </a:r>
+          </a:p>
+        </p:txBody>
+      </p:sp>
+      <p:sp>
+        <p:nvSpPr>
+          <p:cNvPr id="78" name="TextBox 77">
+            <a:extLst>
+              <a:ext uri="{FF2B5EF4-FFF2-40B4-BE49-F238E27FC236}">
+                <a16:creationId xmlns:a16="http://schemas.microsoft.com/office/drawing/2014/main" id="{32C1737E-7D8A-446A-8E14-750670FB6F1A}"/>
+              </a:ext>
+            </a:extLst>
+          </p:cNvPr>
+          <p:cNvSpPr txBox="1"/>
+          <p:nvPr/>
+        </p:nvSpPr>
+        <p:spPr>
+          <a:xfrm>
+            <a:off x="5755821" y="5921686"/>
+            <a:ext cx="2735036" cy="246221"/>
+          </a:xfrm>
+          <a:prstGeom prst="rect">
+            <a:avLst/>
+          </a:prstGeom>
+          <a:noFill/>
+        </p:spPr>
+        <p:txBody>
+          <a:bodyPr wrap="square" rtlCol="0">
+            <a:spAutoFit/>
+          </a:bodyPr>
+          <a:lstStyle/>
+          <a:p>
+            <a:pPr algn="ctr"/>
+            <a:r>
+              <a:rPr lang="en-US" sz="1000" b="1" dirty="0">
+                <a:solidFill>
+                  <a:schemeClr val="accent1">
+                    <a:lumMod val="50000"/>
+                  </a:schemeClr>
+                </a:solidFill>
+              </a:rPr>
+              <a:t>Vol Calculated Features</a:t>
+            </a:r>
+          </a:p>
+        </p:txBody>
+      </p:sp>
+      <p:sp>
+        <p:nvSpPr>
+          <p:cNvPr id="79" name="TextBox 78">
+            <a:extLst>
+              <a:ext uri="{FF2B5EF4-FFF2-40B4-BE49-F238E27FC236}">
+                <a16:creationId xmlns:a16="http://schemas.microsoft.com/office/drawing/2014/main" id="{07380F8C-A856-43B1-9150-9B14529D4AE2}"/>
+              </a:ext>
+            </a:extLst>
+          </p:cNvPr>
+          <p:cNvSpPr txBox="1"/>
+          <p:nvPr/>
+        </p:nvSpPr>
+        <p:spPr>
+          <a:xfrm>
+            <a:off x="4922713" y="2430466"/>
+            <a:ext cx="1187224" cy="1015663"/>
+          </a:xfrm>
+          <a:prstGeom prst="rect">
+            <a:avLst/>
+          </a:prstGeom>
+          <a:noFill/>
+        </p:spPr>
+        <p:txBody>
+          <a:bodyPr wrap="square" rtlCol="0">
+            <a:spAutoFit/>
+          </a:bodyPr>
+          <a:lstStyle/>
+          <a:p>
+            <a:r>
+              <a:rPr lang="en-US" sz="1000" dirty="0">
+                <a:solidFill>
+                  <a:schemeClr val="accent1">
+                    <a:lumMod val="50000"/>
+                  </a:schemeClr>
+                </a:solidFill>
+              </a:rPr>
+              <a:t>• 2s5s Curve</a:t>
+            </a:r>
+          </a:p>
+          <a:p>
+            <a:r>
+              <a:rPr lang="en-US" sz="1000" dirty="0">
+                <a:solidFill>
+                  <a:schemeClr val="accent1">
+                    <a:lumMod val="50000"/>
+                  </a:schemeClr>
+                </a:solidFill>
+              </a:rPr>
+              <a:t>• 5s10s Curve</a:t>
+            </a:r>
+          </a:p>
+          <a:p>
+            <a:r>
+              <a:rPr lang="en-US" sz="1000" dirty="0">
+                <a:solidFill>
+                  <a:schemeClr val="accent1">
+                    <a:lumMod val="50000"/>
+                  </a:schemeClr>
+                </a:solidFill>
+              </a:rPr>
+              <a:t>• 2s10s Curve</a:t>
+            </a:r>
+          </a:p>
+          <a:p>
+            <a:r>
+              <a:rPr lang="en-US" sz="1000" dirty="0">
+                <a:solidFill>
+                  <a:schemeClr val="accent1">
+                    <a:lumMod val="50000"/>
+                  </a:schemeClr>
+                </a:solidFill>
+              </a:rPr>
+              <a:t>• 2s10s 20day Vol</a:t>
+            </a:r>
+          </a:p>
+          <a:p>
+            <a:r>
+              <a:rPr lang="en-US" sz="1000" dirty="0">
+                <a:solidFill>
+                  <a:schemeClr val="accent1">
+                    <a:lumMod val="50000"/>
+                  </a:schemeClr>
+                </a:solidFill>
+              </a:rPr>
+              <a:t>• 5s10s 20day Vol</a:t>
+            </a:r>
+          </a:p>
+          <a:p>
+            <a:endParaRPr lang="en-US" sz="1000" dirty="0">
+              <a:solidFill>
+                <a:schemeClr val="accent1">
+                  <a:lumMod val="50000"/>
+                </a:schemeClr>
+              </a:solidFill>
+            </a:endParaRPr>
+          </a:p>
+        </p:txBody>
+      </p:sp>
+      <p:sp>
+        <p:nvSpPr>
+          <p:cNvPr id="81" name="TextBox 80">
+            <a:extLst>
+              <a:ext uri="{FF2B5EF4-FFF2-40B4-BE49-F238E27FC236}">
+                <a16:creationId xmlns:a16="http://schemas.microsoft.com/office/drawing/2014/main" id="{739D8E0C-E471-482D-8273-95616C88C19F}"/>
+              </a:ext>
+            </a:extLst>
+          </p:cNvPr>
+          <p:cNvSpPr txBox="1"/>
+          <p:nvPr/>
+        </p:nvSpPr>
+        <p:spPr>
+          <a:xfrm>
+            <a:off x="6285749" y="2432378"/>
+            <a:ext cx="1187224" cy="1015663"/>
+          </a:xfrm>
+          <a:prstGeom prst="rect">
+            <a:avLst/>
+          </a:prstGeom>
+          <a:noFill/>
+        </p:spPr>
+        <p:txBody>
+          <a:bodyPr wrap="square" rtlCol="0">
+            <a:spAutoFit/>
+          </a:bodyPr>
+          <a:lstStyle/>
+          <a:p>
+            <a:r>
+              <a:rPr lang="en-US" sz="1000" dirty="0">
+                <a:solidFill>
+                  <a:schemeClr val="accent1">
+                    <a:lumMod val="50000"/>
+                  </a:schemeClr>
+                </a:solidFill>
+              </a:rPr>
+              <a:t>• 2s5s 21day MA</a:t>
+            </a:r>
+          </a:p>
+          <a:p>
+            <a:r>
+              <a:rPr lang="en-US" sz="1000" dirty="0">
+                <a:solidFill>
+                  <a:schemeClr val="accent1">
+                    <a:lumMod val="50000"/>
+                  </a:schemeClr>
+                </a:solidFill>
+              </a:rPr>
+              <a:t>• 2s5s 55day MA</a:t>
+            </a:r>
+          </a:p>
+          <a:p>
+            <a:r>
+              <a:rPr lang="en-US" sz="1000" dirty="0">
+                <a:solidFill>
+                  <a:schemeClr val="accent1">
+                    <a:lumMod val="50000"/>
+                  </a:schemeClr>
+                </a:solidFill>
+              </a:rPr>
+              <a:t>• 2s5s 100day MA</a:t>
+            </a:r>
+          </a:p>
+          <a:p>
+            <a:r>
+              <a:rPr lang="en-US" sz="1000" dirty="0">
+                <a:solidFill>
+                  <a:schemeClr val="accent1">
+                    <a:lumMod val="50000"/>
+                  </a:schemeClr>
+                </a:solidFill>
+              </a:rPr>
+              <a:t>• 5s10s 21day MA</a:t>
+            </a:r>
+          </a:p>
+          <a:p>
+            <a:r>
+              <a:rPr lang="en-US" sz="1000" dirty="0">
+                <a:solidFill>
+                  <a:schemeClr val="accent1">
+                    <a:lumMod val="50000"/>
+                  </a:schemeClr>
+                </a:solidFill>
+              </a:rPr>
+              <a:t>• 5s10s 55day MA</a:t>
+            </a:r>
+          </a:p>
+          <a:p>
+            <a:endParaRPr lang="en-US" sz="1000" dirty="0">
+              <a:solidFill>
+                <a:schemeClr val="accent1">
+                  <a:lumMod val="50000"/>
+                </a:schemeClr>
+              </a:solidFill>
+            </a:endParaRPr>
+          </a:p>
+        </p:txBody>
+      </p:sp>
+      <p:sp>
+        <p:nvSpPr>
+          <p:cNvPr id="83" name="TextBox 82">
+            <a:extLst>
+              <a:ext uri="{FF2B5EF4-FFF2-40B4-BE49-F238E27FC236}">
+                <a16:creationId xmlns:a16="http://schemas.microsoft.com/office/drawing/2014/main" id="{4DC1E881-0D7B-4C7B-98A1-51747BAB7543}"/>
+              </a:ext>
+            </a:extLst>
+          </p:cNvPr>
+          <p:cNvSpPr txBox="1"/>
+          <p:nvPr/>
+        </p:nvSpPr>
+        <p:spPr>
+          <a:xfrm>
+            <a:off x="7488228" y="2439190"/>
+            <a:ext cx="1511758" cy="1015663"/>
+          </a:xfrm>
+          <a:prstGeom prst="rect">
+            <a:avLst/>
+          </a:prstGeom>
+          <a:noFill/>
+        </p:spPr>
+        <p:txBody>
+          <a:bodyPr wrap="square" rtlCol="0">
+            <a:spAutoFit/>
+          </a:bodyPr>
+          <a:lstStyle/>
+          <a:p>
+            <a:r>
+              <a:rPr lang="en-US" sz="1000" dirty="0">
+                <a:solidFill>
+                  <a:schemeClr val="accent1">
+                    <a:lumMod val="50000"/>
+                  </a:schemeClr>
+                </a:solidFill>
+              </a:rPr>
+              <a:t>• 2s10s 21day MA</a:t>
+            </a:r>
+          </a:p>
+          <a:p>
+            <a:r>
+              <a:rPr lang="en-US" sz="1000" dirty="0">
+                <a:solidFill>
+                  <a:schemeClr val="accent1">
+                    <a:lumMod val="50000"/>
+                  </a:schemeClr>
+                </a:solidFill>
+              </a:rPr>
+              <a:t>• 2s10s 55day MA</a:t>
+            </a:r>
+          </a:p>
+          <a:p>
+            <a:r>
+              <a:rPr lang="en-US" sz="1000" dirty="0">
+                <a:solidFill>
+                  <a:schemeClr val="accent1">
+                    <a:lumMod val="50000"/>
+                  </a:schemeClr>
+                </a:solidFill>
+              </a:rPr>
+              <a:t>• 2s10s 100day MA</a:t>
+            </a:r>
+          </a:p>
+          <a:p>
+            <a:r>
+              <a:rPr lang="en-US" sz="1000" dirty="0">
+                <a:solidFill>
+                  <a:schemeClr val="accent1">
+                    <a:lumMod val="50000"/>
+                  </a:schemeClr>
+                </a:solidFill>
+              </a:rPr>
+              <a:t>• Ted_Spread</a:t>
+            </a:r>
+          </a:p>
+          <a:p>
+            <a:r>
+              <a:rPr lang="en-US" sz="1000" dirty="0">
+                <a:solidFill>
+                  <a:schemeClr val="accent1">
+                    <a:lumMod val="50000"/>
+                  </a:schemeClr>
+                </a:solidFill>
+              </a:rPr>
+              <a:t>• Ted_Spread 21day MA</a:t>
+            </a:r>
+          </a:p>
+          <a:p>
+            <a:endParaRPr lang="en-US" sz="1000" dirty="0">
+              <a:solidFill>
+                <a:schemeClr val="accent1">
+                  <a:lumMod val="50000"/>
+                </a:schemeClr>
+              </a:solidFill>
+            </a:endParaRPr>
+          </a:p>
+        </p:txBody>
+      </p:sp>
+      <p:sp>
+        <p:nvSpPr>
+          <p:cNvPr id="87" name="TextBox 86">
+            <a:extLst>
+              <a:ext uri="{FF2B5EF4-FFF2-40B4-BE49-F238E27FC236}">
+                <a16:creationId xmlns:a16="http://schemas.microsoft.com/office/drawing/2014/main" id="{9C11331A-664B-4596-A775-B978231F30A4}"/>
+              </a:ext>
+            </a:extLst>
+          </p:cNvPr>
+          <p:cNvSpPr txBox="1"/>
+          <p:nvPr/>
+        </p:nvSpPr>
+        <p:spPr>
+          <a:xfrm>
+            <a:off x="4922599" y="1033011"/>
+            <a:ext cx="1469346" cy="1015663"/>
+          </a:xfrm>
+          <a:prstGeom prst="rect">
+            <a:avLst/>
+          </a:prstGeom>
+          <a:noFill/>
+        </p:spPr>
+        <p:txBody>
+          <a:bodyPr wrap="square" rtlCol="0">
+            <a:spAutoFit/>
+          </a:bodyPr>
+          <a:lstStyle/>
+          <a:p>
+            <a:r>
+              <a:rPr lang="en-US" sz="1000" dirty="0">
+                <a:solidFill>
+                  <a:schemeClr val="accent1">
+                    <a:lumMod val="50000"/>
+                  </a:schemeClr>
+                </a:solidFill>
+              </a:rPr>
+              <a:t>• SP500 Daily Returns</a:t>
+            </a:r>
+          </a:p>
+          <a:p>
+            <a:r>
+              <a:rPr lang="en-US" sz="1000" dirty="0">
+                <a:solidFill>
+                  <a:schemeClr val="accent1">
+                    <a:lumMod val="50000"/>
+                  </a:schemeClr>
+                </a:solidFill>
+              </a:rPr>
+              <a:t>• SP500 20day Vol</a:t>
+            </a:r>
+          </a:p>
+          <a:p>
+            <a:r>
+              <a:rPr lang="en-US" sz="1000" dirty="0">
+                <a:solidFill>
+                  <a:schemeClr val="accent1">
+                    <a:lumMod val="50000"/>
+                  </a:schemeClr>
+                </a:solidFill>
+              </a:rPr>
+              <a:t>• SP500 50day Vol</a:t>
+            </a:r>
+          </a:p>
+          <a:p>
+            <a:r>
+              <a:rPr lang="en-US" sz="1000" dirty="0">
+                <a:solidFill>
+                  <a:schemeClr val="accent1">
+                    <a:lumMod val="50000"/>
+                  </a:schemeClr>
+                </a:solidFill>
+              </a:rPr>
+              <a:t>• SP500 100day Vol</a:t>
+            </a:r>
+          </a:p>
+          <a:p>
+            <a:r>
+              <a:rPr lang="en-US" sz="1000" dirty="0">
+                <a:solidFill>
+                  <a:schemeClr val="accent1">
+                    <a:lumMod val="50000"/>
+                  </a:schemeClr>
+                </a:solidFill>
+              </a:rPr>
+              <a:t>• SP500 21day MA</a:t>
+            </a:r>
+          </a:p>
+          <a:p>
+            <a:endParaRPr lang="en-US" sz="1000" dirty="0">
+              <a:solidFill>
+                <a:schemeClr val="accent1">
+                  <a:lumMod val="50000"/>
+                </a:schemeClr>
+              </a:solidFill>
+            </a:endParaRPr>
+          </a:p>
+        </p:txBody>
+      </p:sp>
+      <p:sp>
+        <p:nvSpPr>
+          <p:cNvPr id="89" name="TextBox 88">
+            <a:extLst>
+              <a:ext uri="{FF2B5EF4-FFF2-40B4-BE49-F238E27FC236}">
+                <a16:creationId xmlns:a16="http://schemas.microsoft.com/office/drawing/2014/main" id="{DD9739ED-ECCE-42F1-8145-56B4A07DF936}"/>
+              </a:ext>
+            </a:extLst>
+          </p:cNvPr>
+          <p:cNvSpPr txBox="1"/>
+          <p:nvPr/>
+        </p:nvSpPr>
+        <p:spPr>
+          <a:xfrm>
+            <a:off x="6332083" y="1021765"/>
+            <a:ext cx="1306630" cy="1015663"/>
+          </a:xfrm>
+          <a:prstGeom prst="rect">
+            <a:avLst/>
+          </a:prstGeom>
+          <a:noFill/>
+        </p:spPr>
+        <p:txBody>
+          <a:bodyPr wrap="square" rtlCol="0">
+            <a:spAutoFit/>
+          </a:bodyPr>
+          <a:lstStyle/>
+          <a:p>
+            <a:r>
+              <a:rPr lang="en-US" sz="1000" dirty="0">
+                <a:solidFill>
+                  <a:schemeClr val="accent1">
+                    <a:lumMod val="50000"/>
+                  </a:schemeClr>
+                </a:solidFill>
+              </a:rPr>
+              <a:t>• SP500 55day MA</a:t>
+            </a:r>
+          </a:p>
+          <a:p>
+            <a:r>
+              <a:rPr lang="en-US" sz="1000" dirty="0">
+                <a:solidFill>
+                  <a:schemeClr val="accent1">
+                    <a:lumMod val="50000"/>
+                  </a:schemeClr>
+                </a:solidFill>
+              </a:rPr>
+              <a:t>• SP500 100day MA</a:t>
+            </a:r>
+          </a:p>
+          <a:p>
+            <a:r>
+              <a:rPr lang="en-US" sz="1000" dirty="0">
+                <a:solidFill>
+                  <a:schemeClr val="accent1">
+                    <a:lumMod val="50000"/>
+                  </a:schemeClr>
+                </a:solidFill>
+              </a:rPr>
+              <a:t>• Nikkei Daily Returns</a:t>
+            </a:r>
+          </a:p>
+          <a:p>
+            <a:r>
+              <a:rPr lang="en-US" sz="1000" dirty="0">
+                <a:solidFill>
+                  <a:schemeClr val="accent1">
+                    <a:lumMod val="50000"/>
+                  </a:schemeClr>
+                </a:solidFill>
+              </a:rPr>
+              <a:t>• Nikkei 20day Vol</a:t>
+            </a:r>
+          </a:p>
+          <a:p>
+            <a:r>
+              <a:rPr lang="en-US" sz="1000" dirty="0">
+                <a:solidFill>
+                  <a:schemeClr val="accent1">
+                    <a:lumMod val="50000"/>
+                  </a:schemeClr>
+                </a:solidFill>
+              </a:rPr>
+              <a:t>• Nikkei 50day Vol</a:t>
+            </a:r>
+          </a:p>
+          <a:p>
+            <a:endParaRPr lang="en-US" sz="1000" dirty="0">
+              <a:solidFill>
+                <a:schemeClr val="accent1">
+                  <a:lumMod val="50000"/>
+                </a:schemeClr>
+              </a:solidFill>
+            </a:endParaRPr>
+          </a:p>
+        </p:txBody>
+      </p:sp>
+      <p:sp>
+        <p:nvSpPr>
+          <p:cNvPr id="91" name="TextBox 90">
+            <a:extLst>
+              <a:ext uri="{FF2B5EF4-FFF2-40B4-BE49-F238E27FC236}">
+                <a16:creationId xmlns:a16="http://schemas.microsoft.com/office/drawing/2014/main" id="{5D0CFFB2-EDDD-4F6D-BF49-3FEBD53E2E00}"/>
+              </a:ext>
+            </a:extLst>
+          </p:cNvPr>
+          <p:cNvSpPr txBox="1"/>
+          <p:nvPr/>
+        </p:nvSpPr>
+        <p:spPr>
+          <a:xfrm>
+            <a:off x="8746838" y="1015753"/>
+            <a:ext cx="1306630" cy="861774"/>
+          </a:xfrm>
+          <a:prstGeom prst="rect">
+            <a:avLst/>
+          </a:prstGeom>
+          <a:noFill/>
+        </p:spPr>
+        <p:txBody>
+          <a:bodyPr wrap="square" rtlCol="0">
+            <a:spAutoFit/>
+          </a:bodyPr>
+          <a:lstStyle/>
+          <a:p>
+            <a:r>
+              <a:rPr lang="en-US" sz="1000" dirty="0">
+                <a:solidFill>
+                  <a:schemeClr val="accent1">
+                    <a:lumMod val="50000"/>
+                  </a:schemeClr>
+                </a:solidFill>
+              </a:rPr>
+              <a:t>• Nikkei 100day Vol</a:t>
+            </a:r>
+          </a:p>
+          <a:p>
+            <a:r>
+              <a:rPr lang="en-US" sz="1000" dirty="0">
+                <a:solidFill>
+                  <a:schemeClr val="accent1">
+                    <a:lumMod val="50000"/>
+                  </a:schemeClr>
+                </a:solidFill>
+              </a:rPr>
+              <a:t>• SP500 21day MA</a:t>
+            </a:r>
+          </a:p>
+          <a:p>
+            <a:r>
+              <a:rPr lang="en-US" sz="1000" dirty="0">
+                <a:solidFill>
+                  <a:schemeClr val="accent1">
+                    <a:lumMod val="50000"/>
+                  </a:schemeClr>
+                </a:solidFill>
+              </a:rPr>
+              <a:t>• SP500 55day MA</a:t>
+            </a:r>
+          </a:p>
+          <a:p>
+            <a:r>
+              <a:rPr lang="en-US" sz="1000" dirty="0">
+                <a:solidFill>
+                  <a:schemeClr val="accent1">
+                    <a:lumMod val="50000"/>
+                  </a:schemeClr>
+                </a:solidFill>
+              </a:rPr>
+              <a:t>• SP500 100day MA</a:t>
+            </a:r>
+          </a:p>
+          <a:p>
+            <a:endParaRPr lang="en-US" sz="1000" dirty="0">
+              <a:solidFill>
+                <a:schemeClr val="accent1">
+                  <a:lumMod val="50000"/>
+                </a:schemeClr>
+              </a:solidFill>
+            </a:endParaRPr>
+          </a:p>
+        </p:txBody>
+      </p:sp>
+      <p:sp>
+        <p:nvSpPr>
+          <p:cNvPr id="93" name="TextBox 92">
+            <a:extLst>
+              <a:ext uri="{FF2B5EF4-FFF2-40B4-BE49-F238E27FC236}">
+                <a16:creationId xmlns:a16="http://schemas.microsoft.com/office/drawing/2014/main" id="{D629212F-CBB6-4D90-9F5D-4CEC10D7F670}"/>
+              </a:ext>
+            </a:extLst>
+          </p:cNvPr>
+          <p:cNvSpPr txBox="1"/>
+          <p:nvPr/>
+        </p:nvSpPr>
+        <p:spPr>
+          <a:xfrm>
+            <a:off x="4969554" y="3752077"/>
+            <a:ext cx="1668009" cy="1015663"/>
+          </a:xfrm>
+          <a:prstGeom prst="rect">
+            <a:avLst/>
+          </a:prstGeom>
+          <a:noFill/>
+        </p:spPr>
+        <p:txBody>
+          <a:bodyPr wrap="square" rtlCol="0">
+            <a:spAutoFit/>
+          </a:bodyPr>
+          <a:lstStyle/>
+          <a:p>
+            <a:r>
+              <a:rPr lang="en-US" sz="1000" dirty="0">
+                <a:solidFill>
+                  <a:schemeClr val="accent1">
+                    <a:lumMod val="50000"/>
+                  </a:schemeClr>
+                </a:solidFill>
+              </a:rPr>
+              <a:t>• EM Bond Daily Returns </a:t>
+            </a:r>
+          </a:p>
+          <a:p>
+            <a:r>
+              <a:rPr lang="en-US" sz="1000" dirty="0">
+                <a:solidFill>
+                  <a:schemeClr val="accent1">
+                    <a:lumMod val="50000"/>
+                  </a:schemeClr>
+                </a:solidFill>
+              </a:rPr>
+              <a:t>• EM Bond Yield 20day Vol</a:t>
+            </a:r>
+          </a:p>
+          <a:p>
+            <a:r>
+              <a:rPr lang="en-US" sz="1000" dirty="0">
+                <a:solidFill>
+                  <a:schemeClr val="accent1">
+                    <a:lumMod val="50000"/>
+                  </a:schemeClr>
+                </a:solidFill>
+              </a:rPr>
+              <a:t>• EM Bond Yield 50day Vol</a:t>
+            </a:r>
+          </a:p>
+          <a:p>
+            <a:r>
+              <a:rPr lang="en-US" sz="1000" dirty="0">
+                <a:solidFill>
+                  <a:schemeClr val="accent1">
+                    <a:lumMod val="50000"/>
+                  </a:schemeClr>
+                </a:solidFill>
+              </a:rPr>
+              <a:t>• EM Bond Yield 100day Vol</a:t>
+            </a:r>
+          </a:p>
+          <a:p>
+            <a:r>
+              <a:rPr lang="en-US" sz="1000" dirty="0">
+                <a:solidFill>
+                  <a:schemeClr val="accent1">
+                    <a:lumMod val="50000"/>
+                  </a:schemeClr>
+                </a:solidFill>
+              </a:rPr>
+              <a:t>• EM Bond Yield 21day MA</a:t>
+            </a:r>
+          </a:p>
+          <a:p>
+            <a:endParaRPr lang="en-US" sz="1000" dirty="0">
+              <a:solidFill>
+                <a:schemeClr val="accent1">
+                  <a:lumMod val="50000"/>
+                </a:schemeClr>
+              </a:solidFill>
+            </a:endParaRPr>
+          </a:p>
+        </p:txBody>
+      </p:sp>
+      <p:sp>
+        <p:nvSpPr>
+          <p:cNvPr id="95" name="TextBox 94">
+            <a:extLst>
+              <a:ext uri="{FF2B5EF4-FFF2-40B4-BE49-F238E27FC236}">
+                <a16:creationId xmlns:a16="http://schemas.microsoft.com/office/drawing/2014/main" id="{8B0FBD44-4EEC-4EED-8E85-30E090FAE3C0}"/>
+              </a:ext>
+            </a:extLst>
+          </p:cNvPr>
+          <p:cNvSpPr txBox="1"/>
+          <p:nvPr/>
+        </p:nvSpPr>
+        <p:spPr>
+          <a:xfrm>
+            <a:off x="8671834" y="2414471"/>
+            <a:ext cx="1511758" cy="707886"/>
+          </a:xfrm>
+          <a:prstGeom prst="rect">
+            <a:avLst/>
+          </a:prstGeom>
+          <a:noFill/>
+        </p:spPr>
+        <p:txBody>
+          <a:bodyPr wrap="square" rtlCol="0">
+            <a:spAutoFit/>
+          </a:bodyPr>
+          <a:lstStyle/>
+          <a:p>
+            <a:r>
+              <a:rPr lang="en-US" sz="1000" dirty="0">
+                <a:solidFill>
+                  <a:schemeClr val="accent1">
+                    <a:lumMod val="50000"/>
+                  </a:schemeClr>
+                </a:solidFill>
+              </a:rPr>
+              <a:t>• Ted_Spread 55day MA</a:t>
+            </a:r>
+          </a:p>
+          <a:p>
+            <a:r>
+              <a:rPr lang="en-US" sz="1000" dirty="0">
+                <a:solidFill>
+                  <a:schemeClr val="accent1">
+                    <a:lumMod val="50000"/>
+                  </a:schemeClr>
+                </a:solidFill>
+              </a:rPr>
+              <a:t>• 5s10s 100day MA</a:t>
+            </a:r>
+          </a:p>
+          <a:p>
+            <a:r>
+              <a:rPr lang="en-US" sz="1000" dirty="0">
+                <a:solidFill>
+                  <a:schemeClr val="accent1">
+                    <a:lumMod val="50000"/>
+                  </a:schemeClr>
+                </a:solidFill>
+              </a:rPr>
+              <a:t>• 2s5s 20day Vol</a:t>
+            </a:r>
+          </a:p>
+          <a:p>
+            <a:endParaRPr lang="en-US" sz="1000" dirty="0">
+              <a:solidFill>
+                <a:schemeClr val="accent1">
+                  <a:lumMod val="50000"/>
+                </a:schemeClr>
+              </a:solidFill>
+            </a:endParaRPr>
+          </a:p>
+        </p:txBody>
+      </p:sp>
+      <p:sp>
+        <p:nvSpPr>
+          <p:cNvPr id="97" name="TextBox 96">
+            <a:extLst>
+              <a:ext uri="{FF2B5EF4-FFF2-40B4-BE49-F238E27FC236}">
+                <a16:creationId xmlns:a16="http://schemas.microsoft.com/office/drawing/2014/main" id="{1835D94D-6121-4505-9EE7-4F0CF8E8F055}"/>
+              </a:ext>
+            </a:extLst>
+          </p:cNvPr>
+          <p:cNvSpPr txBox="1"/>
+          <p:nvPr/>
+        </p:nvSpPr>
+        <p:spPr>
+          <a:xfrm>
+            <a:off x="6546961" y="3742430"/>
+            <a:ext cx="1805103" cy="1015663"/>
+          </a:xfrm>
+          <a:prstGeom prst="rect">
+            <a:avLst/>
+          </a:prstGeom>
+          <a:noFill/>
+        </p:spPr>
+        <p:txBody>
+          <a:bodyPr wrap="square" rtlCol="0">
+            <a:spAutoFit/>
+          </a:bodyPr>
+          <a:lstStyle/>
+          <a:p>
+            <a:r>
+              <a:rPr lang="en-US" sz="1000" dirty="0">
+                <a:solidFill>
+                  <a:schemeClr val="accent1">
+                    <a:lumMod val="50000"/>
+                  </a:schemeClr>
+                </a:solidFill>
+              </a:rPr>
+              <a:t>• EM Bond Yield 55day MA</a:t>
+            </a:r>
+          </a:p>
+          <a:p>
+            <a:r>
+              <a:rPr lang="en-US" sz="1000" dirty="0">
+                <a:solidFill>
+                  <a:schemeClr val="accent1">
+                    <a:lumMod val="50000"/>
+                  </a:schemeClr>
+                </a:solidFill>
+              </a:rPr>
+              <a:t>• EM Bond Yield 100day MA</a:t>
+            </a:r>
+          </a:p>
+          <a:p>
+            <a:r>
+              <a:rPr lang="en-US" sz="1000" dirty="0">
+                <a:solidFill>
+                  <a:schemeClr val="accent1">
+                    <a:lumMod val="50000"/>
+                  </a:schemeClr>
+                </a:solidFill>
+              </a:rPr>
+              <a:t>• B Rated Bond Spread</a:t>
+            </a:r>
+          </a:p>
+          <a:p>
+            <a:r>
+              <a:rPr lang="en-US" sz="1000" dirty="0">
+                <a:solidFill>
+                  <a:schemeClr val="accent1">
+                    <a:lumMod val="50000"/>
+                  </a:schemeClr>
+                </a:solidFill>
+              </a:rPr>
+              <a:t>• 5Year UST</a:t>
+            </a:r>
+          </a:p>
+          <a:p>
+            <a:r>
+              <a:rPr lang="en-US" sz="1000" dirty="0">
+                <a:solidFill>
+                  <a:schemeClr val="accent1">
+                    <a:lumMod val="50000"/>
+                  </a:schemeClr>
+                </a:solidFill>
+              </a:rPr>
+              <a:t>• Credit Spread (B – 5Year UST)</a:t>
+            </a:r>
+          </a:p>
+          <a:p>
+            <a:endParaRPr lang="en-US" sz="1000" dirty="0">
+              <a:solidFill>
+                <a:schemeClr val="accent1">
+                  <a:lumMod val="50000"/>
+                </a:schemeClr>
+              </a:solidFill>
+            </a:endParaRPr>
+          </a:p>
+        </p:txBody>
+      </p:sp>
+      <p:sp>
+        <p:nvSpPr>
+          <p:cNvPr id="99" name="TextBox 98">
+            <a:extLst>
+              <a:ext uri="{FF2B5EF4-FFF2-40B4-BE49-F238E27FC236}">
+                <a16:creationId xmlns:a16="http://schemas.microsoft.com/office/drawing/2014/main" id="{7126D3B8-D215-46A0-A776-5D6C2DA7B1CE}"/>
+              </a:ext>
+            </a:extLst>
+          </p:cNvPr>
+          <p:cNvSpPr txBox="1"/>
+          <p:nvPr/>
+        </p:nvSpPr>
+        <p:spPr>
+          <a:xfrm>
+            <a:off x="8391864" y="3718406"/>
+            <a:ext cx="1805103" cy="707886"/>
+          </a:xfrm>
+          <a:prstGeom prst="rect">
+            <a:avLst/>
+          </a:prstGeom>
+          <a:noFill/>
+        </p:spPr>
+        <p:txBody>
+          <a:bodyPr wrap="square" rtlCol="0">
+            <a:spAutoFit/>
+          </a:bodyPr>
+          <a:lstStyle/>
+          <a:p>
+            <a:r>
+              <a:rPr lang="en-US" sz="1000" dirty="0">
+                <a:solidFill>
+                  <a:schemeClr val="accent1">
+                    <a:lumMod val="50000"/>
+                  </a:schemeClr>
+                </a:solidFill>
+              </a:rPr>
+              <a:t>• Credit Spread 21day MA</a:t>
+            </a:r>
+          </a:p>
+          <a:p>
+            <a:r>
+              <a:rPr lang="en-US" sz="1000" dirty="0">
+                <a:solidFill>
+                  <a:schemeClr val="accent1">
+                    <a:lumMod val="50000"/>
+                  </a:schemeClr>
+                </a:solidFill>
+              </a:rPr>
+              <a:t>• Credit Spread 55day MA</a:t>
+            </a:r>
+          </a:p>
+          <a:p>
+            <a:r>
+              <a:rPr lang="en-US" sz="1000" dirty="0">
+                <a:solidFill>
+                  <a:schemeClr val="accent1">
+                    <a:lumMod val="50000"/>
+                  </a:schemeClr>
+                </a:solidFill>
+              </a:rPr>
+              <a:t>• Credit Spread 100day MA</a:t>
+            </a:r>
+          </a:p>
+          <a:p>
+            <a:endParaRPr lang="en-US" sz="1000" dirty="0">
+              <a:solidFill>
+                <a:schemeClr val="accent1">
+                  <a:lumMod val="50000"/>
+                </a:schemeClr>
+              </a:solidFill>
+            </a:endParaRPr>
+          </a:p>
+        </p:txBody>
+      </p:sp>
+      <p:sp>
+        <p:nvSpPr>
+          <p:cNvPr id="101" name="TextBox 100">
+            <a:extLst>
+              <a:ext uri="{FF2B5EF4-FFF2-40B4-BE49-F238E27FC236}">
+                <a16:creationId xmlns:a16="http://schemas.microsoft.com/office/drawing/2014/main" id="{88D8465C-CAFB-4625-AB58-B74603404100}"/>
+              </a:ext>
+            </a:extLst>
+          </p:cNvPr>
+          <p:cNvSpPr txBox="1"/>
+          <p:nvPr/>
+        </p:nvSpPr>
+        <p:spPr>
+          <a:xfrm>
+            <a:off x="4969553" y="5128418"/>
+            <a:ext cx="1668009" cy="707886"/>
+          </a:xfrm>
+          <a:prstGeom prst="rect">
+            <a:avLst/>
+          </a:prstGeom>
+          <a:noFill/>
+        </p:spPr>
+        <p:txBody>
+          <a:bodyPr wrap="square" rtlCol="0">
+            <a:spAutoFit/>
+          </a:bodyPr>
+          <a:lstStyle/>
+          <a:p>
+            <a:r>
+              <a:rPr lang="en-US" sz="1000" dirty="0">
+                <a:solidFill>
+                  <a:schemeClr val="accent1">
+                    <a:lumMod val="50000"/>
+                  </a:schemeClr>
+                </a:solidFill>
+              </a:rPr>
+              <a:t>• USDJPY 21day MA</a:t>
+            </a:r>
+          </a:p>
+          <a:p>
+            <a:r>
+              <a:rPr lang="en-US" sz="1000" dirty="0">
+                <a:solidFill>
+                  <a:schemeClr val="accent1">
+                    <a:lumMod val="50000"/>
+                  </a:schemeClr>
+                </a:solidFill>
+              </a:rPr>
+              <a:t>• USDJPY 55day MA</a:t>
+            </a:r>
+          </a:p>
+          <a:p>
+            <a:r>
+              <a:rPr lang="en-US" sz="1000" dirty="0">
+                <a:solidFill>
+                  <a:schemeClr val="accent1">
+                    <a:lumMod val="50000"/>
+                  </a:schemeClr>
+                </a:solidFill>
+              </a:rPr>
+              <a:t>• USDJPY 100day MA</a:t>
+            </a:r>
+          </a:p>
+          <a:p>
+            <a:endParaRPr lang="en-US" sz="1000" dirty="0">
+              <a:solidFill>
+                <a:schemeClr val="accent1">
+                  <a:lumMod val="50000"/>
+                </a:schemeClr>
+              </a:solidFill>
+            </a:endParaRPr>
+          </a:p>
+        </p:txBody>
+      </p:sp>
+      <p:sp>
+        <p:nvSpPr>
+          <p:cNvPr id="103" name="TextBox 102">
+            <a:extLst>
+              <a:ext uri="{FF2B5EF4-FFF2-40B4-BE49-F238E27FC236}">
+                <a16:creationId xmlns:a16="http://schemas.microsoft.com/office/drawing/2014/main" id="{D7074267-5961-4328-8A58-3B7BF0157673}"/>
+              </a:ext>
+            </a:extLst>
+          </p:cNvPr>
+          <p:cNvSpPr txBox="1"/>
+          <p:nvPr/>
+        </p:nvSpPr>
+        <p:spPr>
+          <a:xfrm>
+            <a:off x="6446471" y="5126595"/>
+            <a:ext cx="1668009" cy="707886"/>
+          </a:xfrm>
+          <a:prstGeom prst="rect">
+            <a:avLst/>
+          </a:prstGeom>
+          <a:noFill/>
+        </p:spPr>
+        <p:txBody>
+          <a:bodyPr wrap="square" rtlCol="0">
+            <a:spAutoFit/>
+          </a:bodyPr>
+          <a:lstStyle/>
+          <a:p>
+            <a:r>
+              <a:rPr lang="en-US" sz="1000" dirty="0">
+                <a:solidFill>
+                  <a:schemeClr val="accent1">
+                    <a:lumMod val="50000"/>
+                  </a:schemeClr>
+                </a:solidFill>
+              </a:rPr>
+              <a:t>• USDJPY 20day Vol</a:t>
+            </a:r>
+          </a:p>
+          <a:p>
+            <a:r>
+              <a:rPr lang="en-US" sz="1000" dirty="0">
+                <a:solidFill>
+                  <a:schemeClr val="accent1">
+                    <a:lumMod val="50000"/>
+                  </a:schemeClr>
+                </a:solidFill>
+              </a:rPr>
+              <a:t>• USDJPY 50day Vol</a:t>
+            </a:r>
+          </a:p>
+          <a:p>
+            <a:r>
+              <a:rPr lang="en-US" sz="1000" dirty="0">
+                <a:solidFill>
+                  <a:schemeClr val="accent1">
+                    <a:lumMod val="50000"/>
+                  </a:schemeClr>
+                </a:solidFill>
+              </a:rPr>
+              <a:t>• USDJPY 100day Vol</a:t>
+            </a:r>
+          </a:p>
+          <a:p>
+            <a:endParaRPr lang="en-US" sz="1000" dirty="0">
+              <a:solidFill>
+                <a:schemeClr val="accent1">
+                  <a:lumMod val="50000"/>
+                </a:schemeClr>
+              </a:solidFill>
+            </a:endParaRPr>
+          </a:p>
+        </p:txBody>
+      </p:sp>
+      <p:sp>
+        <p:nvSpPr>
+          <p:cNvPr id="105" name="TextBox 104">
+            <a:extLst>
+              <a:ext uri="{FF2B5EF4-FFF2-40B4-BE49-F238E27FC236}">
+                <a16:creationId xmlns:a16="http://schemas.microsoft.com/office/drawing/2014/main" id="{42BED3B3-B9F3-43D0-9842-F31137944DF5}"/>
+              </a:ext>
+            </a:extLst>
+          </p:cNvPr>
+          <p:cNvSpPr txBox="1"/>
+          <p:nvPr/>
+        </p:nvSpPr>
+        <p:spPr>
+          <a:xfrm>
+            <a:off x="4969553" y="6047994"/>
+            <a:ext cx="1668009" cy="707886"/>
+          </a:xfrm>
+          <a:prstGeom prst="rect">
+            <a:avLst/>
+          </a:prstGeom>
+          <a:noFill/>
+        </p:spPr>
+        <p:txBody>
+          <a:bodyPr wrap="square" rtlCol="0">
+            <a:spAutoFit/>
+          </a:bodyPr>
+          <a:lstStyle/>
+          <a:p>
+            <a:r>
+              <a:rPr lang="en-US" sz="1000" dirty="0">
+                <a:solidFill>
+                  <a:schemeClr val="accent1">
+                    <a:lumMod val="50000"/>
+                  </a:schemeClr>
+                </a:solidFill>
+              </a:rPr>
+              <a:t>• VIX 21day MA</a:t>
+            </a:r>
+          </a:p>
+          <a:p>
+            <a:r>
+              <a:rPr lang="en-US" sz="1000" dirty="0">
+                <a:solidFill>
+                  <a:schemeClr val="accent1">
+                    <a:lumMod val="50000"/>
+                  </a:schemeClr>
+                </a:solidFill>
+              </a:rPr>
+              <a:t>• VIX 55day MA</a:t>
+            </a:r>
+          </a:p>
+          <a:p>
+            <a:r>
+              <a:rPr lang="en-US" sz="1000" dirty="0">
+                <a:solidFill>
+                  <a:schemeClr val="accent1">
+                    <a:lumMod val="50000"/>
+                  </a:schemeClr>
+                </a:solidFill>
+              </a:rPr>
+              <a:t>• VIX 100day MA</a:t>
+            </a:r>
+          </a:p>
+          <a:p>
+            <a:endParaRPr lang="en-US" sz="1000" dirty="0">
+              <a:solidFill>
+                <a:schemeClr val="accent1">
+                  <a:lumMod val="50000"/>
+                </a:schemeClr>
+              </a:solidFill>
+            </a:endParaRPr>
+          </a:p>
+        </p:txBody>
+      </p:sp>
+      <p:cxnSp>
+        <p:nvCxnSpPr>
+          <p:cNvPr id="107" name="Connector: Elbow 106">
+            <a:extLst>
+              <a:ext uri="{FF2B5EF4-FFF2-40B4-BE49-F238E27FC236}">
+                <a16:creationId xmlns:a16="http://schemas.microsoft.com/office/drawing/2014/main" id="{39C49151-AC3E-43CD-9B05-00C6F668B408}"/>
+              </a:ext>
+            </a:extLst>
+          </p:cNvPr>
+          <p:cNvCxnSpPr>
+            <a:stCxn id="5" idx="3"/>
+            <a:endCxn id="27" idx="1"/>
+          </p:cNvCxnSpPr>
+          <p:nvPr/>
+        </p:nvCxnSpPr>
+        <p:spPr>
+          <a:xfrm flipV="1">
+            <a:off x="1796144" y="1128477"/>
+            <a:ext cx="408211" cy="355926"/>
+          </a:xfrm>
+          <a:prstGeom prst="bentConnector3">
+            <a:avLst/>
+          </a:prstGeom>
+          <a:ln>
+            <a:tailEnd type="triangle"/>
+          </a:ln>
+        </p:spPr>
+        <p:style>
+          <a:lnRef idx="1">
+            <a:schemeClr val="accent1"/>
+          </a:lnRef>
+          <a:fillRef idx="0">
+            <a:schemeClr val="accent1"/>
+          </a:fillRef>
+          <a:effectRef idx="0">
+            <a:schemeClr val="accent1"/>
+          </a:effectRef>
+          <a:fontRef idx="minor">
+            <a:schemeClr val="tx1"/>
+          </a:fontRef>
+        </p:style>
+      </p:cxnSp>
+      <p:cxnSp>
+        <p:nvCxnSpPr>
+          <p:cNvPr id="109" name="Connector: Elbow 108">
+            <a:extLst>
+              <a:ext uri="{FF2B5EF4-FFF2-40B4-BE49-F238E27FC236}">
+                <a16:creationId xmlns:a16="http://schemas.microsoft.com/office/drawing/2014/main" id="{93D29330-E5E3-493D-B466-83A8F8D94DFE}"/>
+              </a:ext>
+            </a:extLst>
+          </p:cNvPr>
+          <p:cNvCxnSpPr>
+            <a:stCxn id="5" idx="3"/>
+            <a:endCxn id="29" idx="1"/>
+          </p:cNvCxnSpPr>
+          <p:nvPr/>
+        </p:nvCxnSpPr>
+        <p:spPr>
+          <a:xfrm>
+            <a:off x="1796144" y="1484403"/>
+            <a:ext cx="408211" cy="352792"/>
+          </a:xfrm>
+          <a:prstGeom prst="bentConnector3">
+            <a:avLst/>
+          </a:prstGeom>
+          <a:ln>
+            <a:tailEnd type="triangle"/>
+          </a:ln>
+        </p:spPr>
+        <p:style>
+          <a:lnRef idx="1">
+            <a:schemeClr val="accent1"/>
+          </a:lnRef>
+          <a:fillRef idx="0">
+            <a:schemeClr val="accent1"/>
+          </a:fillRef>
+          <a:effectRef idx="0">
+            <a:schemeClr val="accent1"/>
+          </a:effectRef>
+          <a:fontRef idx="minor">
+            <a:schemeClr val="tx1"/>
+          </a:fontRef>
+        </p:style>
+      </p:cxnSp>
+      <p:cxnSp>
+        <p:nvCxnSpPr>
+          <p:cNvPr id="110" name="Connector: Elbow 109">
+            <a:extLst>
+              <a:ext uri="{FF2B5EF4-FFF2-40B4-BE49-F238E27FC236}">
+                <a16:creationId xmlns:a16="http://schemas.microsoft.com/office/drawing/2014/main" id="{53622751-B6E6-498D-88AC-58F08FAEB9E3}"/>
+              </a:ext>
+            </a:extLst>
+          </p:cNvPr>
+          <p:cNvCxnSpPr>
+            <a:cxnSpLocks/>
+            <a:stCxn id="25" idx="3"/>
+            <a:endCxn id="31" idx="1"/>
+          </p:cNvCxnSpPr>
+          <p:nvPr/>
+        </p:nvCxnSpPr>
+        <p:spPr>
+          <a:xfrm flipV="1">
+            <a:off x="1796144" y="2533488"/>
+            <a:ext cx="408211" cy="360522"/>
+          </a:xfrm>
+          <a:prstGeom prst="bentConnector3">
+            <a:avLst/>
+          </a:prstGeom>
+          <a:ln>
+            <a:tailEnd type="triangle"/>
+          </a:ln>
+        </p:spPr>
+        <p:style>
+          <a:lnRef idx="1">
+            <a:schemeClr val="accent1"/>
+          </a:lnRef>
+          <a:fillRef idx="0">
+            <a:schemeClr val="accent1"/>
+          </a:fillRef>
+          <a:effectRef idx="0">
+            <a:schemeClr val="accent1"/>
+          </a:effectRef>
+          <a:fontRef idx="minor">
+            <a:schemeClr val="tx1"/>
+          </a:fontRef>
+        </p:style>
+      </p:cxnSp>
+      <p:cxnSp>
+        <p:nvCxnSpPr>
+          <p:cNvPr id="112" name="Connector: Elbow 111">
+            <a:extLst>
+              <a:ext uri="{FF2B5EF4-FFF2-40B4-BE49-F238E27FC236}">
+                <a16:creationId xmlns:a16="http://schemas.microsoft.com/office/drawing/2014/main" id="{9EF1E6F7-4CAF-41B0-8D34-94D017F435D5}"/>
+              </a:ext>
+            </a:extLst>
+          </p:cNvPr>
+          <p:cNvCxnSpPr>
+            <a:cxnSpLocks/>
+            <a:stCxn id="25" idx="3"/>
+            <a:endCxn id="33" idx="1"/>
+          </p:cNvCxnSpPr>
+          <p:nvPr/>
+        </p:nvCxnSpPr>
+        <p:spPr>
+          <a:xfrm>
+            <a:off x="1796144" y="2894010"/>
+            <a:ext cx="408212" cy="360621"/>
+          </a:xfrm>
+          <a:prstGeom prst="bentConnector3">
+            <a:avLst/>
+          </a:prstGeom>
+          <a:ln>
+            <a:tailEnd type="triangle"/>
+          </a:ln>
+        </p:spPr>
+        <p:style>
+          <a:lnRef idx="1">
+            <a:schemeClr val="accent1"/>
+          </a:lnRef>
+          <a:fillRef idx="0">
+            <a:schemeClr val="accent1"/>
+          </a:fillRef>
+          <a:effectRef idx="0">
+            <a:schemeClr val="accent1"/>
+          </a:effectRef>
+          <a:fontRef idx="minor">
+            <a:schemeClr val="tx1"/>
+          </a:fontRef>
+        </p:style>
+      </p:cxnSp>
+      <p:cxnSp>
+        <p:nvCxnSpPr>
+          <p:cNvPr id="117" name="Connector: Elbow 116">
+            <a:extLst>
+              <a:ext uri="{FF2B5EF4-FFF2-40B4-BE49-F238E27FC236}">
+                <a16:creationId xmlns:a16="http://schemas.microsoft.com/office/drawing/2014/main" id="{7E9B460B-5871-4CFB-8775-4EFB80502CD6}"/>
+              </a:ext>
+            </a:extLst>
+          </p:cNvPr>
+          <p:cNvCxnSpPr>
+            <a:cxnSpLocks/>
+          </p:cNvCxnSpPr>
+          <p:nvPr/>
+        </p:nvCxnSpPr>
+        <p:spPr>
+          <a:xfrm flipV="1">
+            <a:off x="1804987" y="3842370"/>
+            <a:ext cx="408211" cy="360522"/>
+          </a:xfrm>
+          <a:prstGeom prst="bentConnector3">
+            <a:avLst/>
+          </a:prstGeom>
+          <a:ln>
+            <a:tailEnd type="triangle"/>
+          </a:ln>
+        </p:spPr>
+        <p:style>
+          <a:lnRef idx="1">
+            <a:schemeClr val="accent1"/>
+          </a:lnRef>
+          <a:fillRef idx="0">
+            <a:schemeClr val="accent1"/>
+          </a:fillRef>
+          <a:effectRef idx="0">
+            <a:schemeClr val="accent1"/>
+          </a:effectRef>
+          <a:fontRef idx="minor">
+            <a:schemeClr val="tx1"/>
+          </a:fontRef>
+        </p:style>
+      </p:cxnSp>
+      <p:cxnSp>
+        <p:nvCxnSpPr>
+          <p:cNvPr id="118" name="Connector: Elbow 117">
+            <a:extLst>
+              <a:ext uri="{FF2B5EF4-FFF2-40B4-BE49-F238E27FC236}">
+                <a16:creationId xmlns:a16="http://schemas.microsoft.com/office/drawing/2014/main" id="{0321EBE6-D073-44C7-BC68-0588BEC2DE55}"/>
+              </a:ext>
+            </a:extLst>
+          </p:cNvPr>
+          <p:cNvCxnSpPr>
+            <a:cxnSpLocks/>
+          </p:cNvCxnSpPr>
+          <p:nvPr/>
+        </p:nvCxnSpPr>
+        <p:spPr>
+          <a:xfrm>
+            <a:off x="1808044" y="4200589"/>
+            <a:ext cx="405834" cy="364386"/>
+          </a:xfrm>
+          <a:prstGeom prst="bentConnector3">
+            <a:avLst>
+              <a:gd name="adj1" fmla="val 50000"/>
+            </a:avLst>
+          </a:prstGeom>
+          <a:ln>
+            <a:tailEnd type="triangle"/>
+          </a:ln>
+        </p:spPr>
+        <p:style>
+          <a:lnRef idx="1">
+            <a:schemeClr val="accent1"/>
+          </a:lnRef>
+          <a:fillRef idx="0">
+            <a:schemeClr val="accent1"/>
+          </a:fillRef>
+          <a:effectRef idx="0">
+            <a:schemeClr val="accent1"/>
+          </a:effectRef>
+          <a:fontRef idx="minor">
+            <a:schemeClr val="tx1"/>
+          </a:fontRef>
+        </p:style>
+      </p:cxnSp>
+      <p:cxnSp>
+        <p:nvCxnSpPr>
+          <p:cNvPr id="124" name="Straight Arrow Connector 123">
+            <a:extLst>
+              <a:ext uri="{FF2B5EF4-FFF2-40B4-BE49-F238E27FC236}">
+                <a16:creationId xmlns:a16="http://schemas.microsoft.com/office/drawing/2014/main" id="{0D2B9765-F3F4-4F0E-AA54-A6A8A022A602}"/>
+              </a:ext>
+            </a:extLst>
+          </p:cNvPr>
+          <p:cNvCxnSpPr>
+            <a:stCxn id="21" idx="3"/>
+            <a:endCxn id="39" idx="1"/>
+          </p:cNvCxnSpPr>
+          <p:nvPr/>
+        </p:nvCxnSpPr>
+        <p:spPr>
+          <a:xfrm flipV="1">
+            <a:off x="1796139" y="5384015"/>
+            <a:ext cx="408215" cy="1893"/>
+          </a:xfrm>
+          <a:prstGeom prst="straightConnector1">
+            <a:avLst/>
+          </a:prstGeom>
+          <a:ln>
+            <a:tailEnd type="triangle"/>
+          </a:ln>
+        </p:spPr>
+        <p:style>
+          <a:lnRef idx="1">
+            <a:schemeClr val="accent1"/>
+          </a:lnRef>
+          <a:fillRef idx="0">
+            <a:schemeClr val="accent1"/>
+          </a:fillRef>
+          <a:effectRef idx="0">
+            <a:schemeClr val="accent1"/>
+          </a:effectRef>
+          <a:fontRef idx="minor">
+            <a:schemeClr val="tx1"/>
+          </a:fontRef>
+        </p:style>
+      </p:cxnSp>
+      <p:cxnSp>
+        <p:nvCxnSpPr>
+          <p:cNvPr id="125" name="Straight Arrow Connector 124">
+            <a:extLst>
+              <a:ext uri="{FF2B5EF4-FFF2-40B4-BE49-F238E27FC236}">
+                <a16:creationId xmlns:a16="http://schemas.microsoft.com/office/drawing/2014/main" id="{EF00EEC1-924D-4598-8761-EECCCFF223C9}"/>
+              </a:ext>
+            </a:extLst>
+          </p:cNvPr>
+          <p:cNvCxnSpPr>
+            <a:cxnSpLocks/>
+            <a:stCxn id="19" idx="3"/>
+            <a:endCxn id="41" idx="1"/>
+          </p:cNvCxnSpPr>
+          <p:nvPr/>
+        </p:nvCxnSpPr>
+        <p:spPr>
+          <a:xfrm>
+            <a:off x="1796138" y="6334973"/>
+            <a:ext cx="408215" cy="0"/>
+          </a:xfrm>
+          <a:prstGeom prst="straightConnector1">
+            <a:avLst/>
+          </a:prstGeom>
+          <a:ln>
+            <a:tailEnd type="triangle"/>
+          </a:ln>
+        </p:spPr>
+        <p:style>
+          <a:lnRef idx="1">
+            <a:schemeClr val="accent1"/>
+          </a:lnRef>
+          <a:fillRef idx="0">
+            <a:schemeClr val="accent1"/>
+          </a:fillRef>
+          <a:effectRef idx="0">
+            <a:schemeClr val="accent1"/>
+          </a:effectRef>
+          <a:fontRef idx="minor">
+            <a:schemeClr val="tx1"/>
+          </a:fontRef>
+        </p:style>
+      </p:cxnSp>
+      <p:cxnSp>
+        <p:nvCxnSpPr>
+          <p:cNvPr id="134" name="Connector: Elbow 133">
+            <a:extLst>
+              <a:ext uri="{FF2B5EF4-FFF2-40B4-BE49-F238E27FC236}">
+                <a16:creationId xmlns:a16="http://schemas.microsoft.com/office/drawing/2014/main" id="{D17D791E-3332-469F-B9F3-92BE5424B4B5}"/>
+              </a:ext>
+            </a:extLst>
+          </p:cNvPr>
+          <p:cNvCxnSpPr>
+            <a:cxnSpLocks/>
+            <a:stCxn id="29" idx="3"/>
+            <a:endCxn id="54" idx="1"/>
+          </p:cNvCxnSpPr>
+          <p:nvPr/>
+        </p:nvCxnSpPr>
+        <p:spPr>
+          <a:xfrm flipV="1">
+            <a:off x="3916134" y="1457477"/>
+            <a:ext cx="925287" cy="379718"/>
+          </a:xfrm>
+          <a:prstGeom prst="bentConnector3">
+            <a:avLst>
+              <a:gd name="adj1" fmla="val 50000"/>
+            </a:avLst>
+          </a:prstGeom>
+          <a:ln>
+            <a:tailEnd type="triangle"/>
+          </a:ln>
+        </p:spPr>
+        <p:style>
+          <a:lnRef idx="1">
+            <a:schemeClr val="accent1"/>
+          </a:lnRef>
+          <a:fillRef idx="0">
+            <a:schemeClr val="accent1"/>
+          </a:fillRef>
+          <a:effectRef idx="0">
+            <a:schemeClr val="accent1"/>
+          </a:effectRef>
+          <a:fontRef idx="minor">
+            <a:schemeClr val="tx1"/>
+          </a:fontRef>
+        </p:style>
+      </p:cxnSp>
+      <p:cxnSp>
+        <p:nvCxnSpPr>
+          <p:cNvPr id="137" name="Connector: Elbow 136">
+            <a:extLst>
+              <a:ext uri="{FF2B5EF4-FFF2-40B4-BE49-F238E27FC236}">
+                <a16:creationId xmlns:a16="http://schemas.microsoft.com/office/drawing/2014/main" id="{E7D29843-2857-4CF4-83D1-F82585A2269C}"/>
+              </a:ext>
+            </a:extLst>
+          </p:cNvPr>
+          <p:cNvCxnSpPr>
+            <a:cxnSpLocks/>
+            <a:stCxn id="27" idx="3"/>
+            <a:endCxn id="54" idx="1"/>
+          </p:cNvCxnSpPr>
+          <p:nvPr/>
+        </p:nvCxnSpPr>
+        <p:spPr>
+          <a:xfrm>
+            <a:off x="3916134" y="1128477"/>
+            <a:ext cx="925287" cy="329000"/>
+          </a:xfrm>
+          <a:prstGeom prst="bentConnector3">
+            <a:avLst>
+              <a:gd name="adj1" fmla="val 50000"/>
+            </a:avLst>
+          </a:prstGeom>
+          <a:ln>
+            <a:tailEnd type="triangle"/>
+          </a:ln>
+        </p:spPr>
+        <p:style>
+          <a:lnRef idx="1">
+            <a:schemeClr val="accent1"/>
+          </a:lnRef>
+          <a:fillRef idx="0">
+            <a:schemeClr val="accent1"/>
+          </a:fillRef>
+          <a:effectRef idx="0">
+            <a:schemeClr val="accent1"/>
+          </a:effectRef>
+          <a:fontRef idx="minor">
+            <a:schemeClr val="tx1"/>
+          </a:fontRef>
+        </p:style>
+      </p:cxnSp>
+      <p:cxnSp>
+        <p:nvCxnSpPr>
+          <p:cNvPr id="140" name="Connector: Elbow 139">
+            <a:extLst>
+              <a:ext uri="{FF2B5EF4-FFF2-40B4-BE49-F238E27FC236}">
+                <a16:creationId xmlns:a16="http://schemas.microsoft.com/office/drawing/2014/main" id="{1F891EFB-B6DD-4FB4-A429-C44FD7A0A147}"/>
+              </a:ext>
+            </a:extLst>
+          </p:cNvPr>
+          <p:cNvCxnSpPr>
+            <a:cxnSpLocks/>
+            <a:stCxn id="31" idx="3"/>
+            <a:endCxn id="57" idx="1"/>
+          </p:cNvCxnSpPr>
+          <p:nvPr/>
+        </p:nvCxnSpPr>
+        <p:spPr>
+          <a:xfrm>
+            <a:off x="3916134" y="2533488"/>
+            <a:ext cx="925287" cy="315489"/>
+          </a:xfrm>
+          <a:prstGeom prst="bentConnector3">
+            <a:avLst>
+              <a:gd name="adj1" fmla="val 50000"/>
+            </a:avLst>
+          </a:prstGeom>
+          <a:ln>
+            <a:tailEnd type="triangle"/>
+          </a:ln>
+        </p:spPr>
+        <p:style>
+          <a:lnRef idx="1">
+            <a:schemeClr val="accent1"/>
+          </a:lnRef>
+          <a:fillRef idx="0">
+            <a:schemeClr val="accent1"/>
+          </a:fillRef>
+          <a:effectRef idx="0">
+            <a:schemeClr val="accent1"/>
+          </a:effectRef>
+          <a:fontRef idx="minor">
+            <a:schemeClr val="tx1"/>
+          </a:fontRef>
+        </p:style>
+      </p:cxnSp>
+      <p:cxnSp>
+        <p:nvCxnSpPr>
+          <p:cNvPr id="143" name="Connector: Elbow 142">
+            <a:extLst>
+              <a:ext uri="{FF2B5EF4-FFF2-40B4-BE49-F238E27FC236}">
+                <a16:creationId xmlns:a16="http://schemas.microsoft.com/office/drawing/2014/main" id="{7AD80F34-EED0-4D88-ADF4-46AD9D30306D}"/>
+              </a:ext>
+            </a:extLst>
+          </p:cNvPr>
+          <p:cNvCxnSpPr>
+            <a:cxnSpLocks/>
+          </p:cNvCxnSpPr>
+          <p:nvPr/>
+        </p:nvCxnSpPr>
+        <p:spPr>
+          <a:xfrm flipV="1">
+            <a:off x="3916133" y="2849776"/>
+            <a:ext cx="925286" cy="405654"/>
+          </a:xfrm>
+          <a:prstGeom prst="bentConnector3">
+            <a:avLst>
+              <a:gd name="adj1" fmla="val 50059"/>
+            </a:avLst>
+          </a:prstGeom>
+          <a:ln>
+            <a:tailEnd type="triangle"/>
+          </a:ln>
+        </p:spPr>
+        <p:style>
+          <a:lnRef idx="1">
+            <a:schemeClr val="accent1"/>
+          </a:lnRef>
+          <a:fillRef idx="0">
+            <a:schemeClr val="accent1"/>
+          </a:fillRef>
+          <a:effectRef idx="0">
+            <a:schemeClr val="accent1"/>
+          </a:effectRef>
+          <a:fontRef idx="minor">
+            <a:schemeClr val="tx1"/>
+          </a:fontRef>
+        </p:style>
+      </p:cxnSp>
+      <p:cxnSp>
+        <p:nvCxnSpPr>
+          <p:cNvPr id="146" name="Connector: Elbow 145">
+            <a:extLst>
+              <a:ext uri="{FF2B5EF4-FFF2-40B4-BE49-F238E27FC236}">
+                <a16:creationId xmlns:a16="http://schemas.microsoft.com/office/drawing/2014/main" id="{65BB29F4-3E90-4459-90C3-01EE159A36A1}"/>
+              </a:ext>
+            </a:extLst>
+          </p:cNvPr>
+          <p:cNvCxnSpPr>
+            <a:cxnSpLocks/>
+            <a:stCxn id="35" idx="3"/>
+            <a:endCxn id="59" idx="1"/>
+          </p:cNvCxnSpPr>
+          <p:nvPr/>
+        </p:nvCxnSpPr>
+        <p:spPr>
+          <a:xfrm>
+            <a:off x="3916134" y="3843932"/>
+            <a:ext cx="925287" cy="346707"/>
+          </a:xfrm>
+          <a:prstGeom prst="bentConnector3">
+            <a:avLst>
+              <a:gd name="adj1" fmla="val 50000"/>
+            </a:avLst>
+          </a:prstGeom>
+          <a:ln>
+            <a:tailEnd type="triangle"/>
+          </a:ln>
+        </p:spPr>
+        <p:style>
+          <a:lnRef idx="1">
+            <a:schemeClr val="accent1"/>
+          </a:lnRef>
+          <a:fillRef idx="0">
+            <a:schemeClr val="accent1"/>
+          </a:fillRef>
+          <a:effectRef idx="0">
+            <a:schemeClr val="accent1"/>
+          </a:effectRef>
+          <a:fontRef idx="minor">
+            <a:schemeClr val="tx1"/>
+          </a:fontRef>
+        </p:style>
+      </p:cxnSp>
+      <p:cxnSp>
+        <p:nvCxnSpPr>
+          <p:cNvPr id="148" name="Connector: Elbow 147">
+            <a:extLst>
+              <a:ext uri="{FF2B5EF4-FFF2-40B4-BE49-F238E27FC236}">
+                <a16:creationId xmlns:a16="http://schemas.microsoft.com/office/drawing/2014/main" id="{CE2FE04E-B914-4298-9BAD-8E9935A6764C}"/>
+              </a:ext>
+            </a:extLst>
+          </p:cNvPr>
+          <p:cNvCxnSpPr>
+            <a:cxnSpLocks/>
+            <a:stCxn id="37" idx="3"/>
+            <a:endCxn id="59" idx="1"/>
+          </p:cNvCxnSpPr>
+          <p:nvPr/>
+        </p:nvCxnSpPr>
+        <p:spPr>
+          <a:xfrm flipV="1">
+            <a:off x="3916133" y="4190639"/>
+            <a:ext cx="925288" cy="374336"/>
+          </a:xfrm>
+          <a:prstGeom prst="bentConnector3">
+            <a:avLst>
+              <a:gd name="adj1" fmla="val 50000"/>
+            </a:avLst>
+          </a:prstGeom>
+          <a:ln>
+            <a:tailEnd type="triangle"/>
+          </a:ln>
+        </p:spPr>
+        <p:style>
+          <a:lnRef idx="1">
+            <a:schemeClr val="accent1"/>
+          </a:lnRef>
+          <a:fillRef idx="0">
+            <a:schemeClr val="accent1"/>
+          </a:fillRef>
+          <a:effectRef idx="0">
+            <a:schemeClr val="accent1"/>
+          </a:effectRef>
+          <a:fontRef idx="minor">
+            <a:schemeClr val="tx1"/>
+          </a:fontRef>
+        </p:style>
+      </p:cxnSp>
+      <p:cxnSp>
+        <p:nvCxnSpPr>
+          <p:cNvPr id="152" name="Straight Arrow Connector 151">
+            <a:extLst>
+              <a:ext uri="{FF2B5EF4-FFF2-40B4-BE49-F238E27FC236}">
+                <a16:creationId xmlns:a16="http://schemas.microsoft.com/office/drawing/2014/main" id="{661FA429-BD07-4A95-8EEC-066819EFC090}"/>
+              </a:ext>
+            </a:extLst>
+          </p:cNvPr>
+          <p:cNvCxnSpPr>
+            <a:cxnSpLocks/>
+            <a:stCxn id="39" idx="3"/>
+            <a:endCxn id="65" idx="1"/>
+          </p:cNvCxnSpPr>
+          <p:nvPr/>
+        </p:nvCxnSpPr>
+        <p:spPr>
+          <a:xfrm>
+            <a:off x="3916133" y="5384015"/>
+            <a:ext cx="925288" cy="731"/>
+          </a:xfrm>
+          <a:prstGeom prst="straightConnector1">
+            <a:avLst/>
+          </a:prstGeom>
+          <a:ln>
+            <a:tailEnd type="triangle"/>
+          </a:ln>
+        </p:spPr>
+        <p:style>
+          <a:lnRef idx="1">
+            <a:schemeClr val="accent1"/>
+          </a:lnRef>
+          <a:fillRef idx="0">
+            <a:schemeClr val="accent1"/>
+          </a:fillRef>
+          <a:effectRef idx="0">
+            <a:schemeClr val="accent1"/>
+          </a:effectRef>
+          <a:fontRef idx="minor">
+            <a:schemeClr val="tx1"/>
+          </a:fontRef>
+        </p:style>
+      </p:cxnSp>
+      <p:cxnSp>
+        <p:nvCxnSpPr>
+          <p:cNvPr id="154" name="Straight Arrow Connector 153">
+            <a:extLst>
+              <a:ext uri="{FF2B5EF4-FFF2-40B4-BE49-F238E27FC236}">
+                <a16:creationId xmlns:a16="http://schemas.microsoft.com/office/drawing/2014/main" id="{FFA19AB6-4E8F-40D2-92C1-058388652236}"/>
+              </a:ext>
+            </a:extLst>
+          </p:cNvPr>
+          <p:cNvCxnSpPr>
+            <a:cxnSpLocks/>
+            <a:stCxn id="41" idx="3"/>
+            <a:endCxn id="67" idx="1"/>
+          </p:cNvCxnSpPr>
+          <p:nvPr/>
+        </p:nvCxnSpPr>
+        <p:spPr>
+          <a:xfrm>
+            <a:off x="3916132" y="6334973"/>
+            <a:ext cx="925289" cy="2723"/>
+          </a:xfrm>
+          <a:prstGeom prst="straightConnector1">
+            <a:avLst/>
+          </a:prstGeom>
+          <a:ln>
+            <a:tailEnd type="triangle"/>
+          </a:ln>
+        </p:spPr>
+        <p:style>
+          <a:lnRef idx="1">
+            <a:schemeClr val="accent1"/>
+          </a:lnRef>
+          <a:fillRef idx="0">
+            <a:schemeClr val="accent1"/>
+          </a:fillRef>
+          <a:effectRef idx="0">
+            <a:schemeClr val="accent1"/>
+          </a:effectRef>
+          <a:fontRef idx="minor">
+            <a:schemeClr val="tx1"/>
+          </a:fontRef>
+        </p:style>
+      </p:cxnSp>
     </p:spTree>
     <p:extLst>
       <p:ext uri="{BB962C8B-B14F-4D97-AF65-F5344CB8AC3E}">
@@ -5463,23 +9429,23 @@
         <p:spPr>
           <a:xfrm>
             <a:off x="84365" y="156710"/>
-            <a:ext cx="10101942" cy="506186"/>
+            <a:ext cx="11672206" cy="506186"/>
           </a:xfrm>
         </p:spPr>
         <p:txBody>
           <a:bodyPr>
-            <a:normAutofit fontScale="90000"/>
+            <a:normAutofit/>
           </a:bodyPr>
           <a:lstStyle/>
           <a:p>
             <a:pPr algn="l"/>
             <a:r>
-              <a:rPr lang="en-US" sz="2400" b="1" dirty="0">
+              <a:rPr lang="en-US" sz="2000" b="1" dirty="0">
                 <a:solidFill>
                   <a:srgbClr val="FF0000"/>
                 </a:solidFill>
               </a:rPr>
-              <a:t>Logistic Regression – Forecasting the probability of an Up/Down Move – All in one !</a:t>
+              <a:t>Logistic Regression – All in one !!</a:t>
             </a:r>
           </a:p>
         </p:txBody>
@@ -5566,15 +9532,7 @@
               <a:buFont typeface="Arial" panose="020B0604020202020204" pitchFamily="34" charset="0"/>
               <a:buChar char="•"/>
             </a:pPr>
-            <a:r>
-              <a:rPr lang="en-US" sz="2000" dirty="0"/>
-              <a:t>The first model </a:t>
-            </a:r>
-            <a:r>
-              <a:rPr lang="en-US" sz="2000"/>
-              <a:t>I experienced </a:t>
-            </a:r>
-            <a:endParaRPr lang="en-US" sz="2000" dirty="0"/>
+            <a:endParaRPr lang="en-US" sz="1600" dirty="0"/>
           </a:p>
           <a:p>
             <a:pPr marL="342900" indent="-342900">
@@ -5651,12 +9609,531 @@
           </a:p>
         </p:txBody>
       </p:sp>
+    </p:spTree>
+    <p:extLst>
+      <p:ext uri="{BB962C8B-B14F-4D97-AF65-F5344CB8AC3E}">
+        <p14:creationId xmlns:p14="http://schemas.microsoft.com/office/powerpoint/2010/main" val="485817502"/>
+      </p:ext>
+    </p:extLst>
+  </p:cSld>
+  <p:clrMapOvr>
+    <a:masterClrMapping/>
+  </p:clrMapOvr>
+</p:sld>
+</file>
+
+<file path=ppt/slides/slide4.xml><?xml version="1.0" encoding="utf-8"?>
+<p:sld xmlns:a="http://schemas.openxmlformats.org/drawingml/2006/main" xmlns:r="http://schemas.openxmlformats.org/officeDocument/2006/relationships" xmlns:p="http://schemas.openxmlformats.org/presentationml/2006/main">
+  <p:cSld>
+    <p:spTree>
+      <p:nvGrpSpPr>
+        <p:cNvPr id="1" name=""/>
+        <p:cNvGrpSpPr/>
+        <p:nvPr/>
+      </p:nvGrpSpPr>
+      <p:grpSpPr>
+        <a:xfrm>
+          <a:off x="0" y="0"/>
+          <a:ext cx="0" cy="0"/>
+          <a:chOff x="0" y="0"/>
+          <a:chExt cx="0" cy="0"/>
+        </a:xfrm>
+      </p:grpSpPr>
+      <p:sp>
+        <p:nvSpPr>
+          <p:cNvPr id="2" name="Title 1">
+            <a:extLst>
+              <a:ext uri="{FF2B5EF4-FFF2-40B4-BE49-F238E27FC236}">
+                <a16:creationId xmlns:a16="http://schemas.microsoft.com/office/drawing/2014/main" id="{DAB68D43-E877-470D-B8DD-DB6CF3339724}"/>
+              </a:ext>
+            </a:extLst>
+          </p:cNvPr>
+          <p:cNvSpPr>
+            <a:spLocks noGrp="1"/>
+          </p:cNvSpPr>
+          <p:nvPr>
+            <p:ph type="ctrTitle"/>
+          </p:nvPr>
+        </p:nvSpPr>
+        <p:spPr>
+          <a:xfrm>
+            <a:off x="84365" y="156710"/>
+            <a:ext cx="11672206" cy="506186"/>
+          </a:xfrm>
+        </p:spPr>
+        <p:txBody>
+          <a:bodyPr>
+            <a:normAutofit/>
+          </a:bodyPr>
+          <a:lstStyle/>
+          <a:p>
+            <a:pPr algn="l"/>
+            <a:r>
+              <a:rPr lang="en-US" sz="2000" b="1" dirty="0">
+                <a:solidFill>
+                  <a:srgbClr val="FF0000"/>
+                </a:solidFill>
+              </a:rPr>
+              <a:t>A deeper dive into the data…</a:t>
+            </a:r>
+          </a:p>
+        </p:txBody>
+      </p:sp>
+      <p:sp>
+        <p:nvSpPr>
+          <p:cNvPr id="6" name="Subtitle 2">
+            <a:extLst>
+              <a:ext uri="{FF2B5EF4-FFF2-40B4-BE49-F238E27FC236}">
+                <a16:creationId xmlns:a16="http://schemas.microsoft.com/office/drawing/2014/main" id="{369DBA87-DDB6-4BEF-82A6-D2C014ED8A80}"/>
+              </a:ext>
+            </a:extLst>
+          </p:cNvPr>
+          <p:cNvSpPr>
+            <a:spLocks noGrp="1"/>
+          </p:cNvSpPr>
+          <p:nvPr>
+            <p:ph type="subTitle" idx="1"/>
+          </p:nvPr>
+        </p:nvSpPr>
+        <p:spPr>
+          <a:xfrm>
+            <a:off x="195943" y="662896"/>
+            <a:ext cx="11438163" cy="5982834"/>
+          </a:xfrm>
+        </p:spPr>
+        <p:txBody>
+          <a:bodyPr/>
+          <a:lstStyle/>
+          <a:p>
+            <a:pPr lvl="1" algn="l"/>
+            <a:endParaRPr lang="en-US" dirty="0"/>
+          </a:p>
+          <a:p>
+            <a:pPr lvl="1" algn="l"/>
+            <a:endParaRPr lang="en-US" dirty="0"/>
+          </a:p>
+          <a:p>
+            <a:pPr lvl="1" algn="l"/>
+            <a:endParaRPr lang="en-US" dirty="0"/>
+          </a:p>
+          <a:p>
+            <a:pPr lvl="1" algn="l"/>
+            <a:endParaRPr lang="en-US" dirty="0"/>
+          </a:p>
+          <a:p>
+            <a:pPr lvl="1" algn="l"/>
+            <a:endParaRPr lang="en-US" dirty="0"/>
+          </a:p>
+          <a:p>
+            <a:pPr lvl="1" algn="l"/>
+            <a:endParaRPr lang="en-US" dirty="0"/>
+          </a:p>
+        </p:txBody>
+      </p:sp>
+      <p:sp>
+        <p:nvSpPr>
+          <p:cNvPr id="3" name="Rectangle 2">
+            <a:extLst>
+              <a:ext uri="{FF2B5EF4-FFF2-40B4-BE49-F238E27FC236}">
+                <a16:creationId xmlns:a16="http://schemas.microsoft.com/office/drawing/2014/main" id="{AE8F4937-F339-452D-B4E0-03F6F922145D}"/>
+              </a:ext>
+            </a:extLst>
+          </p:cNvPr>
+          <p:cNvSpPr/>
+          <p:nvPr/>
+        </p:nvSpPr>
+        <p:spPr>
+          <a:xfrm>
+            <a:off x="84365" y="731788"/>
+            <a:ext cx="11911692" cy="2985433"/>
+          </a:xfrm>
+          <a:prstGeom prst="rect">
+            <a:avLst/>
+          </a:prstGeom>
+        </p:spPr>
+        <p:txBody>
+          <a:bodyPr wrap="square">
+            <a:spAutoFit/>
+          </a:bodyPr>
+          <a:lstStyle/>
+          <a:p>
+            <a:pPr marL="342900" indent="-342900">
+              <a:buFont typeface="Arial" panose="020B0604020202020204" pitchFamily="34" charset="0"/>
+              <a:buChar char="•"/>
+            </a:pPr>
+            <a:r>
+              <a:rPr lang="en-US" sz="2000" b="1" i="1" u="sng" dirty="0"/>
+              <a:t>Intuition:</a:t>
+            </a:r>
+          </a:p>
+          <a:p>
+            <a:pPr marL="800100" lvl="1" indent="-342900">
+              <a:buFont typeface="Arial" panose="020B0604020202020204" pitchFamily="34" charset="0"/>
+              <a:buChar char="•"/>
+            </a:pPr>
+            <a:endParaRPr lang="en-US" sz="2000" dirty="0"/>
+          </a:p>
+          <a:p>
+            <a:pPr marL="342900" indent="-342900">
+              <a:buFont typeface="Arial" panose="020B0604020202020204" pitchFamily="34" charset="0"/>
+              <a:buChar char="•"/>
+            </a:pPr>
+            <a:endParaRPr lang="en-US" sz="1600" dirty="0"/>
+          </a:p>
+          <a:p>
+            <a:pPr marL="800100" lvl="1" indent="-342900">
+              <a:buFont typeface="Arial" panose="020B0604020202020204" pitchFamily="34" charset="0"/>
+              <a:buChar char="•"/>
+            </a:pPr>
+            <a:endParaRPr lang="en-US" sz="1600" dirty="0"/>
+          </a:p>
+          <a:p>
+            <a:pPr marL="800100" lvl="1" indent="-342900">
+              <a:buFont typeface="Arial" panose="020B0604020202020204" pitchFamily="34" charset="0"/>
+              <a:buChar char="•"/>
+            </a:pPr>
+            <a:endParaRPr lang="en-US" sz="2000" dirty="0"/>
+          </a:p>
+          <a:p>
+            <a:pPr marL="800100" lvl="1" indent="-342900">
+              <a:buFont typeface="Arial" panose="020B0604020202020204" pitchFamily="34" charset="0"/>
+              <a:buChar char="•"/>
+            </a:pPr>
+            <a:endParaRPr lang="en-US" sz="2000" dirty="0"/>
+          </a:p>
+          <a:p>
+            <a:pPr marL="800100" lvl="1" indent="-342900">
+              <a:buFont typeface="Arial" panose="020B0604020202020204" pitchFamily="34" charset="0"/>
+              <a:buChar char="•"/>
+            </a:pPr>
+            <a:endParaRPr lang="en-US" sz="2000" dirty="0"/>
+          </a:p>
+          <a:p>
+            <a:pPr marL="800100" lvl="1" indent="-342900">
+              <a:buFont typeface="Arial" panose="020B0604020202020204" pitchFamily="34" charset="0"/>
+              <a:buChar char="•"/>
+            </a:pPr>
+            <a:endParaRPr lang="en-US" sz="2000" dirty="0"/>
+          </a:p>
+          <a:p>
+            <a:pPr marL="800100" lvl="1" indent="-342900">
+              <a:buFont typeface="Arial" panose="020B0604020202020204" pitchFamily="34" charset="0"/>
+              <a:buChar char="•"/>
+            </a:pPr>
+            <a:endParaRPr lang="en-US" sz="2000" dirty="0"/>
+          </a:p>
+          <a:p>
+            <a:pPr marL="342900" indent="-342900">
+              <a:buFont typeface="Arial" panose="020B0604020202020204" pitchFamily="34" charset="0"/>
+              <a:buChar char="•"/>
+            </a:pPr>
+            <a:endParaRPr lang="en-US" sz="1600" dirty="0"/>
+          </a:p>
+        </p:txBody>
+      </p:sp>
+    </p:spTree>
+    <p:extLst>
+      <p:ext uri="{BB962C8B-B14F-4D97-AF65-F5344CB8AC3E}">
+        <p14:creationId xmlns:p14="http://schemas.microsoft.com/office/powerpoint/2010/main" val="3881995482"/>
+      </p:ext>
+    </p:extLst>
+  </p:cSld>
+  <p:clrMapOvr>
+    <a:masterClrMapping/>
+  </p:clrMapOvr>
+</p:sld>
+</file>
+
+<file path=ppt/slides/slide5.xml><?xml version="1.0" encoding="utf-8"?>
+<p:sld xmlns:a="http://schemas.openxmlformats.org/drawingml/2006/main" xmlns:r="http://schemas.openxmlformats.org/officeDocument/2006/relationships" xmlns:p="http://schemas.openxmlformats.org/presentationml/2006/main">
+  <p:cSld>
+    <p:spTree>
+      <p:nvGrpSpPr>
+        <p:cNvPr id="1" name=""/>
+        <p:cNvGrpSpPr/>
+        <p:nvPr/>
+      </p:nvGrpSpPr>
+      <p:grpSpPr>
+        <a:xfrm>
+          <a:off x="0" y="0"/>
+          <a:ext cx="0" cy="0"/>
+          <a:chOff x="0" y="0"/>
+          <a:chExt cx="0" cy="0"/>
+        </a:xfrm>
+      </p:grpSpPr>
+      <p:sp>
+        <p:nvSpPr>
+          <p:cNvPr id="2" name="Title 1">
+            <a:extLst>
+              <a:ext uri="{FF2B5EF4-FFF2-40B4-BE49-F238E27FC236}">
+                <a16:creationId xmlns:a16="http://schemas.microsoft.com/office/drawing/2014/main" id="{DAB68D43-E877-470D-B8DD-DB6CF3339724}"/>
+              </a:ext>
+            </a:extLst>
+          </p:cNvPr>
+          <p:cNvSpPr>
+            <a:spLocks noGrp="1"/>
+          </p:cNvSpPr>
+          <p:nvPr>
+            <p:ph type="ctrTitle"/>
+          </p:nvPr>
+        </p:nvSpPr>
+        <p:spPr>
+          <a:xfrm>
+            <a:off x="142876" y="225602"/>
+            <a:ext cx="11672206" cy="506186"/>
+          </a:xfrm>
+        </p:spPr>
+        <p:txBody>
+          <a:bodyPr>
+            <a:normAutofit/>
+          </a:bodyPr>
+          <a:lstStyle/>
+          <a:p>
+            <a:pPr algn="l"/>
+            <a:r>
+              <a:rPr lang="en-US" sz="2000" b="1" dirty="0">
+                <a:solidFill>
+                  <a:srgbClr val="FF0000"/>
+                </a:solidFill>
+              </a:rPr>
+              <a:t>Logistic Regression – Looking at a fewest features and diving into the numbers</a:t>
+            </a:r>
+          </a:p>
+        </p:txBody>
+      </p:sp>
+      <p:sp>
+        <p:nvSpPr>
+          <p:cNvPr id="6" name="Subtitle 2">
+            <a:extLst>
+              <a:ext uri="{FF2B5EF4-FFF2-40B4-BE49-F238E27FC236}">
+                <a16:creationId xmlns:a16="http://schemas.microsoft.com/office/drawing/2014/main" id="{369DBA87-DDB6-4BEF-82A6-D2C014ED8A80}"/>
+              </a:ext>
+            </a:extLst>
+          </p:cNvPr>
+          <p:cNvSpPr>
+            <a:spLocks noGrp="1"/>
+          </p:cNvSpPr>
+          <p:nvPr>
+            <p:ph type="subTitle" idx="1"/>
+          </p:nvPr>
+        </p:nvSpPr>
+        <p:spPr>
+          <a:xfrm>
+            <a:off x="1" y="662896"/>
+            <a:ext cx="11634106" cy="5982834"/>
+          </a:xfrm>
+        </p:spPr>
+        <p:txBody>
+          <a:bodyPr/>
+          <a:lstStyle/>
+          <a:p>
+            <a:pPr lvl="1" algn="l"/>
+            <a:endParaRPr lang="en-US" dirty="0"/>
+          </a:p>
+          <a:p>
+            <a:pPr lvl="1" algn="l"/>
+            <a:endParaRPr lang="en-US" dirty="0"/>
+          </a:p>
+          <a:p>
+            <a:pPr lvl="1" algn="l"/>
+            <a:endParaRPr lang="en-US" dirty="0"/>
+          </a:p>
+          <a:p>
+            <a:pPr lvl="1" algn="l"/>
+            <a:endParaRPr lang="en-US" dirty="0"/>
+          </a:p>
+          <a:p>
+            <a:pPr lvl="1" algn="l"/>
+            <a:endParaRPr lang="en-US" dirty="0"/>
+          </a:p>
+          <a:p>
+            <a:pPr lvl="1" algn="l"/>
+            <a:endParaRPr lang="en-US" dirty="0"/>
+          </a:p>
+          <a:p>
+            <a:pPr lvl="1" algn="l"/>
+            <a:endParaRPr lang="en-US" dirty="0"/>
+          </a:p>
+          <a:p>
+            <a:pPr lvl="1" algn="l"/>
+            <a:endParaRPr lang="en-US" dirty="0"/>
+          </a:p>
+          <a:p>
+            <a:pPr lvl="1" algn="l"/>
+            <a:endParaRPr lang="en-US" dirty="0"/>
+          </a:p>
+          <a:p>
+            <a:pPr lvl="1" algn="l"/>
+            <a:endParaRPr lang="en-US" b="1" i="1" u="sng" dirty="0"/>
+          </a:p>
+          <a:p>
+            <a:pPr lvl="1" algn="l"/>
+            <a:endParaRPr lang="en-US" dirty="0"/>
+          </a:p>
+        </p:txBody>
+      </p:sp>
+      <p:sp>
+        <p:nvSpPr>
+          <p:cNvPr id="3" name="Rectangle 2">
+            <a:extLst>
+              <a:ext uri="{FF2B5EF4-FFF2-40B4-BE49-F238E27FC236}">
+                <a16:creationId xmlns:a16="http://schemas.microsoft.com/office/drawing/2014/main" id="{AE8F4937-F339-452D-B4E0-03F6F922145D}"/>
+              </a:ext>
+            </a:extLst>
+          </p:cNvPr>
+          <p:cNvSpPr/>
+          <p:nvPr/>
+        </p:nvSpPr>
+        <p:spPr>
+          <a:xfrm>
+            <a:off x="84365" y="731788"/>
+            <a:ext cx="11911692" cy="4524315"/>
+          </a:xfrm>
+          <a:prstGeom prst="rect">
+            <a:avLst/>
+          </a:prstGeom>
+        </p:spPr>
+        <p:txBody>
+          <a:bodyPr wrap="square">
+            <a:spAutoFit/>
+          </a:bodyPr>
+          <a:lstStyle/>
+          <a:p>
+            <a:pPr marL="342900" indent="-342900">
+              <a:buFont typeface="Arial" panose="020B0604020202020204" pitchFamily="34" charset="0"/>
+              <a:buChar char="•"/>
+            </a:pPr>
+            <a:r>
+              <a:rPr lang="en-US" sz="2000" dirty="0"/>
+              <a:t>The model previously used had all the features</a:t>
+            </a:r>
+          </a:p>
+          <a:p>
+            <a:pPr marL="342900" indent="-342900">
+              <a:buFont typeface="Arial" panose="020B0604020202020204" pitchFamily="34" charset="0"/>
+              <a:buChar char="•"/>
+            </a:pPr>
+            <a:r>
+              <a:rPr lang="en-US" sz="2000" dirty="0"/>
+              <a:t>Trying to predict a signal defined as y(t) = 1 if Nikkei_Close (t) &gt; Nikkei(t-1) </a:t>
+            </a:r>
+          </a:p>
+          <a:p>
+            <a:pPr marL="342900" indent="-342900">
+              <a:buFont typeface="Arial" panose="020B0604020202020204" pitchFamily="34" charset="0"/>
+              <a:buChar char="•"/>
+            </a:pPr>
+            <a:endParaRPr lang="en-US" sz="2000" b="1" i="1" u="sng" dirty="0"/>
+          </a:p>
+          <a:p>
+            <a:pPr marL="342900" indent="-342900">
+              <a:buFont typeface="Arial" panose="020B0604020202020204" pitchFamily="34" charset="0"/>
+              <a:buChar char="•"/>
+            </a:pPr>
+            <a:r>
+              <a:rPr lang="en-US" sz="2000" b="1" i="1" dirty="0"/>
+              <a:t>Features used                                                                                                                Training/Testing Data</a:t>
+            </a:r>
+            <a:endParaRPr lang="en-US" sz="2000" dirty="0"/>
+          </a:p>
+          <a:p>
+            <a:pPr marL="800100" lvl="1" indent="-342900">
+              <a:buFont typeface="Arial" panose="020B0604020202020204" pitchFamily="34" charset="0"/>
+              <a:buChar char="•"/>
+            </a:pPr>
+            <a:endParaRPr lang="en-US" sz="2000" dirty="0"/>
+          </a:p>
+          <a:p>
+            <a:pPr marL="800100" lvl="1" indent="-342900">
+              <a:buFont typeface="Arial" panose="020B0604020202020204" pitchFamily="34" charset="0"/>
+              <a:buChar char="•"/>
+            </a:pPr>
+            <a:endParaRPr lang="en-US" sz="2000" dirty="0"/>
+          </a:p>
+          <a:p>
+            <a:pPr marL="800100" lvl="1" indent="-342900">
+              <a:buFont typeface="Arial" panose="020B0604020202020204" pitchFamily="34" charset="0"/>
+              <a:buChar char="•"/>
+            </a:pPr>
+            <a:endParaRPr lang="en-US" sz="2000" dirty="0"/>
+          </a:p>
+          <a:p>
+            <a:pPr marL="800100" lvl="1" indent="-342900">
+              <a:buFont typeface="Arial" panose="020B0604020202020204" pitchFamily="34" charset="0"/>
+              <a:buChar char="•"/>
+            </a:pPr>
+            <a:endParaRPr lang="en-US" sz="2000" dirty="0"/>
+          </a:p>
+          <a:p>
+            <a:pPr marL="342900" indent="-342900">
+              <a:buFont typeface="Arial" panose="020B0604020202020204" pitchFamily="34" charset="0"/>
+              <a:buChar char="•"/>
+            </a:pPr>
+            <a:endParaRPr lang="en-US" sz="1600" dirty="0"/>
+          </a:p>
+          <a:p>
+            <a:pPr marL="342900" indent="-342900">
+              <a:buFont typeface="Arial" panose="020B0604020202020204" pitchFamily="34" charset="0"/>
+              <a:buChar char="•"/>
+            </a:pPr>
+            <a:endParaRPr lang="en-US" sz="1600" dirty="0"/>
+          </a:p>
+          <a:p>
+            <a:endParaRPr lang="en-US" sz="1600" dirty="0"/>
+          </a:p>
+          <a:p>
+            <a:endParaRPr lang="en-US" sz="1600" dirty="0"/>
+          </a:p>
+          <a:p>
+            <a:endParaRPr lang="en-US" sz="1600" dirty="0"/>
+          </a:p>
+          <a:p>
+            <a:endParaRPr lang="en-US" sz="1600" dirty="0"/>
+          </a:p>
+          <a:p>
+            <a:endParaRPr lang="en-US" sz="1600" dirty="0"/>
+          </a:p>
+          <a:p>
+            <a:endParaRPr lang="en-US" sz="1600" dirty="0"/>
+          </a:p>
+        </p:txBody>
+      </p:sp>
+      <p:pic>
+        <p:nvPicPr>
+          <p:cNvPr id="8" name="Picture 7">
+            <a:extLst>
+              <a:ext uri="{FF2B5EF4-FFF2-40B4-BE49-F238E27FC236}">
+                <a16:creationId xmlns:a16="http://schemas.microsoft.com/office/drawing/2014/main" id="{FF3C1076-88CC-438E-A668-602C9C48038C}"/>
+              </a:ext>
+            </a:extLst>
+          </p:cNvPr>
+          <p:cNvPicPr>
+            <a:picLocks noChangeAspect="1"/>
+          </p:cNvPicPr>
+          <p:nvPr/>
+        </p:nvPicPr>
+        <p:blipFill>
+          <a:blip r:embed="rId2"/>
+          <a:stretch>
+            <a:fillRect/>
+          </a:stretch>
+        </p:blipFill>
+        <p:spPr>
+          <a:xfrm>
+            <a:off x="195943" y="1976437"/>
+            <a:ext cx="6233157" cy="1864043"/>
+          </a:xfrm>
+          <a:prstGeom prst="rect">
+            <a:avLst/>
+          </a:prstGeom>
+        </p:spPr>
+      </p:pic>
       <p:graphicFrame>
         <p:nvGraphicFramePr>
-          <p:cNvPr id="5" name="Table 4">
-            <a:extLst>
-              <a:ext uri="{FF2B5EF4-FFF2-40B4-BE49-F238E27FC236}">
-                <a16:creationId xmlns:a16="http://schemas.microsoft.com/office/drawing/2014/main" id="{28F4B430-5100-4573-83DE-74E6BDC52C9F}"/>
+          <p:cNvPr id="11" name="Table 10">
+            <a:extLst>
+              <a:ext uri="{FF2B5EF4-FFF2-40B4-BE49-F238E27FC236}">
+                <a16:creationId xmlns:a16="http://schemas.microsoft.com/office/drawing/2014/main" id="{7AC041B8-EC4B-43B1-AA86-DE1EDC70F2D0}"/>
               </a:ext>
             </a:extLst>
           </p:cNvPr>
@@ -5666,14 +10143,14 @@
           <p:nvPr>
             <p:extLst>
               <p:ext uri="{D42A27DB-BD31-4B8C-83A1-F6EECF244321}">
-                <p14:modId xmlns:p14="http://schemas.microsoft.com/office/powerpoint/2010/main" val="3773288126"/>
+                <p14:modId xmlns:p14="http://schemas.microsoft.com/office/powerpoint/2010/main" val="2168516754"/>
               </p:ext>
             </p:extLst>
           </p:nvPr>
         </p:nvGraphicFramePr>
         <p:xfrm>
-          <a:off x="84365" y="1711993"/>
-          <a:ext cx="6245793" cy="1942320"/>
+          <a:off x="7372350" y="2056197"/>
+          <a:ext cx="3835400" cy="590550"/>
         </p:xfrm>
         <a:graphic>
           <a:graphicData uri="http://schemas.openxmlformats.org/drawingml/2006/table">
@@ -5682,29 +10159,46 @@
                 <a:tableStyleId>{5C22544A-7EE6-4342-B048-85BDC9FD1C3A}</a:tableStyleId>
               </a:tblPr>
               <a:tblGrid>
-                <a:gridCol w="2191122">
+                <a:gridCol w="1066800">
                   <a:extLst>
                     <a:ext uri="{9D8B030D-6E8A-4147-A177-3AD203B41FA5}">
-                      <a16:colId xmlns:a16="http://schemas.microsoft.com/office/drawing/2014/main" val="2801727121"/>
+                      <a16:colId xmlns:a16="http://schemas.microsoft.com/office/drawing/2014/main" val="3534125193"/>
                     </a:ext>
                   </a:extLst>
                 </a:gridCol>
-                <a:gridCol w="1501541">
+                <a:gridCol w="1435100">
                   <a:extLst>
                     <a:ext uri="{9D8B030D-6E8A-4147-A177-3AD203B41FA5}">
-                      <a16:colId xmlns:a16="http://schemas.microsoft.com/office/drawing/2014/main" val="3546170430"/>
+                      <a16:colId xmlns:a16="http://schemas.microsoft.com/office/drawing/2014/main" val="1381721289"/>
                     </a:ext>
                   </a:extLst>
                 </a:gridCol>
-                <a:gridCol w="2553130">
+                <a:gridCol w="1333500">
                   <a:extLst>
                     <a:ext uri="{9D8B030D-6E8A-4147-A177-3AD203B41FA5}">
-                      <a16:colId xmlns:a16="http://schemas.microsoft.com/office/drawing/2014/main" val="613835898"/>
+                      <a16:colId xmlns:a16="http://schemas.microsoft.com/office/drawing/2014/main" val="2910920485"/>
                     </a:ext>
                   </a:extLst>
                 </a:gridCol>
               </a:tblGrid>
-              <a:tr h="194232">
+              <a:tr h="200025">
+                <a:tc>
+                  <a:txBody>
+                    <a:bodyPr/>
+                    <a:lstStyle/>
+                    <a:p>
+                      <a:pPr algn="l" fontAlgn="b"/>
+                      <a:endParaRPr lang="en-US" sz="1100" b="1" i="0" u="none" strike="noStrike" dirty="0">
+                        <a:solidFill>
+                          <a:srgbClr val="000000"/>
+                        </a:solidFill>
+                        <a:effectLst/>
+                        <a:latin typeface="Calibri" panose="020F0502020204030204" pitchFamily="34" charset="0"/>
+                      </a:endParaRPr>
+                    </a:p>
+                  </a:txBody>
+                  <a:tcPr marL="9525" marR="9525" marT="9525" marB="0" anchor="b"/>
+                </a:tc>
                 <a:tc>
                   <a:txBody>
                     <a:bodyPr/>
@@ -5712,12 +10206,12 @@
                     <a:p>
                       <a:pPr algn="l" fontAlgn="b"/>
                       <a:r>
-                        <a:rPr lang="en-US" sz="1200" b="1" u="none" strike="noStrike" dirty="0">
+                        <a:rPr lang="en-US" sz="1100" b="1" u="none" strike="noStrike" dirty="0">
                           <a:effectLst/>
                         </a:rPr>
-                        <a:t>Feature</a:t>
+                        <a:t>From </a:t>
                       </a:r>
-                      <a:endParaRPr lang="en-US" sz="1200" b="1" i="0" u="none" strike="noStrike" dirty="0">
+                      <a:endParaRPr lang="en-US" sz="1100" b="1" i="0" u="none" strike="noStrike" dirty="0">
                         <a:solidFill>
                           <a:srgbClr val="000000"/>
                         </a:solidFill>
@@ -5742,42 +10236,12 @@
                     <a:p>
                       <a:pPr algn="l" fontAlgn="b"/>
                       <a:r>
-                        <a:rPr lang="en-US" sz="1200" b="1" u="none" strike="noStrike" dirty="0">
+                        <a:rPr lang="en-US" sz="1100" b="1" u="none" strike="noStrike" dirty="0">
                           <a:effectLst/>
                         </a:rPr>
-                        <a:t>Source</a:t>
+                        <a:t>To</a:t>
                       </a:r>
-                      <a:endParaRPr lang="en-US" sz="1200" b="1" i="0" u="none" strike="noStrike" dirty="0">
-                        <a:solidFill>
-                          <a:srgbClr val="000000"/>
-                        </a:solidFill>
-                        <a:effectLst/>
-                        <a:latin typeface="Calibri" panose="020F0502020204030204" pitchFamily="34" charset="0"/>
-                      </a:endParaRPr>
-                    </a:p>
-                  </a:txBody>
-                  <a:tcPr marL="9525" marR="9525" marT="9525" marB="0" anchor="b">
-                    <a:solidFill>
-                      <a:schemeClr val="accent1">
-                        <a:lumMod val="60000"/>
-                        <a:lumOff val="40000"/>
-                      </a:schemeClr>
-                    </a:solidFill>
-                  </a:tcPr>
-                </a:tc>
-                <a:tc>
-                  <a:txBody>
-                    <a:bodyPr/>
-                    <a:lstStyle/>
-                    <a:p>
-                      <a:pPr algn="l" fontAlgn="b"/>
-                      <a:r>
-                        <a:rPr lang="en-US" sz="1200" b="1" u="none" strike="noStrike" dirty="0">
-                          <a:effectLst/>
-                        </a:rPr>
-                        <a:t>Calculation</a:t>
-                      </a:r>
-                      <a:endParaRPr lang="en-US" sz="1200" b="1" i="0" u="none" strike="noStrike" dirty="0">
+                      <a:endParaRPr lang="en-US" sz="1100" b="1" i="0" u="none" strike="noStrike" dirty="0">
                         <a:solidFill>
                           <a:srgbClr val="000000"/>
                         </a:solidFill>
@@ -5797,11 +10261,11 @@
                 </a:tc>
                 <a:extLst>
                   <a:ext uri="{0D108BD9-81ED-4DB2-BD59-A6C34878D82A}">
-                    <a16:rowId xmlns:a16="http://schemas.microsoft.com/office/drawing/2014/main" val="3038878061"/>
+                    <a16:rowId xmlns:a16="http://schemas.microsoft.com/office/drawing/2014/main" val="3634632027"/>
                   </a:ext>
                 </a:extLst>
               </a:tr>
-              <a:tr h="194232">
+              <a:tr h="190500">
                 <a:tc>
                   <a:txBody>
                     <a:bodyPr/>
@@ -5809,12 +10273,12 @@
                     <a:p>
                       <a:pPr algn="l" fontAlgn="b"/>
                       <a:r>
-                        <a:rPr lang="en-US" sz="1200" u="none" strike="noStrike" dirty="0">
+                        <a:rPr lang="en-US" sz="1100" b="1" u="none" strike="noStrike">
                           <a:effectLst/>
                         </a:rPr>
-                        <a:t>SP500 Open Price (t)</a:t>
+                        <a:t>Training Data Set</a:t>
                       </a:r>
-                      <a:endParaRPr lang="en-US" sz="1200" b="0" i="0" u="none" strike="noStrike" dirty="0">
+                      <a:endParaRPr lang="en-US" sz="1100" b="1" i="0" u="none" strike="noStrike" dirty="0">
                         <a:solidFill>
                           <a:srgbClr val="000000"/>
                         </a:solidFill>
@@ -5830,14 +10294,14 @@
                     <a:bodyPr/>
                     <a:lstStyle/>
                     <a:p>
-                      <a:pPr algn="l" fontAlgn="b"/>
+                      <a:pPr algn="r" fontAlgn="b"/>
                       <a:r>
-                        <a:rPr lang="en-US" sz="1200" u="none" strike="noStrike" dirty="0">
+                        <a:rPr lang="en-US" sz="1100" u="none" strike="noStrike" dirty="0">
                           <a:effectLst/>
                         </a:rPr>
-                        <a:t>Raw Data </a:t>
+                        <a:t>1999-05-19</a:t>
                       </a:r>
-                      <a:endParaRPr lang="en-US" sz="1200" b="0" i="0" u="none" strike="noStrike" dirty="0">
+                      <a:endParaRPr lang="en-US" sz="1100" b="0" i="0" u="none" strike="noStrike" dirty="0">
                         <a:solidFill>
                           <a:srgbClr val="000000"/>
                         </a:solidFill>
@@ -5853,14 +10317,14 @@
                     <a:bodyPr/>
                     <a:lstStyle/>
                     <a:p>
-                      <a:pPr algn="ctr" fontAlgn="b"/>
+                      <a:pPr algn="r" fontAlgn="b"/>
                       <a:r>
-                        <a:rPr lang="en-US" sz="1200" u="none" strike="noStrike">
+                        <a:rPr lang="en-US" sz="1100" u="none" strike="noStrike">
                           <a:effectLst/>
                         </a:rPr>
-                        <a:t>-</a:t>
+                        <a:t>2015-09-14</a:t>
                       </a:r>
-                      <a:endParaRPr lang="en-US" sz="1200" b="0" i="0" u="none" strike="noStrike">
+                      <a:endParaRPr lang="en-US" sz="1100" b="0" i="0" u="none" strike="noStrike">
                         <a:solidFill>
                           <a:srgbClr val="000000"/>
                         </a:solidFill>
@@ -5873,11 +10337,11 @@
                 </a:tc>
                 <a:extLst>
                   <a:ext uri="{0D108BD9-81ED-4DB2-BD59-A6C34878D82A}">
-                    <a16:rowId xmlns:a16="http://schemas.microsoft.com/office/drawing/2014/main" val="778313294"/>
+                    <a16:rowId xmlns:a16="http://schemas.microsoft.com/office/drawing/2014/main" val="4242366501"/>
                   </a:ext>
                 </a:extLst>
               </a:tr>
-              <a:tr h="194232">
+              <a:tr h="200025">
                 <a:tc>
                   <a:txBody>
                     <a:bodyPr/>
@@ -5885,12 +10349,12 @@
                     <a:p>
                       <a:pPr algn="l" fontAlgn="b"/>
                       <a:r>
-                        <a:rPr lang="en-US" sz="1200" u="none" strike="noStrike" dirty="0">
+                        <a:rPr lang="en-US" sz="1100" b="1" u="none" strike="noStrike" dirty="0">
                           <a:effectLst/>
                         </a:rPr>
-                        <a:t>SP500 Close Price (t)</a:t>
+                        <a:t>Testing Data Set</a:t>
                       </a:r>
-                      <a:endParaRPr lang="en-US" sz="1200" b="0" i="0" u="none" strike="noStrike" dirty="0">
+                      <a:endParaRPr lang="en-US" sz="1100" b="1" i="0" u="none" strike="noStrike" dirty="0">
                         <a:solidFill>
                           <a:srgbClr val="000000"/>
                         </a:solidFill>
@@ -5906,14 +10370,14 @@
                     <a:bodyPr/>
                     <a:lstStyle/>
                     <a:p>
-                      <a:pPr algn="l" fontAlgn="b"/>
+                      <a:pPr algn="r" fontAlgn="b"/>
                       <a:r>
-                        <a:rPr lang="en-US" sz="1200" u="none" strike="noStrike" dirty="0">
+                        <a:rPr lang="en-US" sz="1100" u="none" strike="noStrike" dirty="0">
                           <a:effectLst/>
                         </a:rPr>
-                        <a:t>Raw Data </a:t>
+                        <a:t>2015-09-15</a:t>
                       </a:r>
-                      <a:endParaRPr lang="en-US" sz="1200" b="0" i="0" u="none" strike="noStrike" dirty="0">
+                      <a:endParaRPr lang="en-US" sz="1100" b="0" i="0" u="none" strike="noStrike" dirty="0">
                         <a:solidFill>
                           <a:srgbClr val="000000"/>
                         </a:solidFill>
@@ -5929,14 +10393,14 @@
                     <a:bodyPr/>
                     <a:lstStyle/>
                     <a:p>
-                      <a:pPr algn="ctr" fontAlgn="b"/>
+                      <a:pPr algn="r" fontAlgn="b"/>
                       <a:r>
-                        <a:rPr lang="en-US" sz="1200" u="none" strike="noStrike" dirty="0">
+                        <a:rPr lang="en-US" sz="1100" u="none" strike="noStrike" dirty="0">
                           <a:effectLst/>
                         </a:rPr>
-                        <a:t>-</a:t>
+                        <a:t>2020-07-02</a:t>
                       </a:r>
-                      <a:endParaRPr lang="en-US" sz="1200" b="0" i="0" u="none" strike="noStrike" dirty="0">
+                      <a:endParaRPr lang="en-US" sz="1100" b="0" i="0" u="none" strike="noStrike" dirty="0">
                         <a:solidFill>
                           <a:srgbClr val="000000"/>
                         </a:solidFill>
@@ -5949,575 +10413,7 @@
                 </a:tc>
                 <a:extLst>
                   <a:ext uri="{0D108BD9-81ED-4DB2-BD59-A6C34878D82A}">
-                    <a16:rowId xmlns:a16="http://schemas.microsoft.com/office/drawing/2014/main" val="4132939175"/>
-                  </a:ext>
-                </a:extLst>
-              </a:tr>
-              <a:tr h="194232">
-                <a:tc>
-                  <a:txBody>
-                    <a:bodyPr/>
-                    <a:lstStyle/>
-                    <a:p>
-                      <a:pPr algn="l" fontAlgn="b"/>
-                      <a:r>
-                        <a:rPr lang="en-US" sz="1200" u="none" strike="noStrike">
-                          <a:effectLst/>
-                        </a:rPr>
-                        <a:t>SP500_10_day_Moving_Average</a:t>
-                      </a:r>
-                      <a:endParaRPr lang="en-US" sz="1200" b="0" i="0" u="none" strike="noStrike">
-                        <a:solidFill>
-                          <a:srgbClr val="000000"/>
-                        </a:solidFill>
-                        <a:effectLst/>
-                        <a:latin typeface="Calibri" panose="020F0502020204030204" pitchFamily="34" charset="0"/>
-                      </a:endParaRPr>
-                    </a:p>
-                  </a:txBody>
-                  <a:tcPr marL="9525" marR="9525" marT="9525" marB="0" anchor="b"/>
-                </a:tc>
-                <a:tc>
-                  <a:txBody>
-                    <a:bodyPr/>
-                    <a:lstStyle/>
-                    <a:p>
-                      <a:pPr algn="l" fontAlgn="b"/>
-                      <a:r>
-                        <a:rPr lang="en-US" sz="1200" u="none" strike="noStrike" dirty="0">
-                          <a:effectLst/>
-                        </a:rPr>
-                        <a:t>Feature Engineering </a:t>
-                      </a:r>
-                      <a:endParaRPr lang="en-US" sz="1200" b="0" i="0" u="none" strike="noStrike" dirty="0">
-                        <a:solidFill>
-                          <a:srgbClr val="000000"/>
-                        </a:solidFill>
-                        <a:effectLst/>
-                        <a:latin typeface="Calibri" panose="020F0502020204030204" pitchFamily="34" charset="0"/>
-                      </a:endParaRPr>
-                    </a:p>
-                  </a:txBody>
-                  <a:tcPr marL="9525" marR="9525" marT="9525" marB="0" anchor="b"/>
-                </a:tc>
-                <a:tc>
-                  <a:txBody>
-                    <a:bodyPr/>
-                    <a:lstStyle/>
-                    <a:p>
-                      <a:pPr algn="l" fontAlgn="b"/>
-                      <a:r>
-                        <a:rPr lang="en-US" sz="1200" u="none" strike="noStrike">
-                          <a:effectLst/>
-                        </a:rPr>
-                        <a:t>10_day_Rolling_mean</a:t>
-                      </a:r>
-                      <a:endParaRPr lang="en-US" sz="1200" b="0" i="0" u="none" strike="noStrike">
-                        <a:solidFill>
-                          <a:srgbClr val="000000"/>
-                        </a:solidFill>
-                        <a:effectLst/>
-                        <a:latin typeface="Calibri" panose="020F0502020204030204" pitchFamily="34" charset="0"/>
-                      </a:endParaRPr>
-                    </a:p>
-                  </a:txBody>
-                  <a:tcPr marL="9525" marR="9525" marT="9525" marB="0" anchor="b"/>
-                </a:tc>
-                <a:extLst>
-                  <a:ext uri="{0D108BD9-81ED-4DB2-BD59-A6C34878D82A}">
-                    <a16:rowId xmlns:a16="http://schemas.microsoft.com/office/drawing/2014/main" val="731531310"/>
-                  </a:ext>
-                </a:extLst>
-              </a:tr>
-              <a:tr h="194232">
-                <a:tc>
-                  <a:txBody>
-                    <a:bodyPr/>
-                    <a:lstStyle/>
-                    <a:p>
-                      <a:pPr algn="l" fontAlgn="b"/>
-                      <a:r>
-                        <a:rPr lang="en-US" sz="1200" u="none" strike="noStrike">
-                          <a:effectLst/>
-                        </a:rPr>
-                        <a:t>SP500_10_day_Volatility_Average</a:t>
-                      </a:r>
-                      <a:endParaRPr lang="en-US" sz="1200" b="0" i="0" u="none" strike="noStrike">
-                        <a:solidFill>
-                          <a:srgbClr val="000000"/>
-                        </a:solidFill>
-                        <a:effectLst/>
-                        <a:latin typeface="Calibri" panose="020F0502020204030204" pitchFamily="34" charset="0"/>
-                      </a:endParaRPr>
-                    </a:p>
-                  </a:txBody>
-                  <a:tcPr marL="9525" marR="9525" marT="9525" marB="0" anchor="b"/>
-                </a:tc>
-                <a:tc>
-                  <a:txBody>
-                    <a:bodyPr/>
-                    <a:lstStyle/>
-                    <a:p>
-                      <a:pPr algn="l" fontAlgn="b"/>
-                      <a:r>
-                        <a:rPr lang="en-US" sz="1200" u="none" strike="noStrike">
-                          <a:effectLst/>
-                        </a:rPr>
-                        <a:t>Feature Engineering </a:t>
-                      </a:r>
-                      <a:endParaRPr lang="en-US" sz="1200" b="0" i="0" u="none" strike="noStrike">
-                        <a:solidFill>
-                          <a:srgbClr val="000000"/>
-                        </a:solidFill>
-                        <a:effectLst/>
-                        <a:latin typeface="Calibri" panose="020F0502020204030204" pitchFamily="34" charset="0"/>
-                      </a:endParaRPr>
-                    </a:p>
-                  </a:txBody>
-                  <a:tcPr marL="9525" marR="9525" marT="9525" marB="0" anchor="b"/>
-                </a:tc>
-                <a:tc>
-                  <a:txBody>
-                    <a:bodyPr/>
-                    <a:lstStyle/>
-                    <a:p>
-                      <a:pPr algn="l" fontAlgn="b"/>
-                      <a:r>
-                        <a:rPr lang="en-US" sz="1200" u="none" strike="noStrike" dirty="0">
-                          <a:effectLst/>
-                        </a:rPr>
-                        <a:t>10_day_Rolling_std</a:t>
-                      </a:r>
-                      <a:endParaRPr lang="en-US" sz="1200" b="0" i="0" u="none" strike="noStrike" dirty="0">
-                        <a:solidFill>
-                          <a:srgbClr val="000000"/>
-                        </a:solidFill>
-                        <a:effectLst/>
-                        <a:latin typeface="Calibri" panose="020F0502020204030204" pitchFamily="34" charset="0"/>
-                      </a:endParaRPr>
-                    </a:p>
-                  </a:txBody>
-                  <a:tcPr marL="9525" marR="9525" marT="9525" marB="0" anchor="b"/>
-                </a:tc>
-                <a:extLst>
-                  <a:ext uri="{0D108BD9-81ED-4DB2-BD59-A6C34878D82A}">
-                    <a16:rowId xmlns:a16="http://schemas.microsoft.com/office/drawing/2014/main" val="1486506407"/>
-                  </a:ext>
-                </a:extLst>
-              </a:tr>
-              <a:tr h="194232">
-                <a:tc>
-                  <a:txBody>
-                    <a:bodyPr/>
-                    <a:lstStyle/>
-                    <a:p>
-                      <a:pPr algn="l" fontAlgn="b"/>
-                      <a:r>
-                        <a:rPr lang="en-US" sz="1200" u="none" strike="noStrike">
-                          <a:effectLst/>
-                        </a:rPr>
-                        <a:t>SP500_10_day_Correlation</a:t>
-                      </a:r>
-                      <a:endParaRPr lang="en-US" sz="1200" b="0" i="0" u="none" strike="noStrike">
-                        <a:solidFill>
-                          <a:srgbClr val="000000"/>
-                        </a:solidFill>
-                        <a:effectLst/>
-                        <a:latin typeface="Calibri" panose="020F0502020204030204" pitchFamily="34" charset="0"/>
-                      </a:endParaRPr>
-                    </a:p>
-                  </a:txBody>
-                  <a:tcPr marL="9525" marR="9525" marT="9525" marB="0" anchor="b"/>
-                </a:tc>
-                <a:tc>
-                  <a:txBody>
-                    <a:bodyPr/>
-                    <a:lstStyle/>
-                    <a:p>
-                      <a:pPr algn="l" fontAlgn="b"/>
-                      <a:r>
-                        <a:rPr lang="en-US" sz="1200" u="none" strike="noStrike" dirty="0">
-                          <a:effectLst/>
-                        </a:rPr>
-                        <a:t>Feature Engineering </a:t>
-                      </a:r>
-                      <a:endParaRPr lang="en-US" sz="1200" b="0" i="0" u="none" strike="noStrike" dirty="0">
-                        <a:solidFill>
-                          <a:srgbClr val="000000"/>
-                        </a:solidFill>
-                        <a:effectLst/>
-                        <a:latin typeface="Calibri" panose="020F0502020204030204" pitchFamily="34" charset="0"/>
-                      </a:endParaRPr>
-                    </a:p>
-                  </a:txBody>
-                  <a:tcPr marL="9525" marR="9525" marT="9525" marB="0" anchor="b"/>
-                </a:tc>
-                <a:tc>
-                  <a:txBody>
-                    <a:bodyPr/>
-                    <a:lstStyle/>
-                    <a:p>
-                      <a:pPr algn="l" fontAlgn="b"/>
-                      <a:r>
-                        <a:rPr lang="en-US" sz="1200" u="none" strike="noStrike" dirty="0">
-                          <a:effectLst/>
-                        </a:rPr>
-                        <a:t>10_day_Rolling_corr</a:t>
-                      </a:r>
-                      <a:endParaRPr lang="en-US" sz="1200" b="0" i="0" u="none" strike="noStrike" dirty="0">
-                        <a:solidFill>
-                          <a:srgbClr val="000000"/>
-                        </a:solidFill>
-                        <a:effectLst/>
-                        <a:latin typeface="Calibri" panose="020F0502020204030204" pitchFamily="34" charset="0"/>
-                      </a:endParaRPr>
-                    </a:p>
-                  </a:txBody>
-                  <a:tcPr marL="9525" marR="9525" marT="9525" marB="0" anchor="b"/>
-                </a:tc>
-                <a:extLst>
-                  <a:ext uri="{0D108BD9-81ED-4DB2-BD59-A6C34878D82A}">
-                    <a16:rowId xmlns:a16="http://schemas.microsoft.com/office/drawing/2014/main" val="2840710665"/>
-                  </a:ext>
-                </a:extLst>
-              </a:tr>
-              <a:tr h="194232">
-                <a:tc>
-                  <a:txBody>
-                    <a:bodyPr/>
-                    <a:lstStyle/>
-                    <a:p>
-                      <a:pPr algn="l" fontAlgn="b"/>
-                      <a:r>
-                        <a:rPr lang="en-US" sz="1200" u="none" strike="noStrike">
-                          <a:effectLst/>
-                        </a:rPr>
-                        <a:t>Open_Price(t) - Open_Price(t-1)</a:t>
-                      </a:r>
-                      <a:endParaRPr lang="en-US" sz="1200" b="0" i="0" u="none" strike="noStrike">
-                        <a:solidFill>
-                          <a:srgbClr val="000000"/>
-                        </a:solidFill>
-                        <a:effectLst/>
-                        <a:latin typeface="Calibri" panose="020F0502020204030204" pitchFamily="34" charset="0"/>
-                      </a:endParaRPr>
-                    </a:p>
-                  </a:txBody>
-                  <a:tcPr marL="9525" marR="9525" marT="9525" marB="0" anchor="b"/>
-                </a:tc>
-                <a:tc>
-                  <a:txBody>
-                    <a:bodyPr/>
-                    <a:lstStyle/>
-                    <a:p>
-                      <a:pPr algn="l" fontAlgn="b"/>
-                      <a:r>
-                        <a:rPr lang="en-US" sz="1200" u="none" strike="noStrike">
-                          <a:effectLst/>
-                        </a:rPr>
-                        <a:t>Feature Engineering </a:t>
-                      </a:r>
-                      <a:endParaRPr lang="en-US" sz="1200" b="0" i="0" u="none" strike="noStrike">
-                        <a:solidFill>
-                          <a:srgbClr val="000000"/>
-                        </a:solidFill>
-                        <a:effectLst/>
-                        <a:latin typeface="Calibri" panose="020F0502020204030204" pitchFamily="34" charset="0"/>
-                      </a:endParaRPr>
-                    </a:p>
-                  </a:txBody>
-                  <a:tcPr marL="9525" marR="9525" marT="9525" marB="0" anchor="b"/>
-                </a:tc>
-                <a:tc>
-                  <a:txBody>
-                    <a:bodyPr/>
-                    <a:lstStyle/>
-                    <a:p>
-                      <a:pPr algn="l" fontAlgn="b"/>
-                      <a:r>
-                        <a:rPr lang="en-US" sz="1200" u="none" strike="noStrike" dirty="0" err="1">
-                          <a:effectLst/>
-                        </a:rPr>
-                        <a:t>Open_Price</a:t>
-                      </a:r>
-                      <a:r>
-                        <a:rPr lang="en-US" sz="1200" u="none" strike="noStrike" dirty="0">
-                          <a:effectLst/>
-                        </a:rPr>
-                        <a:t>(t) - </a:t>
-                      </a:r>
-                      <a:r>
-                        <a:rPr lang="en-US" sz="1200" u="none" strike="noStrike" dirty="0" err="1">
-                          <a:effectLst/>
-                        </a:rPr>
-                        <a:t>Open_Price</a:t>
-                      </a:r>
-                      <a:r>
-                        <a:rPr lang="en-US" sz="1200" u="none" strike="noStrike" dirty="0">
-                          <a:effectLst/>
-                        </a:rPr>
-                        <a:t>(t-1)</a:t>
-                      </a:r>
-                      <a:endParaRPr lang="en-US" sz="1200" b="0" i="0" u="none" strike="noStrike" dirty="0">
-                        <a:solidFill>
-                          <a:srgbClr val="000000"/>
-                        </a:solidFill>
-                        <a:effectLst/>
-                        <a:latin typeface="Calibri" panose="020F0502020204030204" pitchFamily="34" charset="0"/>
-                      </a:endParaRPr>
-                    </a:p>
-                  </a:txBody>
-                  <a:tcPr marL="9525" marR="9525" marT="9525" marB="0" anchor="b"/>
-                </a:tc>
-                <a:extLst>
-                  <a:ext uri="{0D108BD9-81ED-4DB2-BD59-A6C34878D82A}">
-                    <a16:rowId xmlns:a16="http://schemas.microsoft.com/office/drawing/2014/main" val="1873769342"/>
-                  </a:ext>
-                </a:extLst>
-              </a:tr>
-              <a:tr h="194232">
-                <a:tc>
-                  <a:txBody>
-                    <a:bodyPr/>
-                    <a:lstStyle/>
-                    <a:p>
-                      <a:pPr algn="l" fontAlgn="b"/>
-                      <a:r>
-                        <a:rPr lang="en-US" sz="1200" u="none" strike="noStrike">
-                          <a:effectLst/>
-                        </a:rPr>
-                        <a:t>Open_Price(t) - Close_Price(t)</a:t>
-                      </a:r>
-                      <a:endParaRPr lang="en-US" sz="1200" b="0" i="0" u="none" strike="noStrike">
-                        <a:solidFill>
-                          <a:srgbClr val="000000"/>
-                        </a:solidFill>
-                        <a:effectLst/>
-                        <a:latin typeface="Calibri" panose="020F0502020204030204" pitchFamily="34" charset="0"/>
-                      </a:endParaRPr>
-                    </a:p>
-                  </a:txBody>
-                  <a:tcPr marL="9525" marR="9525" marT="9525" marB="0" anchor="b"/>
-                </a:tc>
-                <a:tc>
-                  <a:txBody>
-                    <a:bodyPr/>
-                    <a:lstStyle/>
-                    <a:p>
-                      <a:pPr algn="l" fontAlgn="b"/>
-                      <a:r>
-                        <a:rPr lang="en-US" sz="1200" u="none" strike="noStrike">
-                          <a:effectLst/>
-                        </a:rPr>
-                        <a:t>Feature Engineering </a:t>
-                      </a:r>
-                      <a:endParaRPr lang="en-US" sz="1200" b="0" i="0" u="none" strike="noStrike">
-                        <a:solidFill>
-                          <a:srgbClr val="000000"/>
-                        </a:solidFill>
-                        <a:effectLst/>
-                        <a:latin typeface="Calibri" panose="020F0502020204030204" pitchFamily="34" charset="0"/>
-                      </a:endParaRPr>
-                    </a:p>
-                  </a:txBody>
-                  <a:tcPr marL="9525" marR="9525" marT="9525" marB="0" anchor="b"/>
-                </a:tc>
-                <a:tc>
-                  <a:txBody>
-                    <a:bodyPr/>
-                    <a:lstStyle/>
-                    <a:p>
-                      <a:pPr algn="l" fontAlgn="b"/>
-                      <a:r>
-                        <a:rPr lang="en-US" sz="1200" u="none" strike="noStrike" dirty="0" err="1">
-                          <a:effectLst/>
-                        </a:rPr>
-                        <a:t>Open_Price</a:t>
-                      </a:r>
-                      <a:r>
-                        <a:rPr lang="en-US" sz="1200" u="none" strike="noStrike" dirty="0">
-                          <a:effectLst/>
-                        </a:rPr>
-                        <a:t>(t) - </a:t>
-                      </a:r>
-                      <a:r>
-                        <a:rPr lang="en-US" sz="1200" u="none" strike="noStrike" dirty="0" err="1">
-                          <a:effectLst/>
-                        </a:rPr>
-                        <a:t>Close_Price</a:t>
-                      </a:r>
-                      <a:r>
-                        <a:rPr lang="en-US" sz="1200" u="none" strike="noStrike" dirty="0">
-                          <a:effectLst/>
-                        </a:rPr>
-                        <a:t>(t)</a:t>
-                      </a:r>
-                      <a:endParaRPr lang="en-US" sz="1200" b="0" i="0" u="none" strike="noStrike" dirty="0">
-                        <a:solidFill>
-                          <a:srgbClr val="000000"/>
-                        </a:solidFill>
-                        <a:effectLst/>
-                        <a:latin typeface="Calibri" panose="020F0502020204030204" pitchFamily="34" charset="0"/>
-                      </a:endParaRPr>
-                    </a:p>
-                  </a:txBody>
-                  <a:tcPr marL="9525" marR="9525" marT="9525" marB="0" anchor="b"/>
-                </a:tc>
-                <a:extLst>
-                  <a:ext uri="{0D108BD9-81ED-4DB2-BD59-A6C34878D82A}">
-                    <a16:rowId xmlns:a16="http://schemas.microsoft.com/office/drawing/2014/main" val="775890219"/>
-                  </a:ext>
-                </a:extLst>
-              </a:tr>
-              <a:tr h="194232">
-                <a:tc>
-                  <a:txBody>
-                    <a:bodyPr/>
-                    <a:lstStyle/>
-                    <a:p>
-                      <a:pPr algn="l" fontAlgn="b"/>
-                      <a:r>
-                        <a:rPr lang="en-US" sz="1200" u="none" strike="noStrike">
-                          <a:effectLst/>
-                        </a:rPr>
-                        <a:t>US 10 Year Treasury Yield</a:t>
-                      </a:r>
-                      <a:endParaRPr lang="en-US" sz="1200" b="0" i="0" u="none" strike="noStrike">
-                        <a:solidFill>
-                          <a:srgbClr val="000000"/>
-                        </a:solidFill>
-                        <a:effectLst/>
-                        <a:latin typeface="Calibri" panose="020F0502020204030204" pitchFamily="34" charset="0"/>
-                      </a:endParaRPr>
-                    </a:p>
-                  </a:txBody>
-                  <a:tcPr marL="9525" marR="9525" marT="9525" marB="0" anchor="b"/>
-                </a:tc>
-                <a:tc>
-                  <a:txBody>
-                    <a:bodyPr/>
-                    <a:lstStyle/>
-                    <a:p>
-                      <a:pPr algn="l" fontAlgn="b"/>
-                      <a:r>
-                        <a:rPr lang="en-US" sz="1200" u="none" strike="noStrike">
-                          <a:effectLst/>
-                        </a:rPr>
-                        <a:t>Raw Data </a:t>
-                      </a:r>
-                      <a:endParaRPr lang="en-US" sz="1200" b="0" i="0" u="none" strike="noStrike">
-                        <a:solidFill>
-                          <a:srgbClr val="000000"/>
-                        </a:solidFill>
-                        <a:effectLst/>
-                        <a:latin typeface="Calibri" panose="020F0502020204030204" pitchFamily="34" charset="0"/>
-                      </a:endParaRPr>
-                    </a:p>
-                  </a:txBody>
-                  <a:tcPr marL="9525" marR="9525" marT="9525" marB="0" anchor="b"/>
-                </a:tc>
-                <a:tc>
-                  <a:txBody>
-                    <a:bodyPr/>
-                    <a:lstStyle/>
-                    <a:p>
-                      <a:pPr algn="ctr" fontAlgn="b"/>
-                      <a:r>
-                        <a:rPr lang="en-US" sz="1200" u="none" strike="noStrike" dirty="0">
-                          <a:effectLst/>
-                        </a:rPr>
-                        <a:t>-</a:t>
-                      </a:r>
-                      <a:endParaRPr lang="en-US" sz="1200" b="0" i="0" u="none" strike="noStrike" dirty="0">
-                        <a:solidFill>
-                          <a:srgbClr val="000000"/>
-                        </a:solidFill>
-                        <a:effectLst/>
-                        <a:latin typeface="Calibri" panose="020F0502020204030204" pitchFamily="34" charset="0"/>
-                      </a:endParaRPr>
-                    </a:p>
-                  </a:txBody>
-                  <a:tcPr marL="9525" marR="9525" marT="9525" marB="0" anchor="b"/>
-                </a:tc>
-                <a:extLst>
-                  <a:ext uri="{0D108BD9-81ED-4DB2-BD59-A6C34878D82A}">
-                    <a16:rowId xmlns:a16="http://schemas.microsoft.com/office/drawing/2014/main" val="3097813790"/>
-                  </a:ext>
-                </a:extLst>
-              </a:tr>
-              <a:tr h="194232">
-                <a:tc>
-                  <a:txBody>
-                    <a:bodyPr/>
-                    <a:lstStyle/>
-                    <a:p>
-                      <a:pPr algn="l" fontAlgn="b"/>
-                      <a:r>
-                        <a:rPr lang="en-US" sz="1200" u="none" strike="noStrike">
-                          <a:effectLst/>
-                        </a:rPr>
-                        <a:t>VIX</a:t>
-                      </a:r>
-                      <a:endParaRPr lang="en-US" sz="1200" b="0" i="0" u="none" strike="noStrike">
-                        <a:solidFill>
-                          <a:srgbClr val="000000"/>
-                        </a:solidFill>
-                        <a:effectLst/>
-                        <a:latin typeface="Calibri" panose="020F0502020204030204" pitchFamily="34" charset="0"/>
-                      </a:endParaRPr>
-                    </a:p>
-                  </a:txBody>
-                  <a:tcPr marL="9525" marR="9525" marT="9525" marB="0" anchor="b"/>
-                </a:tc>
-                <a:tc>
-                  <a:txBody>
-                    <a:bodyPr/>
-                    <a:lstStyle/>
-                    <a:p>
-                      <a:pPr algn="l" fontAlgn="b"/>
-                      <a:r>
-                        <a:rPr lang="en-US" sz="1200" u="none" strike="noStrike">
-                          <a:effectLst/>
-                        </a:rPr>
-                        <a:t>Raw Data </a:t>
-                      </a:r>
-                      <a:endParaRPr lang="en-US" sz="1200" b="0" i="0" u="none" strike="noStrike">
-                        <a:solidFill>
-                          <a:srgbClr val="000000"/>
-                        </a:solidFill>
-                        <a:effectLst/>
-                        <a:latin typeface="Calibri" panose="020F0502020204030204" pitchFamily="34" charset="0"/>
-                      </a:endParaRPr>
-                    </a:p>
-                  </a:txBody>
-                  <a:tcPr marL="9525" marR="9525" marT="9525" marB="0" anchor="b"/>
-                </a:tc>
-                <a:tc>
-                  <a:txBody>
-                    <a:bodyPr/>
-                    <a:lstStyle/>
-                    <a:p>
-                      <a:pPr algn="ctr" fontAlgn="b"/>
-                      <a:r>
-                        <a:rPr lang="en-US" sz="1200" u="none" strike="noStrike" dirty="0">
-                          <a:effectLst/>
-                        </a:rPr>
-                        <a:t>-</a:t>
-                      </a:r>
-                      <a:endParaRPr lang="en-US" sz="1200" b="0" i="0" u="none" strike="noStrike" dirty="0">
-                        <a:solidFill>
-                          <a:srgbClr val="000000"/>
-                        </a:solidFill>
-                        <a:effectLst/>
-                        <a:latin typeface="Calibri" panose="020F0502020204030204" pitchFamily="34" charset="0"/>
-                      </a:endParaRPr>
-                    </a:p>
-                  </a:txBody>
-                  <a:tcPr marL="9525" marR="9525" marT="9525" marB="0" anchor="b"/>
-                </a:tc>
-                <a:extLst>
-                  <a:ext uri="{0D108BD9-81ED-4DB2-BD59-A6C34878D82A}">
-                    <a16:rowId xmlns:a16="http://schemas.microsoft.com/office/drawing/2014/main" val="3856002431"/>
+                    <a16:rowId xmlns:a16="http://schemas.microsoft.com/office/drawing/2014/main" val="1984454795"/>
                   </a:ext>
                 </a:extLst>
               </a:tr>
@@ -6525,10 +10421,148 @@
           </a:graphicData>
         </a:graphic>
       </p:graphicFrame>
+      <p:sp>
+        <p:nvSpPr>
+          <p:cNvPr id="12" name="TextBox 11">
+            <a:extLst>
+              <a:ext uri="{FF2B5EF4-FFF2-40B4-BE49-F238E27FC236}">
+                <a16:creationId xmlns:a16="http://schemas.microsoft.com/office/drawing/2014/main" id="{3339CE2A-8985-4A98-9839-8A261517BC4E}"/>
+              </a:ext>
+            </a:extLst>
+          </p:cNvPr>
+          <p:cNvSpPr txBox="1"/>
+          <p:nvPr/>
+        </p:nvSpPr>
+        <p:spPr>
+          <a:xfrm>
+            <a:off x="7372350" y="2646747"/>
+            <a:ext cx="3835400" cy="461665"/>
+          </a:xfrm>
+          <a:prstGeom prst="rect">
+            <a:avLst/>
+          </a:prstGeom>
+          <a:noFill/>
+        </p:spPr>
+        <p:txBody>
+          <a:bodyPr wrap="square" rtlCol="0">
+            <a:spAutoFit/>
+          </a:bodyPr>
+          <a:lstStyle/>
+          <a:p>
+            <a:r>
+              <a:rPr lang="en-US" sz="1200" dirty="0"/>
+              <a:t>• 3407 data points in the training set</a:t>
+            </a:r>
+          </a:p>
+          <a:p>
+            <a:r>
+              <a:rPr lang="en-US" sz="1200" dirty="0"/>
+              <a:t>• 852 in the testing set</a:t>
+            </a:r>
+          </a:p>
+        </p:txBody>
+      </p:sp>
     </p:spTree>
     <p:extLst>
       <p:ext uri="{BB962C8B-B14F-4D97-AF65-F5344CB8AC3E}">
-        <p14:creationId xmlns:p14="http://schemas.microsoft.com/office/powerpoint/2010/main" val="485817502"/>
+        <p14:creationId xmlns:p14="http://schemas.microsoft.com/office/powerpoint/2010/main" val="1996984032"/>
+      </p:ext>
+    </p:extLst>
+  </p:cSld>
+  <p:clrMapOvr>
+    <a:masterClrMapping/>
+  </p:clrMapOvr>
+</p:sld>
+</file>
+
+<file path=ppt/slides/slide6.xml><?xml version="1.0" encoding="utf-8"?>
+<p:sld xmlns:a="http://schemas.openxmlformats.org/drawingml/2006/main" xmlns:r="http://schemas.openxmlformats.org/officeDocument/2006/relationships" xmlns:p="http://schemas.openxmlformats.org/presentationml/2006/main">
+  <p:cSld>
+    <p:spTree>
+      <p:nvGrpSpPr>
+        <p:cNvPr id="1" name=""/>
+        <p:cNvGrpSpPr/>
+        <p:nvPr/>
+      </p:nvGrpSpPr>
+      <p:grpSpPr>
+        <a:xfrm>
+          <a:off x="0" y="0"/>
+          <a:ext cx="0" cy="0"/>
+          <a:chOff x="0" y="0"/>
+          <a:chExt cx="0" cy="0"/>
+        </a:xfrm>
+      </p:grpSpPr>
+      <p:sp>
+        <p:nvSpPr>
+          <p:cNvPr id="2" name="Title 1">
+            <a:extLst>
+              <a:ext uri="{FF2B5EF4-FFF2-40B4-BE49-F238E27FC236}">
+                <a16:creationId xmlns:a16="http://schemas.microsoft.com/office/drawing/2014/main" id="{32F3E5AB-0BE6-4C7C-B2A6-F7A52266A43F}"/>
+              </a:ext>
+            </a:extLst>
+          </p:cNvPr>
+          <p:cNvSpPr>
+            <a:spLocks noGrp="1"/>
+          </p:cNvSpPr>
+          <p:nvPr>
+            <p:ph type="ctrTitle"/>
+          </p:nvPr>
+        </p:nvSpPr>
+        <p:spPr>
+          <a:xfrm>
+            <a:off x="1796525" y="696235"/>
+            <a:ext cx="8791575" cy="2387600"/>
+          </a:xfrm>
+        </p:spPr>
+        <p:txBody>
+          <a:bodyPr>
+            <a:normAutofit/>
+          </a:bodyPr>
+          <a:lstStyle/>
+          <a:p>
+            <a:pPr algn="ctr"/>
+            <a:r>
+              <a:rPr lang="en-US" sz="3600" dirty="0">
+                <a:solidFill>
+                  <a:schemeClr val="accent2">
+                    <a:lumMod val="75000"/>
+                  </a:schemeClr>
+                </a:solidFill>
+              </a:rPr>
+              <a:t>Can Machine Learning be used to predict S&amp;P returns  Using historical Commodity returns</a:t>
+            </a:r>
+          </a:p>
+        </p:txBody>
+      </p:sp>
+      <p:sp>
+        <p:nvSpPr>
+          <p:cNvPr id="3" name="Subtitle 2">
+            <a:extLst>
+              <a:ext uri="{FF2B5EF4-FFF2-40B4-BE49-F238E27FC236}">
+                <a16:creationId xmlns:a16="http://schemas.microsoft.com/office/drawing/2014/main" id="{CAEA82BE-1100-421B-AFE9-3B5C64DCC9F6}"/>
+              </a:ext>
+            </a:extLst>
+          </p:cNvPr>
+          <p:cNvSpPr>
+            <a:spLocks noGrp="1"/>
+          </p:cNvSpPr>
+          <p:nvPr>
+            <p:ph type="subTitle" idx="1"/>
+          </p:nvPr>
+        </p:nvSpPr>
+        <p:spPr/>
+        <p:txBody>
+          <a:bodyPr/>
+          <a:lstStyle/>
+          <a:p>
+            <a:endParaRPr lang="en-US" dirty="0"/>
+          </a:p>
+        </p:txBody>
+      </p:sp>
+    </p:spTree>
+    <p:extLst>
+      <p:ext uri="{BB962C8B-B14F-4D97-AF65-F5344CB8AC3E}">
+        <p14:creationId xmlns:p14="http://schemas.microsoft.com/office/powerpoint/2010/main" val="3460352096"/>
       </p:ext>
     </p:extLst>
   </p:cSld>
